--- a/RANSAC/RANSAC.pptx
+++ b/RANSAC/RANSAC.pptx
@@ -5,7 +5,7 @@
     <p:sldMasterId id="2147483648" r:id="rId1"/>
   </p:sldMasterIdLst>
   <p:notesMasterIdLst>
-    <p:notesMasterId r:id="rId19"/>
+    <p:notesMasterId r:id="rId22"/>
   </p:notesMasterIdLst>
   <p:sldIdLst>
     <p:sldId id="290" r:id="rId2"/>
@@ -18,13 +18,16 @@
     <p:sldId id="293" r:id="rId9"/>
     <p:sldId id="294" r:id="rId10"/>
     <p:sldId id="295" r:id="rId11"/>
-    <p:sldId id="301" r:id="rId12"/>
-    <p:sldId id="259" r:id="rId13"/>
-    <p:sldId id="289" r:id="rId14"/>
-    <p:sldId id="287" r:id="rId15"/>
-    <p:sldId id="288" r:id="rId16"/>
-    <p:sldId id="283" r:id="rId17"/>
-    <p:sldId id="296" r:id="rId18"/>
+    <p:sldId id="306" r:id="rId12"/>
+    <p:sldId id="301" r:id="rId13"/>
+    <p:sldId id="259" r:id="rId14"/>
+    <p:sldId id="289" r:id="rId15"/>
+    <p:sldId id="287" r:id="rId16"/>
+    <p:sldId id="288" r:id="rId17"/>
+    <p:sldId id="283" r:id="rId18"/>
+    <p:sldId id="307" r:id="rId19"/>
+    <p:sldId id="308" r:id="rId20"/>
+    <p:sldId id="296" r:id="rId21"/>
   </p:sldIdLst>
   <p:sldSz cx="12192000" cy="6858000"/>
   <p:notesSz cx="6858000" cy="9144000"/>
@@ -213,7 +216,7 @@
           <a:p>
             <a:fld id="{CA835E94-03C3-4829-87F5-1BCAE5B78069}" type="datetimeFigureOut">
               <a:rPr lang="en-IL" smtClean="0"/>
-              <a:t>04/01/2022</a:t>
+              <a:t>06/01/2022</a:t>
             </a:fld>
             <a:endParaRPr lang="en-IL"/>
           </a:p>
@@ -610,7 +613,7 @@
           <a:p>
             <a:fld id="{9F3C49E6-D9EC-4034-9731-7892FF7FC3D8}" type="datetime1">
               <a:rPr lang="en-US" smtClean="0"/>
-              <a:t>1/4/2022</a:t>
+              <a:t>1/6/2022</a:t>
             </a:fld>
             <a:endParaRPr lang="en-US" dirty="0"/>
           </a:p>
@@ -778,7 +781,7 @@
           <a:p>
             <a:fld id="{BB3E0B60-9790-4381-9BA0-BCCF78FD4697}" type="datetime1">
               <a:rPr lang="en-US" smtClean="0"/>
-              <a:t>1/4/2022</a:t>
+              <a:t>1/6/2022</a:t>
             </a:fld>
             <a:endParaRPr lang="en-US" dirty="0"/>
           </a:p>
@@ -956,7 +959,7 @@
           <a:p>
             <a:fld id="{C9282981-334B-448B-9FDE-EB6658CE9CBE}" type="datetime1">
               <a:rPr lang="en-US" smtClean="0"/>
-              <a:t>1/4/2022</a:t>
+              <a:t>1/6/2022</a:t>
             </a:fld>
             <a:endParaRPr lang="en-US" dirty="0"/>
           </a:p>
@@ -1124,7 +1127,7 @@
           <a:p>
             <a:fld id="{660D70B8-CE09-4FFF-AE8A-67636ADAAC4D}" type="datetime1">
               <a:rPr lang="en-US" smtClean="0"/>
-              <a:t>1/4/2022</a:t>
+              <a:t>1/6/2022</a:t>
             </a:fld>
             <a:endParaRPr lang="en-US" dirty="0"/>
           </a:p>
@@ -1369,7 +1372,7 @@
           <a:p>
             <a:fld id="{AD0B0D67-F21A-4534-96EB-9AF475FC05ED}" type="datetime1">
               <a:rPr lang="en-US" smtClean="0"/>
-              <a:t>1/4/2022</a:t>
+              <a:t>1/6/2022</a:t>
             </a:fld>
             <a:endParaRPr lang="en-US" dirty="0"/>
           </a:p>
@@ -1598,7 +1601,7 @@
           <a:p>
             <a:fld id="{14B50E77-33EC-4A36-8482-ECBDB7352028}" type="datetime1">
               <a:rPr lang="en-US" smtClean="0"/>
-              <a:t>1/4/2022</a:t>
+              <a:t>1/6/2022</a:t>
             </a:fld>
             <a:endParaRPr lang="en-US" dirty="0"/>
           </a:p>
@@ -1962,7 +1965,7 @@
           <a:p>
             <a:fld id="{ACEED77A-FF81-44F1-90C7-ED47DCB502B6}" type="datetime1">
               <a:rPr lang="en-US" smtClean="0"/>
-              <a:t>1/4/2022</a:t>
+              <a:t>1/6/2022</a:t>
             </a:fld>
             <a:endParaRPr lang="en-US" dirty="0"/>
           </a:p>
@@ -2079,7 +2082,7 @@
           <a:p>
             <a:fld id="{458942FC-C333-4BE2-A82C-701F97CC151C}" type="datetime1">
               <a:rPr lang="en-US" smtClean="0"/>
-              <a:t>1/4/2022</a:t>
+              <a:t>1/6/2022</a:t>
             </a:fld>
             <a:endParaRPr lang="en-US" dirty="0"/>
           </a:p>
@@ -2174,7 +2177,7 @@
           <a:p>
             <a:fld id="{306691DF-E280-48E3-BA03-9B7A29E7E306}" type="datetime1">
               <a:rPr lang="en-US" smtClean="0"/>
-              <a:t>1/4/2022</a:t>
+              <a:t>1/6/2022</a:t>
             </a:fld>
             <a:endParaRPr lang="en-US" dirty="0"/>
           </a:p>
@@ -2449,7 +2452,7 @@
           <a:p>
             <a:fld id="{6FDCB84F-995F-403D-A6DF-D769E0F89373}" type="datetime1">
               <a:rPr lang="en-US" smtClean="0"/>
-              <a:t>1/4/2022</a:t>
+              <a:t>1/6/2022</a:t>
             </a:fld>
             <a:endParaRPr lang="en-US" dirty="0"/>
           </a:p>
@@ -2701,7 +2704,7 @@
           <a:p>
             <a:fld id="{05B43EA9-DA9D-4CCE-9296-16EC40D7A021}" type="datetime1">
               <a:rPr lang="en-US" smtClean="0"/>
-              <a:t>1/4/2022</a:t>
+              <a:t>1/6/2022</a:t>
             </a:fld>
             <a:endParaRPr lang="en-US" dirty="0"/>
           </a:p>
@@ -2912,7 +2915,7 @@
           <a:p>
             <a:fld id="{BE307345-9905-436A-8A7E-545FDF14C767}" type="datetime1">
               <a:rPr lang="en-US" smtClean="0"/>
-              <a:t>1/4/2022</a:t>
+              <a:t>1/6/2022</a:t>
             </a:fld>
             <a:endParaRPr lang="en-US" dirty="0"/>
           </a:p>
@@ -3489,160 +3492,140 @@
           <a:chExt cx="0" cy="0"/>
         </a:xfrm>
       </p:grpSpPr>
-      <p:pic>
-        <p:nvPicPr>
-          <p:cNvPr id="5" name="Picture 4">
+      <p:grpSp>
+        <p:nvGrpSpPr>
+          <p:cNvPr id="3" name="Group 2">
             <a:extLst>
               <a:ext uri="{FF2B5EF4-FFF2-40B4-BE49-F238E27FC236}">
-                <a16:creationId xmlns:a16="http://schemas.microsoft.com/office/drawing/2014/main" id="{F2BE2BC1-5EB6-46AF-B22F-5DDCA501786F}"/>
+                <a16:creationId xmlns:a16="http://schemas.microsoft.com/office/drawing/2014/main" id="{5D6FF2C1-2EDC-4C2A-8C61-766FE8537F83}"/>
               </a:ext>
             </a:extLst>
           </p:cNvPr>
-          <p:cNvPicPr>
-            <a:picLocks noChangeAspect="1"/>
-          </p:cNvPicPr>
+          <p:cNvGrpSpPr/>
           <p:nvPr/>
-        </p:nvPicPr>
-        <p:blipFill rotWithShape="1">
-          <a:blip r:embed="rId2"/>
-          <a:srcRect t="-1576" b="1"/>
-          <a:stretch/>
-        </p:blipFill>
-        <p:spPr>
+        </p:nvGrpSpPr>
+        <p:grpSpPr>
           <a:xfrm>
-            <a:off x="1009650" y="1"/>
-            <a:ext cx="10172700" cy="6753224"/>
+            <a:off x="548403" y="1545579"/>
+            <a:ext cx="10805397" cy="3196354"/>
+            <a:chOff x="1009650" y="2379058"/>
+            <a:chExt cx="7604812" cy="2249586"/>
           </a:xfrm>
-          <a:prstGeom prst="rect">
-            <a:avLst/>
-          </a:prstGeom>
-        </p:spPr>
-      </p:pic>
-      <p:cxnSp>
-        <p:nvCxnSpPr>
-          <p:cNvPr id="7" name="Straight Connector 6">
-            <a:extLst>
-              <a:ext uri="{FF2B5EF4-FFF2-40B4-BE49-F238E27FC236}">
-                <a16:creationId xmlns:a16="http://schemas.microsoft.com/office/drawing/2014/main" id="{882016F6-29C9-4C43-ABD9-68BF670AA84A}"/>
-              </a:ext>
-            </a:extLst>
-          </p:cNvPr>
-          <p:cNvCxnSpPr/>
-          <p:nvPr/>
-        </p:nvCxnSpPr>
-        <p:spPr>
-          <a:xfrm flipH="1">
-            <a:off x="1634836" y="1644073"/>
-            <a:ext cx="3232728" cy="0"/>
-          </a:xfrm>
-          <a:prstGeom prst="line">
-            <a:avLst/>
-          </a:prstGeom>
-          <a:ln w="57150">
-            <a:solidFill>
-              <a:srgbClr val="7030A0"/>
-            </a:solidFill>
-          </a:ln>
-        </p:spPr>
-        <p:style>
-          <a:lnRef idx="1">
-            <a:schemeClr val="accent1"/>
-          </a:lnRef>
-          <a:fillRef idx="0">
-            <a:schemeClr val="accent1"/>
-          </a:fillRef>
-          <a:effectRef idx="0">
-            <a:schemeClr val="accent1"/>
-          </a:effectRef>
-          <a:fontRef idx="minor">
-            <a:schemeClr val="tx1"/>
-          </a:fontRef>
-        </p:style>
-      </p:cxnSp>
-      <p:cxnSp>
-        <p:nvCxnSpPr>
-          <p:cNvPr id="8" name="Straight Connector 7">
-            <a:extLst>
-              <a:ext uri="{FF2B5EF4-FFF2-40B4-BE49-F238E27FC236}">
-                <a16:creationId xmlns:a16="http://schemas.microsoft.com/office/drawing/2014/main" id="{5EE3F730-2C99-4DCB-814F-9B559C92384B}"/>
-              </a:ext>
-            </a:extLst>
-          </p:cNvPr>
-          <p:cNvCxnSpPr/>
-          <p:nvPr/>
-        </p:nvCxnSpPr>
-        <p:spPr>
-          <a:xfrm flipH="1">
-            <a:off x="1714407" y="3770930"/>
-            <a:ext cx="3232728" cy="0"/>
-          </a:xfrm>
-          <a:prstGeom prst="line">
-            <a:avLst/>
-          </a:prstGeom>
-          <a:ln w="57150">
-            <a:solidFill>
-              <a:srgbClr val="7030A0"/>
-            </a:solidFill>
-          </a:ln>
-        </p:spPr>
-        <p:style>
-          <a:lnRef idx="1">
-            <a:schemeClr val="accent1"/>
-          </a:lnRef>
-          <a:fillRef idx="0">
-            <a:schemeClr val="accent1"/>
-          </a:fillRef>
-          <a:effectRef idx="0">
-            <a:schemeClr val="accent1"/>
-          </a:effectRef>
-          <a:fontRef idx="minor">
-            <a:schemeClr val="tx1"/>
-          </a:fontRef>
-        </p:style>
-      </p:cxnSp>
-      <p:cxnSp>
-        <p:nvCxnSpPr>
-          <p:cNvPr id="9" name="Straight Connector 8">
-            <a:extLst>
-              <a:ext uri="{FF2B5EF4-FFF2-40B4-BE49-F238E27FC236}">
-                <a16:creationId xmlns:a16="http://schemas.microsoft.com/office/drawing/2014/main" id="{61DEC6D3-9A4D-4109-A1AF-C203E4C14FE3}"/>
-              </a:ext>
-            </a:extLst>
-          </p:cNvPr>
-          <p:cNvCxnSpPr>
-            <a:cxnSpLocks/>
-          </p:cNvCxnSpPr>
-          <p:nvPr/>
-        </p:nvCxnSpPr>
-        <p:spPr>
-          <a:xfrm flipH="1">
-            <a:off x="1634836" y="2832253"/>
-            <a:ext cx="3568343" cy="0"/>
-          </a:xfrm>
-          <a:prstGeom prst="line">
-            <a:avLst/>
-          </a:prstGeom>
-          <a:ln w="57150">
-            <a:solidFill>
-              <a:srgbClr val="7030A0"/>
-            </a:solidFill>
-          </a:ln>
-        </p:spPr>
-        <p:style>
-          <a:lnRef idx="1">
-            <a:schemeClr val="accent1"/>
-          </a:lnRef>
-          <a:fillRef idx="0">
-            <a:schemeClr val="accent1"/>
-          </a:fillRef>
-          <a:effectRef idx="0">
-            <a:schemeClr val="accent1"/>
-          </a:effectRef>
-          <a:fontRef idx="minor">
-            <a:schemeClr val="tx1"/>
-          </a:fontRef>
-        </p:style>
-      </p:cxnSp>
+        </p:grpSpPr>
+        <p:pic>
+          <p:nvPicPr>
+            <p:cNvPr id="5" name="Picture 4">
+              <a:extLst>
+                <a:ext uri="{FF2B5EF4-FFF2-40B4-BE49-F238E27FC236}">
+                  <a16:creationId xmlns:a16="http://schemas.microsoft.com/office/drawing/2014/main" id="{F2BE2BC1-5EB6-46AF-B22F-5DDCA501786F}"/>
+                </a:ext>
+              </a:extLst>
+            </p:cNvPr>
+            <p:cNvPicPr>
+              <a:picLocks noChangeAspect="1"/>
+            </p:cNvPicPr>
+            <p:nvPr/>
+          </p:nvPicPr>
+          <p:blipFill rotWithShape="1">
+            <a:blip r:embed="rId2"/>
+            <a:srcRect t="34207" r="25243" b="31957"/>
+            <a:stretch/>
+          </p:blipFill>
+          <p:spPr>
+            <a:xfrm>
+              <a:off x="1009650" y="2379058"/>
+              <a:ext cx="7604812" cy="2249586"/>
+            </a:xfrm>
+            <a:prstGeom prst="rect">
+              <a:avLst/>
+            </a:prstGeom>
+          </p:spPr>
+        </p:pic>
+        <p:cxnSp>
+          <p:nvCxnSpPr>
+            <p:cNvPr id="8" name="Straight Connector 7">
+              <a:extLst>
+                <a:ext uri="{FF2B5EF4-FFF2-40B4-BE49-F238E27FC236}">
+                  <a16:creationId xmlns:a16="http://schemas.microsoft.com/office/drawing/2014/main" id="{5EE3F730-2C99-4DCB-814F-9B559C92384B}"/>
+                </a:ext>
+              </a:extLst>
+            </p:cNvPr>
+            <p:cNvCxnSpPr/>
+            <p:nvPr/>
+          </p:nvCxnSpPr>
+          <p:spPr>
+            <a:xfrm flipH="1">
+              <a:off x="1714407" y="3770930"/>
+              <a:ext cx="3232728" cy="0"/>
+            </a:xfrm>
+            <a:prstGeom prst="line">
+              <a:avLst/>
+            </a:prstGeom>
+            <a:ln w="57150">
+              <a:solidFill>
+                <a:srgbClr val="7030A0"/>
+              </a:solidFill>
+            </a:ln>
+          </p:spPr>
+          <p:style>
+            <a:lnRef idx="1">
+              <a:schemeClr val="accent1"/>
+            </a:lnRef>
+            <a:fillRef idx="0">
+              <a:schemeClr val="accent1"/>
+            </a:fillRef>
+            <a:effectRef idx="0">
+              <a:schemeClr val="accent1"/>
+            </a:effectRef>
+            <a:fontRef idx="minor">
+              <a:schemeClr val="tx1"/>
+            </a:fontRef>
+          </p:style>
+        </p:cxnSp>
+        <p:cxnSp>
+          <p:nvCxnSpPr>
+            <p:cNvPr id="9" name="Straight Connector 8">
+              <a:extLst>
+                <a:ext uri="{FF2B5EF4-FFF2-40B4-BE49-F238E27FC236}">
+                  <a16:creationId xmlns:a16="http://schemas.microsoft.com/office/drawing/2014/main" id="{61DEC6D3-9A4D-4109-A1AF-C203E4C14FE3}"/>
+                </a:ext>
+              </a:extLst>
+            </p:cNvPr>
+            <p:cNvCxnSpPr>
+              <a:cxnSpLocks/>
+            </p:cNvCxnSpPr>
+            <p:nvPr/>
+          </p:nvCxnSpPr>
+          <p:spPr>
+            <a:xfrm flipH="1">
+              <a:off x="1634836" y="2832253"/>
+              <a:ext cx="3568343" cy="0"/>
+            </a:xfrm>
+            <a:prstGeom prst="line">
+              <a:avLst/>
+            </a:prstGeom>
+            <a:ln w="57150">
+              <a:solidFill>
+                <a:srgbClr val="7030A0"/>
+              </a:solidFill>
+            </a:ln>
+          </p:spPr>
+          <p:style>
+            <a:lnRef idx="1">
+              <a:schemeClr val="accent1"/>
+            </a:lnRef>
+            <a:fillRef idx="0">
+              <a:schemeClr val="accent1"/>
+            </a:fillRef>
+            <a:effectRef idx="0">
+              <a:schemeClr val="accent1"/>
+            </a:effectRef>
+            <a:fontRef idx="minor">
+              <a:schemeClr val="tx1"/>
+            </a:fontRef>
+          </p:style>
+        </p:cxnSp>
+      </p:grpSp>
       <p:sp>
         <p:nvSpPr>
           <p:cNvPr id="2" name="Slide Number Placeholder 1">
@@ -3672,6 +3655,116 @@
           </a:p>
         </p:txBody>
       </p:sp>
+      <mc:AlternateContent xmlns:mc="http://schemas.openxmlformats.org/markup-compatibility/2006">
+        <mc:Choice xmlns:a14="http://schemas.microsoft.com/office/drawing/2010/main" Requires="a14">
+          <p:sp>
+            <p:nvSpPr>
+              <p:cNvPr id="10" name="TextBox 9">
+                <a:extLst>
+                  <a:ext uri="{FF2B5EF4-FFF2-40B4-BE49-F238E27FC236}">
+                    <a16:creationId xmlns:a16="http://schemas.microsoft.com/office/drawing/2014/main" id="{B324E2F7-4FE5-48FA-B8A5-13C5C323B9C3}"/>
+                  </a:ext>
+                </a:extLst>
+              </p:cNvPr>
+              <p:cNvSpPr txBox="1"/>
+              <p:nvPr/>
+            </p:nvSpPr>
+            <p:spPr>
+              <a:xfrm>
+                <a:off x="865848" y="494730"/>
+                <a:ext cx="7357079" cy="738664"/>
+              </a:xfrm>
+              <a:prstGeom prst="rect">
+                <a:avLst/>
+              </a:prstGeom>
+              <a:noFill/>
+            </p:spPr>
+            <p:txBody>
+              <a:bodyPr wrap="none" rtlCol="0">
+                <a:spAutoFit/>
+              </a:bodyPr>
+              <a:lstStyle/>
+              <a:p>
+                <a:r>
+                  <a:rPr lang="en-US" sz="4200" u="sng" dirty="0"/>
+                  <a:t>How to choose parameters? </a:t>
+                </a:r>
+                <a14:m>
+                  <m:oMath xmlns:m="http://schemas.openxmlformats.org/officeDocument/2006/math">
+                    <m:r>
+                      <a:rPr lang="en-US" sz="4200" b="0" i="1" u="sng" smtClean="0">
+                        <a:latin typeface="Cambria Math" panose="02040503050406030204" pitchFamily="18" charset="0"/>
+                      </a:rPr>
+                      <m:t>𝑠</m:t>
+                    </m:r>
+                    <m:r>
+                      <a:rPr lang="en-US" sz="4200" b="0" i="1" u="sng" smtClean="0">
+                        <a:latin typeface="Cambria Math" panose="02040503050406030204" pitchFamily="18" charset="0"/>
+                      </a:rPr>
+                      <m:t>,</m:t>
+                    </m:r>
+                    <m:r>
+                      <a:rPr lang="en-US" sz="4200" b="0" i="1" u="sng" smtClean="0">
+                        <a:latin typeface="Cambria Math" panose="02040503050406030204" pitchFamily="18" charset="0"/>
+                      </a:rPr>
+                      <m:t>𝛿</m:t>
+                    </m:r>
+                  </m:oMath>
+                </a14:m>
+                <a:r>
+                  <a:rPr lang="en-US" sz="4200" u="sng" dirty="0"/>
+                  <a:t>:</a:t>
+                </a:r>
+                <a:endParaRPr lang="en-IL" sz="4200" u="sng" dirty="0"/>
+              </a:p>
+            </p:txBody>
+          </p:sp>
+        </mc:Choice>
+        <mc:Fallback>
+          <p:sp>
+            <p:nvSpPr>
+              <p:cNvPr id="10" name="TextBox 9">
+                <a:extLst>
+                  <a:ext uri="{FF2B5EF4-FFF2-40B4-BE49-F238E27FC236}">
+                    <a16:creationId xmlns:a16="http://schemas.microsoft.com/office/drawing/2014/main" id="{B324E2F7-4FE5-48FA-B8A5-13C5C323B9C3}"/>
+                  </a:ext>
+                </a:extLst>
+              </p:cNvPr>
+              <p:cNvSpPr txBox="1">
+                <a:spLocks noRot="1" noChangeAspect="1" noMove="1" noResize="1" noEditPoints="1" noAdjustHandles="1" noChangeArrowheads="1" noChangeShapeType="1" noTextEdit="1"/>
+              </p:cNvSpPr>
+              <p:nvPr/>
+            </p:nvSpPr>
+            <p:spPr>
+              <a:xfrm>
+                <a:off x="865848" y="494730"/>
+                <a:ext cx="7357079" cy="738664"/>
+              </a:xfrm>
+              <a:prstGeom prst="rect">
+                <a:avLst/>
+              </a:prstGeom>
+              <a:blipFill>
+                <a:blip r:embed="rId3"/>
+                <a:stretch>
+                  <a:fillRect l="-3148" t="-15702" r="-2237" b="-38017"/>
+                </a:stretch>
+              </a:blipFill>
+            </p:spPr>
+            <p:txBody>
+              <a:bodyPr/>
+              <a:lstStyle/>
+              <a:p>
+                <a:r>
+                  <a:rPr lang="en-IL">
+                    <a:noFill/>
+                  </a:rPr>
+                  <a:t> </a:t>
+                </a:r>
+              </a:p>
+            </p:txBody>
+          </p:sp>
+        </mc:Fallback>
+      </mc:AlternateContent>
     </p:spTree>
     <p:extLst>
       <p:ext uri="{BB962C8B-B14F-4D97-AF65-F5344CB8AC3E}">
@@ -3702,12 +3795,41 @@
           <a:chExt cx="0" cy="0"/>
         </a:xfrm>
       </p:grpSpPr>
+      <p:sp>
+        <p:nvSpPr>
+          <p:cNvPr id="2" name="Slide Number Placeholder 1">
+            <a:extLst>
+              <a:ext uri="{FF2B5EF4-FFF2-40B4-BE49-F238E27FC236}">
+                <a16:creationId xmlns:a16="http://schemas.microsoft.com/office/drawing/2014/main" id="{A09B93C4-9F79-40BA-A069-6007273DBA03}"/>
+              </a:ext>
+            </a:extLst>
+          </p:cNvPr>
+          <p:cNvSpPr>
+            <a:spLocks noGrp="1"/>
+          </p:cNvSpPr>
+          <p:nvPr>
+            <p:ph type="sldNum" sz="quarter" idx="12"/>
+          </p:nvPr>
+        </p:nvSpPr>
+        <p:spPr/>
+        <p:txBody>
+          <a:bodyPr/>
+          <a:lstStyle/>
+          <a:p>
+            <a:fld id="{6A66ABA5-9194-4D3A-A872-2D6AFFA2C838}" type="slidenum">
+              <a:rPr lang="en-US" smtClean="0"/>
+              <a:t>11</a:t>
+            </a:fld>
+            <a:endParaRPr lang="en-US" dirty="0"/>
+          </a:p>
+        </p:txBody>
+      </p:sp>
       <p:pic>
         <p:nvPicPr>
-          <p:cNvPr id="5" name="Picture 4">
+          <p:cNvPr id="4" name="Picture 3">
             <a:extLst>
               <a:ext uri="{FF2B5EF4-FFF2-40B4-BE49-F238E27FC236}">
-                <a16:creationId xmlns:a16="http://schemas.microsoft.com/office/drawing/2014/main" id="{C3427AC9-F2A4-4B96-B862-7790F9049859}"/>
+                <a16:creationId xmlns:a16="http://schemas.microsoft.com/office/drawing/2014/main" id="{10D2E115-E121-48D6-B5E1-026B8100DAAE}"/>
               </a:ext>
             </a:extLst>
           </p:cNvPr>
@@ -3724,14 +3846,389 @@
         </p:blipFill>
         <p:spPr>
           <a:xfrm>
-            <a:off x="1497026" y="1183511"/>
-            <a:ext cx="9540510" cy="5233315"/>
+            <a:off x="6003797" y="3371851"/>
+            <a:ext cx="5499170" cy="3167061"/>
           </a:xfrm>
           <a:prstGeom prst="rect">
             <a:avLst/>
           </a:prstGeom>
         </p:spPr>
       </p:pic>
+      <p:pic>
+        <p:nvPicPr>
+          <p:cNvPr id="10" name="Picture 9">
+            <a:extLst>
+              <a:ext uri="{FF2B5EF4-FFF2-40B4-BE49-F238E27FC236}">
+                <a16:creationId xmlns:a16="http://schemas.microsoft.com/office/drawing/2014/main" id="{A0B4C3A4-010A-443F-993C-8BB7C627E722}"/>
+              </a:ext>
+            </a:extLst>
+          </p:cNvPr>
+          <p:cNvPicPr>
+            <a:picLocks noChangeAspect="1"/>
+          </p:cNvPicPr>
+          <p:nvPr/>
+        </p:nvPicPr>
+        <p:blipFill>
+          <a:blip r:embed="rId3"/>
+          <a:stretch>
+            <a:fillRect/>
+          </a:stretch>
+        </p:blipFill>
+        <p:spPr>
+          <a:xfrm>
+            <a:off x="985837" y="3676650"/>
+            <a:ext cx="4181475" cy="1743075"/>
+          </a:xfrm>
+          <a:prstGeom prst="rect">
+            <a:avLst/>
+          </a:prstGeom>
+        </p:spPr>
+      </p:pic>
+      <mc:AlternateContent xmlns:mc="http://schemas.openxmlformats.org/markup-compatibility/2006">
+        <mc:Choice xmlns:a14="http://schemas.microsoft.com/office/drawing/2010/main" Requires="a14">
+          <p:sp>
+            <p:nvSpPr>
+              <p:cNvPr id="12" name="TextBox 11">
+                <a:extLst>
+                  <a:ext uri="{FF2B5EF4-FFF2-40B4-BE49-F238E27FC236}">
+                    <a16:creationId xmlns:a16="http://schemas.microsoft.com/office/drawing/2014/main" id="{C335CB22-9422-449D-983E-4B286BCA20A4}"/>
+                  </a:ext>
+                </a:extLst>
+              </p:cNvPr>
+              <p:cNvSpPr txBox="1"/>
+              <p:nvPr/>
+            </p:nvSpPr>
+            <p:spPr>
+              <a:xfrm>
+                <a:off x="856895" y="606558"/>
+                <a:ext cx="6993518" cy="738664"/>
+              </a:xfrm>
+              <a:prstGeom prst="rect">
+                <a:avLst/>
+              </a:prstGeom>
+              <a:noFill/>
+            </p:spPr>
+            <p:txBody>
+              <a:bodyPr wrap="none" rtlCol="0">
+                <a:spAutoFit/>
+              </a:bodyPr>
+              <a:lstStyle/>
+              <a:p>
+                <a:r>
+                  <a:rPr lang="en-US" sz="4200" u="sng" dirty="0"/>
+                  <a:t>How to choose parameters? </a:t>
+                </a:r>
+                <a14:m>
+                  <m:oMath xmlns:m="http://schemas.openxmlformats.org/officeDocument/2006/math">
+                    <m:r>
+                      <a:rPr lang="en-US" sz="4200" b="0" i="1" u="sng" smtClean="0">
+                        <a:latin typeface="Cambria Math" panose="02040503050406030204" pitchFamily="18" charset="0"/>
+                      </a:rPr>
+                      <m:t>𝑁</m:t>
+                    </m:r>
+                  </m:oMath>
+                </a14:m>
+                <a:r>
+                  <a:rPr lang="en-US" sz="4200" u="sng" dirty="0"/>
+                  <a:t>:</a:t>
+                </a:r>
+                <a:endParaRPr lang="en-IL" sz="4200" u="sng" dirty="0"/>
+              </a:p>
+            </p:txBody>
+          </p:sp>
+        </mc:Choice>
+        <mc:Fallback>
+          <p:sp>
+            <p:nvSpPr>
+              <p:cNvPr id="12" name="TextBox 11">
+                <a:extLst>
+                  <a:ext uri="{FF2B5EF4-FFF2-40B4-BE49-F238E27FC236}">
+                    <a16:creationId xmlns:a16="http://schemas.microsoft.com/office/drawing/2014/main" id="{C335CB22-9422-449D-983E-4B286BCA20A4}"/>
+                  </a:ext>
+                </a:extLst>
+              </p:cNvPr>
+              <p:cNvSpPr txBox="1">
+                <a:spLocks noRot="1" noChangeAspect="1" noMove="1" noResize="1" noEditPoints="1" noAdjustHandles="1" noChangeArrowheads="1" noChangeShapeType="1" noTextEdit="1"/>
+              </p:cNvSpPr>
+              <p:nvPr/>
+            </p:nvSpPr>
+            <p:spPr>
+              <a:xfrm>
+                <a:off x="856895" y="606558"/>
+                <a:ext cx="6993518" cy="738664"/>
+              </a:xfrm>
+              <a:prstGeom prst="rect">
+                <a:avLst/>
+              </a:prstGeom>
+              <a:blipFill>
+                <a:blip r:embed="rId4"/>
+                <a:stretch>
+                  <a:fillRect l="-3400" t="-16529" r="-2354" b="-38017"/>
+                </a:stretch>
+              </a:blipFill>
+            </p:spPr>
+            <p:txBody>
+              <a:bodyPr/>
+              <a:lstStyle/>
+              <a:p>
+                <a:r>
+                  <a:rPr lang="en-IL">
+                    <a:noFill/>
+                  </a:rPr>
+                  <a:t> </a:t>
+                </a:r>
+              </a:p>
+            </p:txBody>
+          </p:sp>
+        </mc:Fallback>
+      </mc:AlternateContent>
+      <p:grpSp>
+        <p:nvGrpSpPr>
+          <p:cNvPr id="17" name="Group 16">
+            <a:extLst>
+              <a:ext uri="{FF2B5EF4-FFF2-40B4-BE49-F238E27FC236}">
+                <a16:creationId xmlns:a16="http://schemas.microsoft.com/office/drawing/2014/main" id="{F8050438-F24E-4425-AD3D-BAA329518D3B}"/>
+              </a:ext>
+            </a:extLst>
+          </p:cNvPr>
+          <p:cNvGrpSpPr/>
+          <p:nvPr/>
+        </p:nvGrpSpPr>
+        <p:grpSpPr>
+          <a:xfrm>
+            <a:off x="126258" y="1527785"/>
+            <a:ext cx="11939484" cy="1701113"/>
+            <a:chOff x="252516" y="1292911"/>
+            <a:chExt cx="11939484" cy="1701113"/>
+          </a:xfrm>
+        </p:grpSpPr>
+        <p:grpSp>
+          <p:nvGrpSpPr>
+            <p:cNvPr id="11" name="Group 10">
+              <a:extLst>
+                <a:ext uri="{FF2B5EF4-FFF2-40B4-BE49-F238E27FC236}">
+                  <a16:creationId xmlns:a16="http://schemas.microsoft.com/office/drawing/2014/main" id="{5C6D7EA2-EDE1-4256-B245-839E42E26642}"/>
+                </a:ext>
+              </a:extLst>
+            </p:cNvPr>
+            <p:cNvGrpSpPr/>
+            <p:nvPr/>
+          </p:nvGrpSpPr>
+          <p:grpSpPr>
+            <a:xfrm>
+              <a:off x="252516" y="1877686"/>
+              <a:ext cx="11939484" cy="1116338"/>
+              <a:chOff x="1009650" y="1644073"/>
+              <a:chExt cx="8801100" cy="822900"/>
+            </a:xfrm>
+          </p:grpSpPr>
+          <p:pic>
+            <p:nvPicPr>
+              <p:cNvPr id="5" name="Picture 4">
+                <a:extLst>
+                  <a:ext uri="{FF2B5EF4-FFF2-40B4-BE49-F238E27FC236}">
+                    <a16:creationId xmlns:a16="http://schemas.microsoft.com/office/drawing/2014/main" id="{F2BE2BC1-5EB6-46AF-B22F-5DDCA501786F}"/>
+                  </a:ext>
+                </a:extLst>
+              </p:cNvPr>
+              <p:cNvPicPr>
+                <a:picLocks noChangeAspect="1"/>
+              </p:cNvPicPr>
+              <p:nvPr/>
+            </p:nvPicPr>
+            <p:blipFill rotWithShape="1">
+              <a:blip r:embed="rId5"/>
+              <a:srcRect t="25357" r="13483" b="64470"/>
+              <a:stretch/>
+            </p:blipFill>
+            <p:spPr>
+              <a:xfrm>
+                <a:off x="1009650" y="1790590"/>
+                <a:ext cx="8801100" cy="676383"/>
+              </a:xfrm>
+              <a:prstGeom prst="rect">
+                <a:avLst/>
+              </a:prstGeom>
+            </p:spPr>
+          </p:pic>
+          <p:cxnSp>
+            <p:nvCxnSpPr>
+              <p:cNvPr id="7" name="Straight Connector 6">
+                <a:extLst>
+                  <a:ext uri="{FF2B5EF4-FFF2-40B4-BE49-F238E27FC236}">
+                    <a16:creationId xmlns:a16="http://schemas.microsoft.com/office/drawing/2014/main" id="{882016F6-29C9-4C43-ABD9-68BF670AA84A}"/>
+                  </a:ext>
+                </a:extLst>
+              </p:cNvPr>
+              <p:cNvCxnSpPr/>
+              <p:nvPr/>
+            </p:nvCxnSpPr>
+            <p:spPr>
+              <a:xfrm flipH="1">
+                <a:off x="1634836" y="1644073"/>
+                <a:ext cx="3232728" cy="0"/>
+              </a:xfrm>
+              <a:prstGeom prst="line">
+                <a:avLst/>
+              </a:prstGeom>
+              <a:ln w="57150">
+                <a:solidFill>
+                  <a:srgbClr val="7030A0"/>
+                </a:solidFill>
+              </a:ln>
+            </p:spPr>
+            <p:style>
+              <a:lnRef idx="1">
+                <a:schemeClr val="accent1"/>
+              </a:lnRef>
+              <a:fillRef idx="0">
+                <a:schemeClr val="accent1"/>
+              </a:fillRef>
+              <a:effectRef idx="0">
+                <a:schemeClr val="accent1"/>
+              </a:effectRef>
+              <a:fontRef idx="minor">
+                <a:schemeClr val="tx1"/>
+              </a:fontRef>
+            </p:style>
+          </p:cxnSp>
+        </p:grpSp>
+        <mc:AlternateContent xmlns:mc="http://schemas.openxmlformats.org/markup-compatibility/2006">
+          <mc:Choice xmlns:a14="http://schemas.microsoft.com/office/drawing/2010/main" Requires="a14">
+            <p:sp>
+              <p:nvSpPr>
+                <p:cNvPr id="16" name="TextBox 15">
+                  <a:extLst>
+                    <a:ext uri="{FF2B5EF4-FFF2-40B4-BE49-F238E27FC236}">
+                      <a16:creationId xmlns:a16="http://schemas.microsoft.com/office/drawing/2014/main" id="{CE8213D5-B319-418D-A250-E71C50320197}"/>
+                    </a:ext>
+                  </a:extLst>
+                </p:cNvPr>
+                <p:cNvSpPr txBox="1"/>
+                <p:nvPr/>
+              </p:nvSpPr>
+              <p:spPr>
+                <a:xfrm>
+                  <a:off x="983153" y="1292911"/>
+                  <a:ext cx="4609339" cy="584775"/>
+                </a:xfrm>
+                <a:prstGeom prst="rect">
+                  <a:avLst/>
+                </a:prstGeom>
+                <a:noFill/>
+              </p:spPr>
+              <p:txBody>
+                <a:bodyPr wrap="none" rtlCol="0">
+                  <a:spAutoFit/>
+                </a:bodyPr>
+                <a:lstStyle/>
+                <a:p>
+                  <a:pPr marL="285750" indent="-285750">
+                    <a:buFont typeface="Arial" panose="020B0604020202020204" pitchFamily="34" charset="0"/>
+                    <a:buChar char="•"/>
+                  </a:pPr>
+                  <a:r>
+                    <a:rPr lang="en-US" sz="3200" dirty="0">
+                      <a:latin typeface="Arial" panose="020B0604020202020204" pitchFamily="34" charset="0"/>
+                      <a:cs typeface="Arial" panose="020B0604020202020204" pitchFamily="34" charset="0"/>
+                    </a:rPr>
+                    <a:t>Number of Iterations </a:t>
+                  </a:r>
+                  <a14:m>
+                    <m:oMath xmlns:m="http://schemas.openxmlformats.org/officeDocument/2006/math">
+                      <m:r>
+                        <a:rPr lang="en-US" sz="3200" b="0" i="1" smtClean="0">
+                          <a:latin typeface="Cambria Math" panose="02040503050406030204" pitchFamily="18" charset="0"/>
+                          <a:cs typeface="Arial" panose="020B0604020202020204" pitchFamily="34" charset="0"/>
+                        </a:rPr>
+                        <m:t>𝑁</m:t>
+                      </m:r>
+                    </m:oMath>
+                  </a14:m>
+                  <a:endParaRPr lang="en-IL" sz="3200" dirty="0">
+                    <a:latin typeface="Arial" panose="020B0604020202020204" pitchFamily="34" charset="0"/>
+                    <a:cs typeface="Arial" panose="020B0604020202020204" pitchFamily="34" charset="0"/>
+                  </a:endParaRPr>
+                </a:p>
+              </p:txBody>
+            </p:sp>
+          </mc:Choice>
+          <mc:Fallback>
+            <p:sp>
+              <p:nvSpPr>
+                <p:cNvPr id="16" name="TextBox 15">
+                  <a:extLst>
+                    <a:ext uri="{FF2B5EF4-FFF2-40B4-BE49-F238E27FC236}">
+                      <a16:creationId xmlns:a16="http://schemas.microsoft.com/office/drawing/2014/main" id="{CE8213D5-B319-418D-A250-E71C50320197}"/>
+                    </a:ext>
+                  </a:extLst>
+                </p:cNvPr>
+                <p:cNvSpPr txBox="1">
+                  <a:spLocks noRot="1" noChangeAspect="1" noMove="1" noResize="1" noEditPoints="1" noAdjustHandles="1" noChangeArrowheads="1" noChangeShapeType="1" noTextEdit="1"/>
+                </p:cNvSpPr>
+                <p:nvPr/>
+              </p:nvSpPr>
+              <p:spPr>
+                <a:xfrm>
+                  <a:off x="983153" y="1292911"/>
+                  <a:ext cx="4609339" cy="584775"/>
+                </a:xfrm>
+                <a:prstGeom prst="rect">
+                  <a:avLst/>
+                </a:prstGeom>
+                <a:blipFill>
+                  <a:blip r:embed="rId6"/>
+                  <a:stretch>
+                    <a:fillRect l="-3042" t="-13542" b="-33333"/>
+                  </a:stretch>
+                </a:blipFill>
+              </p:spPr>
+              <p:txBody>
+                <a:bodyPr/>
+                <a:lstStyle/>
+                <a:p>
+                  <a:r>
+                    <a:rPr lang="en-IL">
+                      <a:noFill/>
+                    </a:rPr>
+                    <a:t> </a:t>
+                  </a:r>
+                </a:p>
+              </p:txBody>
+            </p:sp>
+          </mc:Fallback>
+        </mc:AlternateContent>
+      </p:grpSp>
+    </p:spTree>
+    <p:extLst>
+      <p:ext uri="{BB962C8B-B14F-4D97-AF65-F5344CB8AC3E}">
+        <p14:creationId xmlns:p14="http://schemas.microsoft.com/office/powerpoint/2010/main" val="3068651414"/>
+      </p:ext>
+    </p:extLst>
+  </p:cSld>
+  <p:clrMapOvr>
+    <a:masterClrMapping/>
+  </p:clrMapOvr>
+</p:sld>
+</file>
+
+<file path=ppt/slides/slide12.xml><?xml version="1.0" encoding="utf-8"?>
+<p:sld xmlns:a="http://schemas.openxmlformats.org/drawingml/2006/main" xmlns:r="http://schemas.openxmlformats.org/officeDocument/2006/relationships" xmlns:p="http://schemas.openxmlformats.org/presentationml/2006/main">
+  <p:cSld>
+    <p:spTree>
+      <p:nvGrpSpPr>
+        <p:cNvPr id="1" name=""/>
+        <p:cNvGrpSpPr/>
+        <p:nvPr/>
+      </p:nvGrpSpPr>
+      <p:grpSpPr>
+        <a:xfrm>
+          <a:off x="0" y="0"/>
+          <a:ext cx="0" cy="0"/>
+          <a:chOff x="0" y="0"/>
+          <a:chExt cx="0" cy="0"/>
+        </a:xfrm>
+      </p:grpSpPr>
       <p:sp>
         <p:nvSpPr>
           <p:cNvPr id="6" name="TextBox 5">
@@ -3746,8 +4243,8 @@
         </p:nvSpPr>
         <p:spPr>
           <a:xfrm>
-            <a:off x="428878" y="312216"/>
-            <a:ext cx="1893147" cy="646331"/>
+            <a:off x="5427590" y="450356"/>
+            <a:ext cx="2178673" cy="738664"/>
           </a:xfrm>
           <a:prstGeom prst="rect">
             <a:avLst/>
@@ -3761,10 +4258,10 @@
           <a:lstStyle/>
           <a:p>
             <a:r>
-              <a:rPr lang="en-US" sz="3600" u="sng" dirty="0"/>
+              <a:rPr lang="en-US" sz="4200" u="sng" dirty="0"/>
               <a:t>Example:</a:t>
             </a:r>
-            <a:endParaRPr lang="en-IL" sz="3600" u="sng" dirty="0"/>
+            <a:endParaRPr lang="en-IL" sz="4200" u="sng" dirty="0"/>
           </a:p>
         </p:txBody>
       </p:sp>
@@ -3791,12 +4288,115 @@
           <a:p>
             <a:fld id="{6A66ABA5-9194-4D3A-A872-2D6AFFA2C838}" type="slidenum">
               <a:rPr lang="en-US" smtClean="0"/>
-              <a:t>11</a:t>
+              <a:t>12</a:t>
             </a:fld>
             <a:endParaRPr lang="en-US" dirty="0"/>
           </a:p>
         </p:txBody>
       </p:sp>
+      <p:grpSp>
+        <p:nvGrpSpPr>
+          <p:cNvPr id="4" name="Group 3">
+            <a:extLst>
+              <a:ext uri="{FF2B5EF4-FFF2-40B4-BE49-F238E27FC236}">
+                <a16:creationId xmlns:a16="http://schemas.microsoft.com/office/drawing/2014/main" id="{A1472492-16E5-4C19-ADB8-86E5E6D7FB8C}"/>
+              </a:ext>
+            </a:extLst>
+          </p:cNvPr>
+          <p:cNvGrpSpPr/>
+          <p:nvPr/>
+        </p:nvGrpSpPr>
+        <p:grpSpPr>
+          <a:xfrm>
+            <a:off x="1562100" y="1383823"/>
+            <a:ext cx="9425742" cy="4972527"/>
+            <a:chOff x="1562100" y="1748948"/>
+            <a:chExt cx="8733624" cy="4607402"/>
+          </a:xfrm>
+        </p:grpSpPr>
+        <p:pic>
+          <p:nvPicPr>
+            <p:cNvPr id="5" name="Picture 4">
+              <a:extLst>
+                <a:ext uri="{FF2B5EF4-FFF2-40B4-BE49-F238E27FC236}">
+                  <a16:creationId xmlns:a16="http://schemas.microsoft.com/office/drawing/2014/main" id="{C3427AC9-F2A4-4B96-B862-7790F9049859}"/>
+                </a:ext>
+              </a:extLst>
+            </p:cNvPr>
+            <p:cNvPicPr>
+              <a:picLocks noChangeAspect="1"/>
+            </p:cNvPicPr>
+            <p:nvPr/>
+          </p:nvPicPr>
+          <p:blipFill>
+            <a:blip r:embed="rId2"/>
+            <a:stretch>
+              <a:fillRect/>
+            </a:stretch>
+          </p:blipFill>
+          <p:spPr>
+            <a:xfrm>
+              <a:off x="1896275" y="1748948"/>
+              <a:ext cx="8399449" cy="4607402"/>
+            </a:xfrm>
+            <a:prstGeom prst="rect">
+              <a:avLst/>
+            </a:prstGeom>
+          </p:spPr>
+        </p:pic>
+        <p:sp>
+          <p:nvSpPr>
+            <p:cNvPr id="3" name="Rectangle 2">
+              <a:extLst>
+                <a:ext uri="{FF2B5EF4-FFF2-40B4-BE49-F238E27FC236}">
+                  <a16:creationId xmlns:a16="http://schemas.microsoft.com/office/drawing/2014/main" id="{F8F596B3-5552-42F7-9C68-762E70B9B78E}"/>
+                </a:ext>
+              </a:extLst>
+            </p:cNvPr>
+            <p:cNvSpPr/>
+            <p:nvPr/>
+          </p:nvSpPr>
+          <p:spPr>
+            <a:xfrm>
+              <a:off x="1562100" y="3800475"/>
+              <a:ext cx="3581653" cy="323850"/>
+            </a:xfrm>
+            <a:prstGeom prst="rect">
+              <a:avLst/>
+            </a:prstGeom>
+            <a:solidFill>
+              <a:schemeClr val="bg1"/>
+            </a:solidFill>
+            <a:ln>
+              <a:noFill/>
+            </a:ln>
+          </p:spPr>
+          <p:style>
+            <a:lnRef idx="2">
+              <a:schemeClr val="accent1">
+                <a:shade val="50000"/>
+              </a:schemeClr>
+            </a:lnRef>
+            <a:fillRef idx="1">
+              <a:schemeClr val="accent1"/>
+            </a:fillRef>
+            <a:effectRef idx="0">
+              <a:schemeClr val="accent1"/>
+            </a:effectRef>
+            <a:fontRef idx="minor">
+              <a:schemeClr val="lt1"/>
+            </a:fontRef>
+          </p:style>
+          <p:txBody>
+            <a:bodyPr rtlCol="0" anchor="ctr"/>
+            <a:lstStyle/>
+            <a:p>
+              <a:pPr algn="ctr"/>
+              <a:endParaRPr lang="en-IL"/>
+            </a:p>
+          </p:txBody>
+        </p:sp>
+      </p:grpSp>
     </p:spTree>
     <p:extLst>
       <p:ext uri="{BB962C8B-B14F-4D97-AF65-F5344CB8AC3E}">
@@ -3810,7 +4410,7 @@
 </p:sld>
 </file>
 
-<file path=ppt/slides/slide12.xml><?xml version="1.0" encoding="utf-8"?>
+<file path=ppt/slides/slide13.xml><?xml version="1.0" encoding="utf-8"?>
 <p:sld xmlns:a="http://schemas.openxmlformats.org/drawingml/2006/main" xmlns:r="http://schemas.openxmlformats.org/officeDocument/2006/relationships" xmlns:p="http://schemas.openxmlformats.org/presentationml/2006/main">
   <p:cSld>
     <p:spTree>
@@ -3991,8 +4591,8 @@
             </p:nvSpPr>
             <p:spPr>
               <a:xfrm>
-                <a:off x="5921853" y="2530663"/>
-                <a:ext cx="5049972" cy="3929858"/>
+                <a:off x="5161131" y="2550500"/>
+                <a:ext cx="6588535" cy="2048766"/>
               </a:xfrm>
               <a:prstGeom prst="rect">
                 <a:avLst/>
@@ -4017,7 +4617,7 @@
                           <m:begChr m:val="["/>
                           <m:endChr m:val="]"/>
                           <m:ctrlPr>
-                            <a:rPr lang="en-US" sz="3600" b="0" i="1" smtClean="0">
+                            <a:rPr lang="en-US" sz="4000" b="0" i="1" smtClean="0">
                               <a:latin typeface="Cambria Math" panose="02040503050406030204" pitchFamily="18" charset="0"/>
                             </a:rPr>
                           </m:ctrlPr>
@@ -4034,7 +4634,7 @@
                                 </m:mc>
                               </m:mcs>
                               <m:ctrlPr>
-                                <a:rPr lang="en-US" sz="3600" b="0" i="1" smtClean="0">
+                                <a:rPr lang="en-US" sz="4000" b="0" i="1" smtClean="0">
                                   <a:latin typeface="Cambria Math" panose="02040503050406030204" pitchFamily="18" charset="0"/>
                                 </a:rPr>
                               </m:ctrlPr>
@@ -4044,7 +4644,7 @@
                                 <m:sSub>
                                   <m:sSubPr>
                                     <m:ctrlPr>
-                                      <a:rPr lang="en-US" sz="3600" b="0" i="1" smtClean="0">
+                                      <a:rPr lang="en-US" sz="4000" b="0" i="1" smtClean="0">
                                         <a:latin typeface="Cambria Math" panose="02040503050406030204" pitchFamily="18" charset="0"/>
                                       </a:rPr>
                                     </m:ctrlPr>
@@ -4054,7 +4654,7 @@
                                       <m:rPr>
                                         <m:brk m:alnAt="7"/>
                                       </m:rPr>
-                                      <a:rPr lang="en-US" sz="3600" b="0" i="1" smtClean="0">
+                                      <a:rPr lang="en-US" sz="4000" b="0" i="1" smtClean="0">
                                         <a:latin typeface="Cambria Math" panose="02040503050406030204" pitchFamily="18" charset="0"/>
                                       </a:rPr>
                                       <m:t>𝑢</m:t>
@@ -4065,7 +4665,7 @@
                                       <m:rPr>
                                         <m:brk m:alnAt="7"/>
                                       </m:rPr>
-                                      <a:rPr lang="en-US" sz="3600" b="0" i="1" smtClean="0">
+                                      <a:rPr lang="en-US" sz="4000" b="0" i="1" smtClean="0">
                                         <a:latin typeface="Cambria Math" panose="02040503050406030204" pitchFamily="18" charset="0"/>
                                       </a:rPr>
                                       <m:t>1</m:t>
@@ -4079,14 +4679,14 @@
                                 <m:sSub>
                                   <m:sSubPr>
                                     <m:ctrlPr>
-                                      <a:rPr lang="en-US" sz="3600" b="0" i="1" smtClean="0">
+                                      <a:rPr lang="en-US" sz="4000" b="0" i="1" smtClean="0">
                                         <a:latin typeface="Cambria Math" panose="02040503050406030204" pitchFamily="18" charset="0"/>
                                       </a:rPr>
                                     </m:ctrlPr>
                                   </m:sSubPr>
                                   <m:e>
                                     <m:r>
-                                      <a:rPr lang="en-US" sz="3600" b="0" i="1" smtClean="0">
+                                      <a:rPr lang="en-US" sz="4000" b="0" i="1" smtClean="0">
                                         <a:latin typeface="Cambria Math" panose="02040503050406030204" pitchFamily="18" charset="0"/>
                                       </a:rPr>
                                       <m:t>𝑣</m:t>
@@ -4094,7 +4694,7 @@
                                   </m:e>
                                   <m:sub>
                                     <m:r>
-                                      <a:rPr lang="en-US" sz="3600" b="0" i="1" smtClean="0">
+                                      <a:rPr lang="en-US" sz="4000" b="0" i="1" smtClean="0">
                                         <a:latin typeface="Cambria Math" panose="02040503050406030204" pitchFamily="18" charset="0"/>
                                       </a:rPr>
                                       <m:t>1</m:t>
@@ -4106,7 +4706,7 @@
                             <m:mr>
                               <m:e>
                                 <m:r>
-                                  <a:rPr lang="en-US" sz="3600" b="0" i="1" smtClean="0">
+                                  <a:rPr lang="en-US" sz="4000" b="0" i="1" smtClean="0">
                                     <a:latin typeface="Cambria Math" panose="02040503050406030204" pitchFamily="18" charset="0"/>
                                   </a:rPr>
                                   <m:t>1</m:t>
@@ -4117,23 +4717,283 @@
                         </m:e>
                       </m:d>
                       <m:r>
-                        <a:rPr lang="en-US" sz="3600" b="0" i="1" smtClean="0">
+                        <a:rPr lang="en-US" sz="4000" b="0" i="1" smtClean="0">
                           <a:latin typeface="Cambria Math" panose="02040503050406030204" pitchFamily="18" charset="0"/>
                         </a:rPr>
                         <m:t>=</m:t>
-                      </m:r>
-                      <m:r>
-                        <a:rPr lang="en-US" sz="3600" b="0" i="1" smtClean="0">
-                          <a:latin typeface="Cambria Math" panose="02040503050406030204" pitchFamily="18" charset="0"/>
-                        </a:rPr>
-                        <m:t>𝐻</m:t>
                       </m:r>
                       <m:d>
                         <m:dPr>
                           <m:begChr m:val="["/>
                           <m:endChr m:val="]"/>
                           <m:ctrlPr>
-                            <a:rPr lang="en-US" sz="3600" b="0" i="1" smtClean="0">
+                            <a:rPr lang="en-US" sz="4000" b="0" i="1" smtClean="0">
+                              <a:latin typeface="Cambria Math" panose="02040503050406030204" pitchFamily="18" charset="0"/>
+                            </a:rPr>
+                          </m:ctrlPr>
+                        </m:dPr>
+                        <m:e>
+                          <m:m>
+                            <m:mPr>
+                              <m:mcs>
+                                <m:mc>
+                                  <m:mcPr>
+                                    <m:count m:val="3"/>
+                                    <m:mcJc m:val="center"/>
+                                  </m:mcPr>
+                                </m:mc>
+                              </m:mcs>
+                              <m:ctrlPr>
+                                <a:rPr lang="en-US" sz="4000" b="0" i="1" smtClean="0">
+                                  <a:latin typeface="Cambria Math" panose="02040503050406030204" pitchFamily="18" charset="0"/>
+                                </a:rPr>
+                              </m:ctrlPr>
+                            </m:mPr>
+                            <m:mr>
+                              <m:e>
+                                <m:sSub>
+                                  <m:sSubPr>
+                                    <m:ctrlPr>
+                                      <a:rPr lang="en-US" sz="4000" b="0" i="1" smtClean="0">
+                                        <a:latin typeface="Cambria Math" panose="02040503050406030204" pitchFamily="18" charset="0"/>
+                                      </a:rPr>
+                                    </m:ctrlPr>
+                                  </m:sSubPr>
+                                  <m:e>
+                                    <m:r>
+                                      <m:rPr>
+                                        <m:brk m:alnAt="7"/>
+                                      </m:rPr>
+                                      <a:rPr lang="en-US" sz="4000" b="0" i="1" smtClean="0">
+                                        <a:latin typeface="Cambria Math" panose="02040503050406030204" pitchFamily="18" charset="0"/>
+                                      </a:rPr>
+                                      <m:t>h</m:t>
+                                    </m:r>
+                                  </m:e>
+                                  <m:sub>
+                                    <m:r>
+                                      <m:rPr>
+                                        <m:brk m:alnAt="7"/>
+                                      </m:rPr>
+                                      <a:rPr lang="en-US" sz="4000" b="0" i="1" smtClean="0">
+                                        <a:latin typeface="Cambria Math" panose="02040503050406030204" pitchFamily="18" charset="0"/>
+                                      </a:rPr>
+                                      <m:t>11</m:t>
+                                    </m:r>
+                                  </m:sub>
+                                </m:sSub>
+                              </m:e>
+                              <m:e>
+                                <m:sSub>
+                                  <m:sSubPr>
+                                    <m:ctrlPr>
+                                      <a:rPr lang="en-US" sz="4000" b="0" i="1" smtClean="0">
+                                        <a:latin typeface="Cambria Math" panose="02040503050406030204" pitchFamily="18" charset="0"/>
+                                      </a:rPr>
+                                    </m:ctrlPr>
+                                  </m:sSubPr>
+                                  <m:e>
+                                    <m:r>
+                                      <a:rPr lang="en-US" sz="4000" b="0" i="1" smtClean="0">
+                                        <a:latin typeface="Cambria Math" panose="02040503050406030204" pitchFamily="18" charset="0"/>
+                                      </a:rPr>
+                                      <m:t>h</m:t>
+                                    </m:r>
+                                  </m:e>
+                                  <m:sub>
+                                    <m:r>
+                                      <a:rPr lang="en-US" sz="4000" b="0" i="1" smtClean="0">
+                                        <a:latin typeface="Cambria Math" panose="02040503050406030204" pitchFamily="18" charset="0"/>
+                                      </a:rPr>
+                                      <m:t>12</m:t>
+                                    </m:r>
+                                  </m:sub>
+                                </m:sSub>
+                              </m:e>
+                              <m:e>
+                                <m:sSub>
+                                  <m:sSubPr>
+                                    <m:ctrlPr>
+                                      <a:rPr lang="en-US" sz="4000" b="0" i="1" smtClean="0">
+                                        <a:latin typeface="Cambria Math" panose="02040503050406030204" pitchFamily="18" charset="0"/>
+                                      </a:rPr>
+                                    </m:ctrlPr>
+                                  </m:sSubPr>
+                                  <m:e>
+                                    <m:r>
+                                      <a:rPr lang="en-US" sz="4000" b="0" i="1" smtClean="0">
+                                        <a:latin typeface="Cambria Math" panose="02040503050406030204" pitchFamily="18" charset="0"/>
+                                      </a:rPr>
+                                      <m:t>h</m:t>
+                                    </m:r>
+                                  </m:e>
+                                  <m:sub>
+                                    <m:r>
+                                      <a:rPr lang="en-US" sz="4000" b="0" i="1" smtClean="0">
+                                        <a:latin typeface="Cambria Math" panose="02040503050406030204" pitchFamily="18" charset="0"/>
+                                      </a:rPr>
+                                      <m:t>13</m:t>
+                                    </m:r>
+                                  </m:sub>
+                                </m:sSub>
+                              </m:e>
+                            </m:mr>
+                            <m:mr>
+                              <m:e>
+                                <m:sSub>
+                                  <m:sSubPr>
+                                    <m:ctrlPr>
+                                      <a:rPr lang="en-US" sz="4000" b="0" i="1" smtClean="0">
+                                        <a:latin typeface="Cambria Math" panose="02040503050406030204" pitchFamily="18" charset="0"/>
+                                      </a:rPr>
+                                    </m:ctrlPr>
+                                  </m:sSubPr>
+                                  <m:e>
+                                    <m:r>
+                                      <a:rPr lang="en-US" sz="4000" b="0" i="1" smtClean="0">
+                                        <a:latin typeface="Cambria Math" panose="02040503050406030204" pitchFamily="18" charset="0"/>
+                                      </a:rPr>
+                                      <m:t>h</m:t>
+                                    </m:r>
+                                  </m:e>
+                                  <m:sub>
+                                    <m:r>
+                                      <a:rPr lang="en-US" sz="4000" b="0" i="1" smtClean="0">
+                                        <a:latin typeface="Cambria Math" panose="02040503050406030204" pitchFamily="18" charset="0"/>
+                                      </a:rPr>
+                                      <m:t>21</m:t>
+                                    </m:r>
+                                  </m:sub>
+                                </m:sSub>
+                              </m:e>
+                              <m:e>
+                                <m:sSub>
+                                  <m:sSubPr>
+                                    <m:ctrlPr>
+                                      <a:rPr lang="en-US" sz="4000" b="0" i="1" smtClean="0">
+                                        <a:latin typeface="Cambria Math" panose="02040503050406030204" pitchFamily="18" charset="0"/>
+                                      </a:rPr>
+                                    </m:ctrlPr>
+                                  </m:sSubPr>
+                                  <m:e>
+                                    <m:r>
+                                      <a:rPr lang="en-US" sz="4000" b="0" i="1" smtClean="0">
+                                        <a:latin typeface="Cambria Math" panose="02040503050406030204" pitchFamily="18" charset="0"/>
+                                      </a:rPr>
+                                      <m:t>h</m:t>
+                                    </m:r>
+                                  </m:e>
+                                  <m:sub>
+                                    <m:r>
+                                      <a:rPr lang="en-US" sz="4000" b="0" i="1" smtClean="0">
+                                        <a:latin typeface="Cambria Math" panose="02040503050406030204" pitchFamily="18" charset="0"/>
+                                      </a:rPr>
+                                      <m:t>22</m:t>
+                                    </m:r>
+                                  </m:sub>
+                                </m:sSub>
+                              </m:e>
+                              <m:e>
+                                <m:sSub>
+                                  <m:sSubPr>
+                                    <m:ctrlPr>
+                                      <a:rPr lang="en-US" sz="4000" b="0" i="1" smtClean="0">
+                                        <a:latin typeface="Cambria Math" panose="02040503050406030204" pitchFamily="18" charset="0"/>
+                                      </a:rPr>
+                                    </m:ctrlPr>
+                                  </m:sSubPr>
+                                  <m:e>
+                                    <m:r>
+                                      <a:rPr lang="en-US" sz="4000" b="0" i="1" smtClean="0">
+                                        <a:latin typeface="Cambria Math" panose="02040503050406030204" pitchFamily="18" charset="0"/>
+                                      </a:rPr>
+                                      <m:t>h</m:t>
+                                    </m:r>
+                                  </m:e>
+                                  <m:sub>
+                                    <m:r>
+                                      <a:rPr lang="en-US" sz="4000" b="0" i="1" smtClean="0">
+                                        <a:latin typeface="Cambria Math" panose="02040503050406030204" pitchFamily="18" charset="0"/>
+                                      </a:rPr>
+                                      <m:t>23</m:t>
+                                    </m:r>
+                                  </m:sub>
+                                </m:sSub>
+                              </m:e>
+                            </m:mr>
+                            <m:mr>
+                              <m:e>
+                                <m:sSub>
+                                  <m:sSubPr>
+                                    <m:ctrlPr>
+                                      <a:rPr lang="en-US" sz="4000" b="0" i="1" smtClean="0">
+                                        <a:latin typeface="Cambria Math" panose="02040503050406030204" pitchFamily="18" charset="0"/>
+                                      </a:rPr>
+                                    </m:ctrlPr>
+                                  </m:sSubPr>
+                                  <m:e>
+                                    <m:r>
+                                      <a:rPr lang="en-US" sz="4000" b="0" i="1" smtClean="0">
+                                        <a:latin typeface="Cambria Math" panose="02040503050406030204" pitchFamily="18" charset="0"/>
+                                      </a:rPr>
+                                      <m:t>h</m:t>
+                                    </m:r>
+                                  </m:e>
+                                  <m:sub>
+                                    <m:r>
+                                      <a:rPr lang="en-US" sz="4000" b="0" i="1" smtClean="0">
+                                        <a:latin typeface="Cambria Math" panose="02040503050406030204" pitchFamily="18" charset="0"/>
+                                      </a:rPr>
+                                      <m:t>31</m:t>
+                                    </m:r>
+                                  </m:sub>
+                                </m:sSub>
+                              </m:e>
+                              <m:e>
+                                <m:sSub>
+                                  <m:sSubPr>
+                                    <m:ctrlPr>
+                                      <a:rPr lang="en-US" sz="4000" b="0" i="1" smtClean="0">
+                                        <a:latin typeface="Cambria Math" panose="02040503050406030204" pitchFamily="18" charset="0"/>
+                                      </a:rPr>
+                                    </m:ctrlPr>
+                                  </m:sSubPr>
+                                  <m:e>
+                                    <m:r>
+                                      <a:rPr lang="en-US" sz="4000" b="0" i="1" smtClean="0">
+                                        <a:latin typeface="Cambria Math" panose="02040503050406030204" pitchFamily="18" charset="0"/>
+                                      </a:rPr>
+                                      <m:t>h</m:t>
+                                    </m:r>
+                                  </m:e>
+                                  <m:sub>
+                                    <m:r>
+                                      <a:rPr lang="en-US" sz="4000" b="0" i="1" smtClean="0">
+                                        <a:latin typeface="Cambria Math" panose="02040503050406030204" pitchFamily="18" charset="0"/>
+                                      </a:rPr>
+                                      <m:t>32</m:t>
+                                    </m:r>
+                                  </m:sub>
+                                </m:sSub>
+                              </m:e>
+                              <m:e>
+                                <m:r>
+                                  <a:rPr lang="en-US" sz="4000" b="0" i="1" smtClean="0">
+                                    <a:latin typeface="Cambria Math" panose="02040503050406030204" pitchFamily="18" charset="0"/>
+                                  </a:rPr>
+                                  <m:t>1</m:t>
+                                </m:r>
+                              </m:e>
+                            </m:mr>
+                          </m:m>
+                        </m:e>
+                      </m:d>
+                      <m:d>
+                        <m:dPr>
+                          <m:begChr m:val="["/>
+                          <m:endChr m:val="]"/>
+                          <m:ctrlPr>
+                            <a:rPr lang="en-US" sz="4000" b="0" i="1" smtClean="0">
                               <a:latin typeface="Cambria Math" panose="02040503050406030204" pitchFamily="18" charset="0"/>
                             </a:rPr>
                           </m:ctrlPr>
@@ -4150,7 +5010,7 @@
                                 </m:mc>
                               </m:mcs>
                               <m:ctrlPr>
-                                <a:rPr lang="en-US" sz="3600" b="0" i="1" smtClean="0">
+                                <a:rPr lang="en-US" sz="4000" b="0" i="1" smtClean="0">
                                   <a:latin typeface="Cambria Math" panose="02040503050406030204" pitchFamily="18" charset="0"/>
                                 </a:rPr>
                               </m:ctrlPr>
@@ -4160,7 +5020,7 @@
                                 <m:sSub>
                                   <m:sSubPr>
                                     <m:ctrlPr>
-                                      <a:rPr lang="en-US" sz="3600" b="0" i="1" smtClean="0">
+                                      <a:rPr lang="en-US" sz="4000" b="0" i="1" smtClean="0">
                                         <a:latin typeface="Cambria Math" panose="02040503050406030204" pitchFamily="18" charset="0"/>
                                       </a:rPr>
                                     </m:ctrlPr>
@@ -4170,7 +5030,7 @@
                                       <m:rPr>
                                         <m:brk m:alnAt="7"/>
                                       </m:rPr>
-                                      <a:rPr lang="en-US" sz="3600" b="0" i="1" smtClean="0">
+                                      <a:rPr lang="en-US" sz="4000" b="0" i="1" smtClean="0">
                                         <a:latin typeface="Cambria Math" panose="02040503050406030204" pitchFamily="18" charset="0"/>
                                       </a:rPr>
                                       <m:t>𝑢</m:t>
@@ -4181,7 +5041,7 @@
                                       <m:rPr>
                                         <m:brk m:alnAt="7"/>
                                       </m:rPr>
-                                      <a:rPr lang="en-US" sz="3600" b="0" i="1" smtClean="0">
+                                      <a:rPr lang="en-US" sz="4000" b="0" i="1" smtClean="0">
                                         <a:latin typeface="Cambria Math" panose="02040503050406030204" pitchFamily="18" charset="0"/>
                                       </a:rPr>
                                       <m:t>2</m:t>
@@ -4195,14 +5055,14 @@
                                 <m:sSub>
                                   <m:sSubPr>
                                     <m:ctrlPr>
-                                      <a:rPr lang="en-US" sz="3600" b="0" i="1" smtClean="0">
+                                      <a:rPr lang="en-US" sz="4000" b="0" i="1" smtClean="0">
                                         <a:latin typeface="Cambria Math" panose="02040503050406030204" pitchFamily="18" charset="0"/>
                                       </a:rPr>
                                     </m:ctrlPr>
                                   </m:sSubPr>
                                   <m:e>
                                     <m:r>
-                                      <a:rPr lang="en-US" sz="3600" b="0" i="1" smtClean="0">
+                                      <a:rPr lang="en-US" sz="4000" b="0" i="1" smtClean="0">
                                         <a:latin typeface="Cambria Math" panose="02040503050406030204" pitchFamily="18" charset="0"/>
                                       </a:rPr>
                                       <m:t>𝑣</m:t>
@@ -4210,7 +5070,7 @@
                                   </m:e>
                                   <m:sub>
                                     <m:r>
-                                      <a:rPr lang="en-US" sz="3600" b="0" i="1" smtClean="0">
+                                      <a:rPr lang="en-US" sz="4000" b="0" i="1" smtClean="0">
                                         <a:latin typeface="Cambria Math" panose="02040503050406030204" pitchFamily="18" charset="0"/>
                                       </a:rPr>
                                       <m:t>2</m:t>
@@ -4222,7 +5082,7 @@
                             <m:mr>
                               <m:e>
                                 <m:r>
-                                  <a:rPr lang="en-US" sz="3600" b="0" i="1" smtClean="0">
+                                  <a:rPr lang="en-US" sz="4000" b="0" i="1" smtClean="0">
                                     <a:latin typeface="Cambria Math" panose="02040503050406030204" pitchFamily="18" charset="0"/>
                                   </a:rPr>
                                   <m:t>1</m:t>
@@ -4235,211 +5095,7 @@
                     </m:oMath>
                   </m:oMathPara>
                 </a14:m>
-                <a:endParaRPr lang="en-US" sz="3600" dirty="0"/>
-              </a:p>
-              <a:p>
-                <a:endParaRPr lang="en-US" sz="3600" dirty="0"/>
-              </a:p>
-              <a:p>
-                <a:pPr algn="ctr"/>
-                <a14:m>
-                  <m:oMath xmlns:m="http://schemas.openxmlformats.org/officeDocument/2006/math">
-                    <m:r>
-                      <a:rPr lang="en-US" sz="3600" b="0" i="1" smtClean="0">
-                        <a:latin typeface="Cambria Math" panose="02040503050406030204" pitchFamily="18" charset="0"/>
-                      </a:rPr>
-                      <m:t>𝐻</m:t>
-                    </m:r>
-                    <m:r>
-                      <a:rPr lang="en-US" sz="3600" b="0" i="1" smtClean="0">
-                        <a:latin typeface="Cambria Math" panose="02040503050406030204" pitchFamily="18" charset="0"/>
-                      </a:rPr>
-                      <m:t>∈</m:t>
-                    </m:r>
-                    <m:sSup>
-                      <m:sSupPr>
-                        <m:ctrlPr>
-                          <a:rPr lang="en-US" sz="3600" b="0" i="1" smtClean="0">
-                            <a:latin typeface="Cambria Math" panose="02040503050406030204" pitchFamily="18" charset="0"/>
-                          </a:rPr>
-                        </m:ctrlPr>
-                      </m:sSupPr>
-                      <m:e>
-                        <m:r>
-                          <a:rPr lang="en-US" sz="3600" b="0" i="1" smtClean="0">
-                            <a:latin typeface="Cambria Math" panose="02040503050406030204" pitchFamily="18" charset="0"/>
-                          </a:rPr>
-                          <m:t>𝑀</m:t>
-                        </m:r>
-                      </m:e>
-                      <m:sup>
-                        <m:r>
-                          <a:rPr lang="en-US" sz="3600" b="0" i="1" smtClean="0">
-                            <a:latin typeface="Cambria Math" panose="02040503050406030204" pitchFamily="18" charset="0"/>
-                          </a:rPr>
-                          <m:t>3</m:t>
-                        </m:r>
-                        <m:r>
-                          <a:rPr lang="en-US" sz="3600" b="0" i="1" smtClean="0">
-                            <a:latin typeface="Cambria Math" panose="02040503050406030204" pitchFamily="18" charset="0"/>
-                          </a:rPr>
-                          <m:t>𝑥</m:t>
-                        </m:r>
-                        <m:r>
-                          <a:rPr lang="en-US" sz="3600" b="0" i="1" smtClean="0">
-                            <a:latin typeface="Cambria Math" panose="02040503050406030204" pitchFamily="18" charset="0"/>
-                          </a:rPr>
-                          <m:t>3</m:t>
-                        </m:r>
-                      </m:sup>
-                    </m:sSup>
-                  </m:oMath>
-                </a14:m>
-                <a:r>
-                  <a:rPr lang="en-US" sz="3600" dirty="0"/>
-                  <a:t>, 8 DOF</a:t>
-                </a:r>
-              </a:p>
-              <a:p>
-                <a:pPr/>
-                <a:endParaRPr lang="en-US" sz="3600" b="0" i="1" dirty="0">
-                  <a:latin typeface="Cambria Math" panose="02040503050406030204" pitchFamily="18" charset="0"/>
-                </a:endParaRPr>
-              </a:p>
-              <a:p>
-                <a:pPr/>
-                <a14:m>
-                  <m:oMathPara xmlns:m="http://schemas.openxmlformats.org/officeDocument/2006/math">
-                    <m:oMathParaPr>
-                      <m:jc m:val="centerGroup"/>
-                    </m:oMathParaPr>
-                    <m:oMath xmlns:m="http://schemas.openxmlformats.org/officeDocument/2006/math">
-                      <m:r>
-                        <a:rPr lang="en-US" sz="2400" b="0" i="1" smtClean="0">
-                          <a:latin typeface="Cambria Math" panose="02040503050406030204" pitchFamily="18" charset="0"/>
-                        </a:rPr>
-                        <m:t>→</m:t>
-                      </m:r>
-                      <m:r>
-                        <a:rPr lang="en-US" sz="2400" b="0" i="1" smtClean="0">
-                          <a:latin typeface="Cambria Math" panose="02040503050406030204" pitchFamily="18" charset="0"/>
-                        </a:rPr>
-                        <m:t>𝑛𝑒𝑒𝑑</m:t>
-                      </m:r>
-                      <m:r>
-                        <a:rPr lang="en-US" sz="2400" b="0" i="1" smtClean="0">
-                          <a:latin typeface="Cambria Math" panose="02040503050406030204" pitchFamily="18" charset="0"/>
-                        </a:rPr>
-                        <m:t> 4 </m:t>
-                      </m:r>
-                      <m:d>
-                        <m:dPr>
-                          <m:begChr m:val="["/>
-                          <m:endChr m:val="]"/>
-                          <m:ctrlPr>
-                            <a:rPr lang="en-US" sz="2400" b="0" i="1" smtClean="0">
-                              <a:latin typeface="Cambria Math" panose="02040503050406030204" pitchFamily="18" charset="0"/>
-                            </a:rPr>
-                          </m:ctrlPr>
-                        </m:dPr>
-                        <m:e>
-                          <m:r>
-                            <a:rPr lang="en-US" sz="2400" b="0" i="1" smtClean="0">
-                              <a:latin typeface="Cambria Math" panose="02040503050406030204" pitchFamily="18" charset="0"/>
-                            </a:rPr>
-                            <m:t>𝑢</m:t>
-                          </m:r>
-                          <m:r>
-                            <a:rPr lang="en-US" sz="2400" b="0" i="1" smtClean="0">
-                              <a:latin typeface="Cambria Math" panose="02040503050406030204" pitchFamily="18" charset="0"/>
-                            </a:rPr>
-                            <m:t>,</m:t>
-                          </m:r>
-                          <m:r>
-                            <a:rPr lang="en-US" sz="2400" b="0" i="1" smtClean="0">
-                              <a:latin typeface="Cambria Math" panose="02040503050406030204" pitchFamily="18" charset="0"/>
-                            </a:rPr>
-                            <m:t>𝑣</m:t>
-                          </m:r>
-                        </m:e>
-                      </m:d>
-                      <m:r>
-                        <a:rPr lang="en-US" sz="2400" b="0" i="1" smtClean="0">
-                          <a:latin typeface="Cambria Math" panose="02040503050406030204" pitchFamily="18" charset="0"/>
-                        </a:rPr>
-                        <m:t> </m:t>
-                      </m:r>
-                      <m:r>
-                        <a:rPr lang="en-US" sz="2400" b="0" i="1" smtClean="0">
-                          <a:latin typeface="Cambria Math" panose="02040503050406030204" pitchFamily="18" charset="0"/>
-                        </a:rPr>
-                        <m:t>𝑝𝑎𝑖𝑟𝑠</m:t>
-                      </m:r>
-                      <m:r>
-                        <a:rPr lang="en-US" sz="2400" b="0" i="1" smtClean="0">
-                          <a:latin typeface="Cambria Math" panose="02040503050406030204" pitchFamily="18" charset="0"/>
-                        </a:rPr>
-                        <m:t> </m:t>
-                      </m:r>
-                      <m:r>
-                        <a:rPr lang="en-US" sz="2400" b="0" i="1" smtClean="0">
-                          <a:latin typeface="Cambria Math" panose="02040503050406030204" pitchFamily="18" charset="0"/>
-                        </a:rPr>
-                        <m:t>𝑡𝑜</m:t>
-                      </m:r>
-                      <m:r>
-                        <a:rPr lang="en-US" sz="2400" b="0" i="1" smtClean="0">
-                          <a:latin typeface="Cambria Math" panose="02040503050406030204" pitchFamily="18" charset="0"/>
-                        </a:rPr>
-                        <m:t> </m:t>
-                      </m:r>
-                      <m:r>
-                        <a:rPr lang="en-US" sz="2400" b="0" i="1" smtClean="0">
-                          <a:latin typeface="Cambria Math" panose="02040503050406030204" pitchFamily="18" charset="0"/>
-                        </a:rPr>
-                        <m:t>𝑐𝑜𝑚𝑝𝑢𝑡𝑒</m:t>
-                      </m:r>
-                      <m:r>
-                        <a:rPr lang="en-US" sz="2400" b="0" i="1" smtClean="0">
-                          <a:latin typeface="Cambria Math" panose="02040503050406030204" pitchFamily="18" charset="0"/>
-                        </a:rPr>
-                        <m:t> </m:t>
-                      </m:r>
-                      <m:r>
-                        <a:rPr lang="en-US" sz="2400" b="0" i="1" smtClean="0">
-                          <a:latin typeface="Cambria Math" panose="02040503050406030204" pitchFamily="18" charset="0"/>
-                        </a:rPr>
-                        <m:t>𝐻</m:t>
-                      </m:r>
-                    </m:oMath>
-                  </m:oMathPara>
-                </a14:m>
-                <a:endParaRPr lang="en-US" sz="2400" b="0" dirty="0"/>
-              </a:p>
-              <a:p>
-                <a:pPr/>
-                <a14:m>
-                  <m:oMathPara xmlns:m="http://schemas.openxmlformats.org/officeDocument/2006/math">
-                    <m:oMathParaPr>
-                      <m:jc m:val="centerGroup"/>
-                    </m:oMathParaPr>
-                    <m:oMath xmlns:m="http://schemas.openxmlformats.org/officeDocument/2006/math">
-                      <m:r>
-                        <a:rPr lang="en-US" sz="2400" b="0" i="1" smtClean="0">
-                          <a:latin typeface="Cambria Math" panose="02040503050406030204" pitchFamily="18" charset="0"/>
-                        </a:rPr>
-                        <m:t>𝑠</m:t>
-                      </m:r>
-                      <m:r>
-                        <a:rPr lang="en-US" sz="2400" b="0" i="1" smtClean="0">
-                          <a:latin typeface="Cambria Math" panose="02040503050406030204" pitchFamily="18" charset="0"/>
-                        </a:rPr>
-                        <m:t>=4</m:t>
-                      </m:r>
-                    </m:oMath>
-                  </m:oMathPara>
-                </a14:m>
-                <a:endParaRPr lang="en-IL" sz="2400" dirty="0"/>
+                <a:endParaRPr lang="en-US" sz="4000" dirty="0"/>
               </a:p>
             </p:txBody>
           </p:sp>
@@ -4461,8 +5117,8 @@
             </p:nvSpPr>
             <p:spPr>
               <a:xfrm>
-                <a:off x="5921853" y="2530663"/>
-                <a:ext cx="5049972" cy="3929858"/>
+                <a:off x="5161131" y="2550500"/>
+                <a:ext cx="6588535" cy="2048766"/>
               </a:xfrm>
               <a:prstGeom prst="rect">
                 <a:avLst/>
@@ -4489,83 +5145,104 @@
           </p:sp>
         </mc:Fallback>
       </mc:AlternateContent>
-      <p:sp>
-        <p:nvSpPr>
-          <p:cNvPr id="14" name="TextBox 13">
+      <p:grpSp>
+        <p:nvGrpSpPr>
+          <p:cNvPr id="2" name="Group 1">
             <a:extLst>
               <a:ext uri="{FF2B5EF4-FFF2-40B4-BE49-F238E27FC236}">
-                <a16:creationId xmlns:a16="http://schemas.microsoft.com/office/drawing/2014/main" id="{DD251765-C8AD-481D-AA90-4FF6F88553F4}"/>
+                <a16:creationId xmlns:a16="http://schemas.microsoft.com/office/drawing/2014/main" id="{2F31651B-C5C5-48C0-9AA2-12AEF3EA6E21}"/>
               </a:ext>
             </a:extLst>
           </p:cNvPr>
-          <p:cNvSpPr txBox="1"/>
+          <p:cNvGrpSpPr/>
           <p:nvPr/>
-        </p:nvSpPr>
-        <p:spPr>
+        </p:nvGrpSpPr>
+        <p:grpSpPr>
           <a:xfrm>
-            <a:off x="5750627" y="483884"/>
-            <a:ext cx="1822935" cy="769441"/>
+            <a:off x="5133580" y="398159"/>
+            <a:ext cx="5768503" cy="1652785"/>
+            <a:chOff x="5650247" y="483884"/>
+            <a:chExt cx="5768503" cy="1652785"/>
           </a:xfrm>
-          <a:prstGeom prst="rect">
-            <a:avLst/>
-          </a:prstGeom>
-          <a:noFill/>
-        </p:spPr>
-        <p:txBody>
-          <a:bodyPr wrap="none" rtlCol="0">
-            <a:spAutoFit/>
-          </a:bodyPr>
-          <a:lstStyle/>
-          <a:p>
-            <a:r>
-              <a:rPr lang="en-US" sz="4400" u="sng" dirty="0"/>
-              <a:t>Model</a:t>
-            </a:r>
-            <a:r>
-              <a:rPr lang="en-US" sz="4400" dirty="0"/>
-              <a:t>:</a:t>
-            </a:r>
-          </a:p>
-        </p:txBody>
-      </p:sp>
-      <p:sp>
-        <p:nvSpPr>
-          <p:cNvPr id="11" name="TextBox 10">
-            <a:extLst>
-              <a:ext uri="{FF2B5EF4-FFF2-40B4-BE49-F238E27FC236}">
-                <a16:creationId xmlns:a16="http://schemas.microsoft.com/office/drawing/2014/main" id="{923E94FC-EB79-4C5A-A335-26D99BC95634}"/>
-              </a:ext>
-            </a:extLst>
-          </p:cNvPr>
-          <p:cNvSpPr txBox="1"/>
-          <p:nvPr/>
-        </p:nvSpPr>
-        <p:spPr>
-          <a:xfrm>
-            <a:off x="5650247" y="1305672"/>
-            <a:ext cx="5768503" cy="830997"/>
-          </a:xfrm>
-          <a:prstGeom prst="rect">
-            <a:avLst/>
-          </a:prstGeom>
-          <a:noFill/>
-        </p:spPr>
-        <p:txBody>
-          <a:bodyPr wrap="square">
-            <a:spAutoFit/>
-          </a:bodyPr>
-          <a:lstStyle/>
-          <a:p>
-            <a:r>
-              <a:rPr lang="en-US" sz="2400" dirty="0"/>
-              <a:t>Point correspondents have the following connection:</a:t>
-            </a:r>
-            <a:endParaRPr lang="en-IL" sz="2400" dirty="0"/>
-          </a:p>
-        </p:txBody>
-      </p:sp>
-      <mc:AlternateContent xmlns:mc="http://schemas.openxmlformats.org/markup-compatibility/2006">
-        <mc:Choice xmlns:a14="http://schemas.microsoft.com/office/drawing/2010/main" Requires="a14">
+        </p:grpSpPr>
+        <p:sp>
+          <p:nvSpPr>
+            <p:cNvPr id="14" name="TextBox 13">
+              <a:extLst>
+                <a:ext uri="{FF2B5EF4-FFF2-40B4-BE49-F238E27FC236}">
+                  <a16:creationId xmlns:a16="http://schemas.microsoft.com/office/drawing/2014/main" id="{DD251765-C8AD-481D-AA90-4FF6F88553F4}"/>
+                </a:ext>
+              </a:extLst>
+            </p:cNvPr>
+            <p:cNvSpPr txBox="1"/>
+            <p:nvPr/>
+          </p:nvSpPr>
+          <p:spPr>
+            <a:xfrm>
+              <a:off x="5750627" y="483884"/>
+              <a:ext cx="1822935" cy="769441"/>
+            </a:xfrm>
+            <a:prstGeom prst="rect">
+              <a:avLst/>
+            </a:prstGeom>
+            <a:noFill/>
+          </p:spPr>
+          <p:txBody>
+            <a:bodyPr wrap="none" rtlCol="0">
+              <a:spAutoFit/>
+            </a:bodyPr>
+            <a:lstStyle/>
+            <a:p>
+              <a:r>
+                <a:rPr lang="en-US" sz="4400" u="sng" dirty="0"/>
+                <a:t>Model</a:t>
+              </a:r>
+              <a:r>
+                <a:rPr lang="en-US" sz="4400" dirty="0"/>
+                <a:t>:</a:t>
+              </a:r>
+            </a:p>
+          </p:txBody>
+        </p:sp>
+        <p:sp>
+          <p:nvSpPr>
+            <p:cNvPr id="11" name="TextBox 10">
+              <a:extLst>
+                <a:ext uri="{FF2B5EF4-FFF2-40B4-BE49-F238E27FC236}">
+                  <a16:creationId xmlns:a16="http://schemas.microsoft.com/office/drawing/2014/main" id="{923E94FC-EB79-4C5A-A335-26D99BC95634}"/>
+                </a:ext>
+              </a:extLst>
+            </p:cNvPr>
+            <p:cNvSpPr txBox="1"/>
+            <p:nvPr/>
+          </p:nvSpPr>
+          <p:spPr>
+            <a:xfrm>
+              <a:off x="5650247" y="1305672"/>
+              <a:ext cx="5768503" cy="830997"/>
+            </a:xfrm>
+            <a:prstGeom prst="rect">
+              <a:avLst/>
+            </a:prstGeom>
+            <a:noFill/>
+          </p:spPr>
+          <p:txBody>
+            <a:bodyPr wrap="square">
+              <a:spAutoFit/>
+            </a:bodyPr>
+            <a:lstStyle/>
+            <a:p>
+              <a:r>
+                <a:rPr lang="en-US" sz="2400" dirty="0"/>
+                <a:t>Point correspondents have the following connection:</a:t>
+              </a:r>
+              <a:endParaRPr lang="en-IL" sz="2400" dirty="0"/>
+            </a:p>
+          </p:txBody>
+        </p:sp>
+      </p:grpSp>
+      <mc:AlternateContent xmlns:mc="http://schemas.openxmlformats.org/markup-compatibility/2006" xmlns:a14="http://schemas.microsoft.com/office/drawing/2010/main">
+        <mc:Choice Requires="a14">
           <p:sp>
             <p:nvSpPr>
               <p:cNvPr id="13" name="TextBox 12">
@@ -4594,6 +5271,7 @@
               </a:bodyPr>
               <a:lstStyle/>
               <a:p>
+                <a:pPr/>
                 <a14:m>
                   <m:oMathPara xmlns:m="http://schemas.openxmlformats.org/officeDocument/2006/math">
                     <m:oMathParaPr>
@@ -4633,7 +5311,7 @@
             </p:txBody>
           </p:sp>
         </mc:Choice>
-        <mc:Fallback>
+        <mc:Fallback xmlns="">
           <p:sp>
             <p:nvSpPr>
               <p:cNvPr id="13" name="TextBox 12">
@@ -4678,8 +5356,8 @@
           </p:sp>
         </mc:Fallback>
       </mc:AlternateContent>
-      <mc:AlternateContent xmlns:mc="http://schemas.openxmlformats.org/markup-compatibility/2006">
-        <mc:Choice xmlns:a14="http://schemas.microsoft.com/office/drawing/2010/main" Requires="a14">
+      <mc:AlternateContent xmlns:mc="http://schemas.openxmlformats.org/markup-compatibility/2006" xmlns:a14="http://schemas.microsoft.com/office/drawing/2010/main">
+        <mc:Choice Requires="a14">
           <p:sp>
             <p:nvSpPr>
               <p:cNvPr id="15" name="TextBox 14">
@@ -4708,6 +5386,7 @@
               </a:bodyPr>
               <a:lstStyle/>
               <a:p>
+                <a:pPr/>
                 <a14:m>
                   <m:oMathPara xmlns:m="http://schemas.openxmlformats.org/officeDocument/2006/math">
                     <m:oMathParaPr>
@@ -4747,7 +5426,7 @@
             </p:txBody>
           </p:sp>
         </mc:Choice>
-        <mc:Fallback>
+        <mc:Fallback xmlns="">
           <p:sp>
             <p:nvSpPr>
               <p:cNvPr id="15" name="TextBox 14">
@@ -4792,8 +5471,8 @@
           </p:sp>
         </mc:Fallback>
       </mc:AlternateContent>
-      <mc:AlternateContent xmlns:mc="http://schemas.openxmlformats.org/markup-compatibility/2006">
-        <mc:Choice xmlns:a14="http://schemas.microsoft.com/office/drawing/2010/main" Requires="a14">
+      <mc:AlternateContent xmlns:mc="http://schemas.openxmlformats.org/markup-compatibility/2006" xmlns:a14="http://schemas.microsoft.com/office/drawing/2010/main">
+        <mc:Choice Requires="a14">
           <p:sp>
             <p:nvSpPr>
               <p:cNvPr id="16" name="TextBox 15">
@@ -4822,6 +5501,7 @@
               </a:bodyPr>
               <a:lstStyle/>
               <a:p>
+                <a:pPr/>
                 <a14:m>
                   <m:oMathPara xmlns:m="http://schemas.openxmlformats.org/officeDocument/2006/math">
                     <m:oMathParaPr>
@@ -4861,7 +5541,7 @@
             </p:txBody>
           </p:sp>
         </mc:Choice>
-        <mc:Fallback>
+        <mc:Fallback xmlns="">
           <p:sp>
             <p:nvSpPr>
               <p:cNvPr id="16" name="TextBox 15">
@@ -4906,8 +5586,8 @@
           </p:sp>
         </mc:Fallback>
       </mc:AlternateContent>
-      <mc:AlternateContent xmlns:mc="http://schemas.openxmlformats.org/markup-compatibility/2006">
-        <mc:Choice xmlns:a14="http://schemas.microsoft.com/office/drawing/2010/main" Requires="a14">
+      <mc:AlternateContent xmlns:mc="http://schemas.openxmlformats.org/markup-compatibility/2006" xmlns:a14="http://schemas.microsoft.com/office/drawing/2010/main">
+        <mc:Choice Requires="a14">
           <p:sp>
             <p:nvSpPr>
               <p:cNvPr id="17" name="TextBox 16">
@@ -4936,6 +5616,7 @@
               </a:bodyPr>
               <a:lstStyle/>
               <a:p>
+                <a:pPr/>
                 <a14:m>
                   <m:oMathPara xmlns:m="http://schemas.openxmlformats.org/officeDocument/2006/math">
                     <m:oMathParaPr>
@@ -4975,7 +5656,7 @@
             </p:txBody>
           </p:sp>
         </mc:Choice>
-        <mc:Fallback>
+        <mc:Fallback xmlns="">
           <p:sp>
             <p:nvSpPr>
               <p:cNvPr id="17" name="TextBox 16">
@@ -5043,12 +5724,463 @@
           <a:p>
             <a:fld id="{6A66ABA5-9194-4D3A-A872-2D6AFFA2C838}" type="slidenum">
               <a:rPr lang="en-US" smtClean="0"/>
-              <a:t>12</a:t>
+              <a:t>13</a:t>
             </a:fld>
             <a:endParaRPr lang="en-US" dirty="0"/>
           </a:p>
         </p:txBody>
       </p:sp>
+      <p:grpSp>
+        <p:nvGrpSpPr>
+          <p:cNvPr id="19" name="Group 18">
+            <a:extLst>
+              <a:ext uri="{FF2B5EF4-FFF2-40B4-BE49-F238E27FC236}">
+                <a16:creationId xmlns:a16="http://schemas.microsoft.com/office/drawing/2014/main" id="{A085EFC7-F351-424C-9340-54AF472037BC}"/>
+              </a:ext>
+            </a:extLst>
+          </p:cNvPr>
+          <p:cNvGrpSpPr/>
+          <p:nvPr/>
+        </p:nvGrpSpPr>
+        <p:grpSpPr>
+          <a:xfrm>
+            <a:off x="1114258" y="1042969"/>
+            <a:ext cx="1679040" cy="3502066"/>
+            <a:chOff x="1114258" y="1042969"/>
+            <a:chExt cx="1679040" cy="3502066"/>
+          </a:xfrm>
+        </p:grpSpPr>
+        <p:sp>
+          <p:nvSpPr>
+            <p:cNvPr id="3" name="Oval 2">
+              <a:extLst>
+                <a:ext uri="{FF2B5EF4-FFF2-40B4-BE49-F238E27FC236}">
+                  <a16:creationId xmlns:a16="http://schemas.microsoft.com/office/drawing/2014/main" id="{343C82CC-D950-4009-A638-62972840499B}"/>
+                </a:ext>
+              </a:extLst>
+            </p:cNvPr>
+            <p:cNvSpPr/>
+            <p:nvPr/>
+          </p:nvSpPr>
+          <p:spPr>
+            <a:xfrm>
+              <a:off x="1178300" y="4295774"/>
+              <a:ext cx="249261" cy="249261"/>
+            </a:xfrm>
+            <a:prstGeom prst="ellipse">
+              <a:avLst/>
+            </a:prstGeom>
+            <a:noFill/>
+            <a:ln w="38100">
+              <a:solidFill>
+                <a:srgbClr val="FFFF00"/>
+              </a:solidFill>
+            </a:ln>
+          </p:spPr>
+          <p:style>
+            <a:lnRef idx="2">
+              <a:schemeClr val="accent1">
+                <a:shade val="50000"/>
+              </a:schemeClr>
+            </a:lnRef>
+            <a:fillRef idx="1">
+              <a:schemeClr val="accent1"/>
+            </a:fillRef>
+            <a:effectRef idx="0">
+              <a:schemeClr val="accent1"/>
+            </a:effectRef>
+            <a:fontRef idx="minor">
+              <a:schemeClr val="lt1"/>
+            </a:fontRef>
+          </p:style>
+          <p:txBody>
+            <a:bodyPr rtlCol="0" anchor="ctr"/>
+            <a:lstStyle/>
+            <a:p>
+              <a:pPr algn="ctr"/>
+              <a:endParaRPr lang="en-IL"/>
+            </a:p>
+          </p:txBody>
+        </p:sp>
+        <p:sp>
+          <p:nvSpPr>
+            <p:cNvPr id="18" name="Oval 17">
+              <a:extLst>
+                <a:ext uri="{FF2B5EF4-FFF2-40B4-BE49-F238E27FC236}">
+                  <a16:creationId xmlns:a16="http://schemas.microsoft.com/office/drawing/2014/main" id="{867493E0-520A-444F-9980-86796D052089}"/>
+                </a:ext>
+              </a:extLst>
+            </p:cNvPr>
+            <p:cNvSpPr/>
+            <p:nvPr/>
+          </p:nvSpPr>
+          <p:spPr>
+            <a:xfrm>
+              <a:off x="2544037" y="1042969"/>
+              <a:ext cx="249261" cy="249261"/>
+            </a:xfrm>
+            <a:prstGeom prst="ellipse">
+              <a:avLst/>
+            </a:prstGeom>
+            <a:noFill/>
+            <a:ln w="38100">
+              <a:solidFill>
+                <a:srgbClr val="FFFF00"/>
+              </a:solidFill>
+            </a:ln>
+          </p:spPr>
+          <p:style>
+            <a:lnRef idx="2">
+              <a:schemeClr val="accent1">
+                <a:shade val="50000"/>
+              </a:schemeClr>
+            </a:lnRef>
+            <a:fillRef idx="1">
+              <a:schemeClr val="accent1"/>
+            </a:fillRef>
+            <a:effectRef idx="0">
+              <a:schemeClr val="accent1"/>
+            </a:effectRef>
+            <a:fontRef idx="minor">
+              <a:schemeClr val="lt1"/>
+            </a:fontRef>
+          </p:style>
+          <p:txBody>
+            <a:bodyPr rtlCol="0" anchor="ctr"/>
+            <a:lstStyle/>
+            <a:p>
+              <a:pPr algn="ctr"/>
+              <a:endParaRPr lang="en-IL"/>
+            </a:p>
+          </p:txBody>
+        </p:sp>
+        <p:sp>
+          <p:nvSpPr>
+            <p:cNvPr id="10" name="Freeform: Shape 9">
+              <a:extLst>
+                <a:ext uri="{FF2B5EF4-FFF2-40B4-BE49-F238E27FC236}">
+                  <a16:creationId xmlns:a16="http://schemas.microsoft.com/office/drawing/2014/main" id="{2EEAF7A1-8C3B-4AA6-9FB3-EF10000BC7EA}"/>
+                </a:ext>
+              </a:extLst>
+            </p:cNvPr>
+            <p:cNvSpPr/>
+            <p:nvPr/>
+          </p:nvSpPr>
+          <p:spPr>
+            <a:xfrm>
+              <a:off x="1114258" y="1285875"/>
+              <a:ext cx="1381292" cy="2886075"/>
+            </a:xfrm>
+            <a:custGeom>
+              <a:avLst/>
+              <a:gdLst>
+                <a:gd name="connsiteX0" fmla="*/ 190667 w 1381292"/>
+                <a:gd name="connsiteY0" fmla="*/ 2886075 h 2886075"/>
+                <a:gd name="connsiteX1" fmla="*/ 167 w 1381292"/>
+                <a:gd name="connsiteY1" fmla="*/ 2085975 h 2886075"/>
+                <a:gd name="connsiteX2" fmla="*/ 219242 w 1381292"/>
+                <a:gd name="connsiteY2" fmla="*/ 942975 h 2886075"/>
+                <a:gd name="connsiteX3" fmla="*/ 1381292 w 1381292"/>
+                <a:gd name="connsiteY3" fmla="*/ 0 h 2886075"/>
+              </a:gdLst>
+              <a:ahLst/>
+              <a:cxnLst>
+                <a:cxn ang="0">
+                  <a:pos x="connsiteX0" y="connsiteY0"/>
+                </a:cxn>
+                <a:cxn ang="0">
+                  <a:pos x="connsiteX1" y="connsiteY1"/>
+                </a:cxn>
+                <a:cxn ang="0">
+                  <a:pos x="connsiteX2" y="connsiteY2"/>
+                </a:cxn>
+                <a:cxn ang="0">
+                  <a:pos x="connsiteX3" y="connsiteY3"/>
+                </a:cxn>
+              </a:cxnLst>
+              <a:rect l="l" t="t" r="r" b="b"/>
+              <a:pathLst>
+                <a:path w="1381292" h="2886075">
+                  <a:moveTo>
+                    <a:pt x="190667" y="2886075"/>
+                  </a:moveTo>
+                  <a:cubicBezTo>
+                    <a:pt x="93035" y="2647950"/>
+                    <a:pt x="-4596" y="2409825"/>
+                    <a:pt x="167" y="2085975"/>
+                  </a:cubicBezTo>
+                  <a:cubicBezTo>
+                    <a:pt x="4929" y="1762125"/>
+                    <a:pt x="-10945" y="1290637"/>
+                    <a:pt x="219242" y="942975"/>
+                  </a:cubicBezTo>
+                  <a:cubicBezTo>
+                    <a:pt x="449429" y="595313"/>
+                    <a:pt x="915360" y="297656"/>
+                    <a:pt x="1381292" y="0"/>
+                  </a:cubicBezTo>
+                </a:path>
+              </a:pathLst>
+            </a:custGeom>
+            <a:noFill/>
+            <a:ln w="38100">
+              <a:solidFill>
+                <a:srgbClr val="FFFF00"/>
+              </a:solidFill>
+              <a:headEnd type="none"/>
+              <a:tailEnd type="triangle"/>
+            </a:ln>
+          </p:spPr>
+          <p:style>
+            <a:lnRef idx="2">
+              <a:schemeClr val="accent1">
+                <a:shade val="50000"/>
+              </a:schemeClr>
+            </a:lnRef>
+            <a:fillRef idx="1">
+              <a:schemeClr val="accent1"/>
+            </a:fillRef>
+            <a:effectRef idx="0">
+              <a:schemeClr val="accent1"/>
+            </a:effectRef>
+            <a:fontRef idx="minor">
+              <a:schemeClr val="lt1"/>
+            </a:fontRef>
+          </p:style>
+          <p:txBody>
+            <a:bodyPr rtlCol="0" anchor="ctr"/>
+            <a:lstStyle/>
+            <a:p>
+              <a:pPr algn="ctr"/>
+              <a:endParaRPr lang="en-IL"/>
+            </a:p>
+          </p:txBody>
+        </p:sp>
+      </p:grpSp>
+      <mc:AlternateContent xmlns:mc="http://schemas.openxmlformats.org/markup-compatibility/2006">
+        <mc:Choice xmlns:a14="http://schemas.microsoft.com/office/drawing/2010/main" Requires="a14">
+          <p:sp>
+            <p:nvSpPr>
+              <p:cNvPr id="22" name="TextBox 21">
+                <a:extLst>
+                  <a:ext uri="{FF2B5EF4-FFF2-40B4-BE49-F238E27FC236}">
+                    <a16:creationId xmlns:a16="http://schemas.microsoft.com/office/drawing/2014/main" id="{16D1B42F-C214-43A5-A836-A81768758A95}"/>
+                  </a:ext>
+                </a:extLst>
+              </p:cNvPr>
+              <p:cNvSpPr txBox="1"/>
+              <p:nvPr/>
+            </p:nvSpPr>
+            <p:spPr>
+              <a:xfrm>
+                <a:off x="4806083" y="5279132"/>
+                <a:ext cx="6096000" cy="1077218"/>
+              </a:xfrm>
+              <a:prstGeom prst="rect">
+                <a:avLst/>
+              </a:prstGeom>
+              <a:noFill/>
+            </p:spPr>
+            <p:txBody>
+              <a:bodyPr wrap="square">
+                <a:spAutoFit/>
+              </a:bodyPr>
+              <a:lstStyle/>
+              <a:p>
+                <a:pPr/>
+                <a14:m>
+                  <m:oMathPara xmlns:m="http://schemas.openxmlformats.org/officeDocument/2006/math">
+                    <m:oMathParaPr>
+                      <m:jc m:val="centerGroup"/>
+                    </m:oMathParaPr>
+                    <m:oMath xmlns:m="http://schemas.openxmlformats.org/officeDocument/2006/math">
+                      <m:r>
+                        <a:rPr lang="en-US" sz="3200" b="0" i="1" smtClean="0">
+                          <a:latin typeface="Cambria Math" panose="02040503050406030204" pitchFamily="18" charset="0"/>
+                        </a:rPr>
+                        <m:t>→</m:t>
+                      </m:r>
+                      <m:r>
+                        <a:rPr lang="en-US" sz="3200" b="0" i="1" smtClean="0">
+                          <a:latin typeface="Cambria Math" panose="02040503050406030204" pitchFamily="18" charset="0"/>
+                        </a:rPr>
+                        <m:t>𝑛𝑒𝑒𝑑</m:t>
+                      </m:r>
+                      <m:r>
+                        <a:rPr lang="en-US" sz="3200" b="0" i="1" smtClean="0">
+                          <a:latin typeface="Cambria Math" panose="02040503050406030204" pitchFamily="18" charset="0"/>
+                        </a:rPr>
+                        <m:t> </m:t>
+                      </m:r>
+                      <m:r>
+                        <a:rPr lang="en-US" sz="3200" b="0" i="1" smtClean="0">
+                          <a:latin typeface="Cambria Math" panose="02040503050406030204" pitchFamily="18" charset="0"/>
+                        </a:rPr>
+                        <m:t>𝑚𝑖𝑛</m:t>
+                      </m:r>
+                      <m:r>
+                        <a:rPr lang="en-US" sz="3200" b="0" i="1" smtClean="0">
+                          <a:latin typeface="Cambria Math" panose="02040503050406030204" pitchFamily="18" charset="0"/>
+                        </a:rPr>
+                        <m:t>. 4 </m:t>
+                      </m:r>
+                      <m:d>
+                        <m:dPr>
+                          <m:begChr m:val="["/>
+                          <m:endChr m:val="]"/>
+                          <m:ctrlPr>
+                            <a:rPr lang="en-US" sz="3200" b="0" i="1" smtClean="0">
+                              <a:latin typeface="Cambria Math" panose="02040503050406030204" pitchFamily="18" charset="0"/>
+                            </a:rPr>
+                          </m:ctrlPr>
+                        </m:dPr>
+                        <m:e>
+                          <m:r>
+                            <a:rPr lang="en-US" sz="3200" b="0" i="1" smtClean="0">
+                              <a:latin typeface="Cambria Math" panose="02040503050406030204" pitchFamily="18" charset="0"/>
+                            </a:rPr>
+                            <m:t>𝑢</m:t>
+                          </m:r>
+                          <m:r>
+                            <a:rPr lang="en-US" sz="3200" b="0" i="1" smtClean="0">
+                              <a:latin typeface="Cambria Math" panose="02040503050406030204" pitchFamily="18" charset="0"/>
+                            </a:rPr>
+                            <m:t>,</m:t>
+                          </m:r>
+                          <m:r>
+                            <a:rPr lang="en-US" sz="3200" b="0" i="1" smtClean="0">
+                              <a:latin typeface="Cambria Math" panose="02040503050406030204" pitchFamily="18" charset="0"/>
+                            </a:rPr>
+                            <m:t>𝑣</m:t>
+                          </m:r>
+                        </m:e>
+                      </m:d>
+                      <m:r>
+                        <a:rPr lang="en-US" sz="3200" b="0" i="1" smtClean="0">
+                          <a:latin typeface="Cambria Math" panose="02040503050406030204" pitchFamily="18" charset="0"/>
+                        </a:rPr>
+                        <m:t> </m:t>
+                      </m:r>
+                      <m:r>
+                        <a:rPr lang="en-US" sz="3200" b="0" i="1" smtClean="0">
+                          <a:latin typeface="Cambria Math" panose="02040503050406030204" pitchFamily="18" charset="0"/>
+                        </a:rPr>
+                        <m:t>𝑝𝑎𝑖𝑟𝑠</m:t>
+                      </m:r>
+                      <m:r>
+                        <a:rPr lang="en-US" sz="3200" b="0" i="1" smtClean="0">
+                          <a:latin typeface="Cambria Math" panose="02040503050406030204" pitchFamily="18" charset="0"/>
+                        </a:rPr>
+                        <m:t> </m:t>
+                      </m:r>
+                      <m:r>
+                        <a:rPr lang="en-US" sz="3200" b="0" i="1" smtClean="0">
+                          <a:latin typeface="Cambria Math" panose="02040503050406030204" pitchFamily="18" charset="0"/>
+                        </a:rPr>
+                        <m:t>𝑡𝑜</m:t>
+                      </m:r>
+                      <m:r>
+                        <a:rPr lang="en-US" sz="3200" b="0" i="1" smtClean="0">
+                          <a:latin typeface="Cambria Math" panose="02040503050406030204" pitchFamily="18" charset="0"/>
+                        </a:rPr>
+                        <m:t> </m:t>
+                      </m:r>
+                      <m:r>
+                        <a:rPr lang="en-US" sz="3200" b="0" i="1" smtClean="0">
+                          <a:latin typeface="Cambria Math" panose="02040503050406030204" pitchFamily="18" charset="0"/>
+                        </a:rPr>
+                        <m:t>𝑐𝑜𝑚𝑝𝑢𝑡𝑒</m:t>
+                      </m:r>
+                      <m:r>
+                        <a:rPr lang="en-US" sz="3200" b="0" i="1" smtClean="0">
+                          <a:latin typeface="Cambria Math" panose="02040503050406030204" pitchFamily="18" charset="0"/>
+                        </a:rPr>
+                        <m:t> </m:t>
+                      </m:r>
+                      <m:r>
+                        <a:rPr lang="en-US" sz="3200" b="0" i="1" smtClean="0">
+                          <a:latin typeface="Cambria Math" panose="02040503050406030204" pitchFamily="18" charset="0"/>
+                        </a:rPr>
+                        <m:t>𝐻</m:t>
+                      </m:r>
+                    </m:oMath>
+                  </m:oMathPara>
+                </a14:m>
+                <a:endParaRPr lang="en-US" sz="3200" b="0" dirty="0"/>
+              </a:p>
+              <a:p>
+                <a:pPr/>
+                <a14:m>
+                  <m:oMathPara xmlns:m="http://schemas.openxmlformats.org/officeDocument/2006/math">
+                    <m:oMathParaPr>
+                      <m:jc m:val="centerGroup"/>
+                    </m:oMathParaPr>
+                    <m:oMath xmlns:m="http://schemas.openxmlformats.org/officeDocument/2006/math">
+                      <m:r>
+                        <a:rPr lang="en-US" sz="3200" b="0" i="1" smtClean="0">
+                          <a:latin typeface="Cambria Math" panose="02040503050406030204" pitchFamily="18" charset="0"/>
+                        </a:rPr>
+                        <m:t>𝑠</m:t>
+                      </m:r>
+                      <m:r>
+                        <a:rPr lang="en-US" sz="3200" b="0" i="1" smtClean="0">
+                          <a:latin typeface="Cambria Math" panose="02040503050406030204" pitchFamily="18" charset="0"/>
+                        </a:rPr>
+                        <m:t>=4</m:t>
+                      </m:r>
+                    </m:oMath>
+                  </m:oMathPara>
+                </a14:m>
+                <a:endParaRPr lang="en-IL" sz="3200" dirty="0"/>
+              </a:p>
+            </p:txBody>
+          </p:sp>
+        </mc:Choice>
+        <mc:Fallback>
+          <p:sp>
+            <p:nvSpPr>
+              <p:cNvPr id="22" name="TextBox 21">
+                <a:extLst>
+                  <a:ext uri="{FF2B5EF4-FFF2-40B4-BE49-F238E27FC236}">
+                    <a16:creationId xmlns:a16="http://schemas.microsoft.com/office/drawing/2014/main" id="{16D1B42F-C214-43A5-A836-A81768758A95}"/>
+                  </a:ext>
+                </a:extLst>
+              </p:cNvPr>
+              <p:cNvSpPr txBox="1">
+                <a:spLocks noRot="1" noChangeAspect="1" noMove="1" noResize="1" noEditPoints="1" noAdjustHandles="1" noChangeArrowheads="1" noChangeShapeType="1" noTextEdit="1"/>
+              </p:cNvSpPr>
+              <p:nvPr/>
+            </p:nvSpPr>
+            <p:spPr>
+              <a:xfrm>
+                <a:off x="4806083" y="5279132"/>
+                <a:ext cx="6096000" cy="1077218"/>
+              </a:xfrm>
+              <a:prstGeom prst="rect">
+                <a:avLst/>
+              </a:prstGeom>
+              <a:blipFill>
+                <a:blip r:embed="rId9"/>
+                <a:stretch>
+                  <a:fillRect r="-18000"/>
+                </a:stretch>
+              </a:blipFill>
+            </p:spPr>
+            <p:txBody>
+              <a:bodyPr/>
+              <a:lstStyle/>
+              <a:p>
+                <a:r>
+                  <a:rPr lang="en-IL">
+                    <a:noFill/>
+                  </a:rPr>
+                  <a:t> </a:t>
+                </a:r>
+              </a:p>
+            </p:txBody>
+          </p:sp>
+        </mc:Fallback>
+      </mc:AlternateContent>
     </p:spTree>
     <p:extLst>
       <p:ext uri="{BB962C8B-B14F-4D97-AF65-F5344CB8AC3E}">
@@ -5059,10 +6191,88 @@
   <p:clrMapOvr>
     <a:masterClrMapping/>
   </p:clrMapOvr>
+  <p:timing>
+    <p:tnLst>
+      <p:par>
+        <p:cTn id="1" dur="indefinite" restart="never" nodeType="tmRoot">
+          <p:childTnLst>
+            <p:seq concurrent="1" nextAc="seek">
+              <p:cTn id="2" dur="indefinite" nodeType="mainSeq">
+                <p:childTnLst>
+                  <p:par>
+                    <p:cTn id="3" fill="hold">
+                      <p:stCondLst>
+                        <p:cond delay="indefinite"/>
+                      </p:stCondLst>
+                      <p:childTnLst>
+                        <p:par>
+                          <p:cTn id="4" fill="hold">
+                            <p:stCondLst>
+                              <p:cond delay="0"/>
+                            </p:stCondLst>
+                            <p:childTnLst>
+                              <p:par>
+                                <p:cTn id="5" presetID="1" presetClass="entr" presetSubtype="0" fill="hold" grpId="0" nodeType="clickEffect">
+                                  <p:stCondLst>
+                                    <p:cond delay="0"/>
+                                  </p:stCondLst>
+                                  <p:childTnLst>
+                                    <p:set>
+                                      <p:cBhvr>
+                                        <p:cTn id="6" dur="1" fill="hold">
+                                          <p:stCondLst>
+                                            <p:cond delay="0"/>
+                                          </p:stCondLst>
+                                        </p:cTn>
+                                        <p:tgtEl>
+                                          <p:spTgt spid="22"/>
+                                        </p:tgtEl>
+                                        <p:attrNameLst>
+                                          <p:attrName>style.visibility</p:attrName>
+                                        </p:attrNameLst>
+                                      </p:cBhvr>
+                                      <p:to>
+                                        <p:strVal val="visible"/>
+                                      </p:to>
+                                    </p:set>
+                                  </p:childTnLst>
+                                </p:cTn>
+                              </p:par>
+                            </p:childTnLst>
+                          </p:cTn>
+                        </p:par>
+                      </p:childTnLst>
+                    </p:cTn>
+                  </p:par>
+                </p:childTnLst>
+              </p:cTn>
+              <p:prevCondLst>
+                <p:cond evt="onPrev" delay="0">
+                  <p:tgtEl>
+                    <p:sldTgt/>
+                  </p:tgtEl>
+                </p:cond>
+              </p:prevCondLst>
+              <p:nextCondLst>
+                <p:cond evt="onNext" delay="0">
+                  <p:tgtEl>
+                    <p:sldTgt/>
+                  </p:tgtEl>
+                </p:cond>
+              </p:nextCondLst>
+            </p:seq>
+          </p:childTnLst>
+        </p:cTn>
+      </p:par>
+    </p:tnLst>
+    <p:bldLst>
+      <p:bldP spid="22" grpId="0"/>
+    </p:bldLst>
+  </p:timing>
 </p:sld>
 </file>
 
-<file path=ppt/slides/slide13.xml><?xml version="1.0" encoding="utf-8"?>
+<file path=ppt/slides/slide14.xml><?xml version="1.0" encoding="utf-8"?>
 <p:sld xmlns:a="http://schemas.openxmlformats.org/drawingml/2006/main" xmlns:r="http://schemas.openxmlformats.org/officeDocument/2006/relationships" xmlns:p="http://schemas.openxmlformats.org/presentationml/2006/main">
   <p:cSld>
     <p:spTree>
@@ -5206,12 +6416,56 @@
           <a:p>
             <a:fld id="{6A66ABA5-9194-4D3A-A872-2D6AFFA2C838}" type="slidenum">
               <a:rPr lang="en-US" smtClean="0"/>
-              <a:t>13</a:t>
+              <a:t>14</a:t>
             </a:fld>
             <a:endParaRPr lang="en-US" dirty="0"/>
           </a:p>
         </p:txBody>
       </p:sp>
+      <p:cxnSp>
+        <p:nvCxnSpPr>
+          <p:cNvPr id="3" name="Straight Arrow Connector 2">
+            <a:extLst>
+              <a:ext uri="{FF2B5EF4-FFF2-40B4-BE49-F238E27FC236}">
+                <a16:creationId xmlns:a16="http://schemas.microsoft.com/office/drawing/2014/main" id="{6CB26B9D-4289-4E18-B3A6-B7125F267415}"/>
+              </a:ext>
+            </a:extLst>
+          </p:cNvPr>
+          <p:cNvCxnSpPr>
+            <a:cxnSpLocks/>
+          </p:cNvCxnSpPr>
+          <p:nvPr/>
+        </p:nvCxnSpPr>
+        <p:spPr>
+          <a:xfrm flipV="1">
+            <a:off x="838200" y="2705100"/>
+            <a:ext cx="1419225" cy="2863007"/>
+          </a:xfrm>
+          <a:prstGeom prst="straightConnector1">
+            <a:avLst/>
+          </a:prstGeom>
+          <a:ln w="76200">
+            <a:solidFill>
+              <a:srgbClr val="FFFF00"/>
+            </a:solidFill>
+            <a:tailEnd type="triangle"/>
+          </a:ln>
+        </p:spPr>
+        <p:style>
+          <a:lnRef idx="1">
+            <a:schemeClr val="accent1"/>
+          </a:lnRef>
+          <a:fillRef idx="0">
+            <a:schemeClr val="accent1"/>
+          </a:fillRef>
+          <a:effectRef idx="0">
+            <a:schemeClr val="accent1"/>
+          </a:effectRef>
+          <a:fontRef idx="minor">
+            <a:schemeClr val="tx1"/>
+          </a:fontRef>
+        </p:style>
+      </p:cxnSp>
     </p:spTree>
     <p:extLst>
       <p:ext uri="{BB962C8B-B14F-4D97-AF65-F5344CB8AC3E}">
@@ -5222,10 +6476,85 @@
   <p:clrMapOvr>
     <a:masterClrMapping/>
   </p:clrMapOvr>
+  <p:timing>
+    <p:tnLst>
+      <p:par>
+        <p:cTn id="1" dur="indefinite" restart="never" nodeType="tmRoot">
+          <p:childTnLst>
+            <p:seq concurrent="1" nextAc="seek">
+              <p:cTn id="2" dur="indefinite" nodeType="mainSeq">
+                <p:childTnLst>
+                  <p:par>
+                    <p:cTn id="3" fill="hold">
+                      <p:stCondLst>
+                        <p:cond delay="indefinite"/>
+                      </p:stCondLst>
+                      <p:childTnLst>
+                        <p:par>
+                          <p:cTn id="4" fill="hold">
+                            <p:stCondLst>
+                              <p:cond delay="0"/>
+                            </p:stCondLst>
+                            <p:childTnLst>
+                              <p:par>
+                                <p:cTn id="5" presetID="1" presetClass="entr" presetSubtype="0" fill="hold" nodeType="clickEffect">
+                                  <p:stCondLst>
+                                    <p:cond delay="0"/>
+                                  </p:stCondLst>
+                                  <p:childTnLst>
+                                    <p:set>
+                                      <p:cBhvr>
+                                        <p:cTn id="6" dur="1" fill="hold">
+                                          <p:stCondLst>
+                                            <p:cond delay="0"/>
+                                          </p:stCondLst>
+                                        </p:cTn>
+                                        <p:tgtEl>
+                                          <p:spTgt spid="3"/>
+                                        </p:tgtEl>
+                                        <p:attrNameLst>
+                                          <p:attrName>style.visibility</p:attrName>
+                                        </p:attrNameLst>
+                                      </p:cBhvr>
+                                      <p:to>
+                                        <p:strVal val="visible"/>
+                                      </p:to>
+                                    </p:set>
+                                  </p:childTnLst>
+                                </p:cTn>
+                              </p:par>
+                            </p:childTnLst>
+                          </p:cTn>
+                        </p:par>
+                      </p:childTnLst>
+                    </p:cTn>
+                  </p:par>
+                </p:childTnLst>
+              </p:cTn>
+              <p:prevCondLst>
+                <p:cond evt="onPrev" delay="0">
+                  <p:tgtEl>
+                    <p:sldTgt/>
+                  </p:tgtEl>
+                </p:cond>
+              </p:prevCondLst>
+              <p:nextCondLst>
+                <p:cond evt="onNext" delay="0">
+                  <p:tgtEl>
+                    <p:sldTgt/>
+                  </p:tgtEl>
+                </p:cond>
+              </p:nextCondLst>
+            </p:seq>
+          </p:childTnLst>
+        </p:cTn>
+      </p:par>
+    </p:tnLst>
+  </p:timing>
 </p:sld>
 </file>
 
-<file path=ppt/slides/slide14.xml><?xml version="1.0" encoding="utf-8"?>
+<file path=ppt/slides/slide15.xml><?xml version="1.0" encoding="utf-8"?>
 <p:sld xmlns:a="http://schemas.openxmlformats.org/drawingml/2006/main" xmlns:r="http://schemas.openxmlformats.org/officeDocument/2006/relationships" xmlns:p="http://schemas.openxmlformats.org/presentationml/2006/main">
   <p:cSld>
     <p:spTree>
@@ -5244,10 +6573,10 @@
       </p:grpSpPr>
       <p:grpSp>
         <p:nvGrpSpPr>
-          <p:cNvPr id="18" name="Group 17">
+          <p:cNvPr id="21" name="Group 20">
             <a:extLst>
               <a:ext uri="{FF2B5EF4-FFF2-40B4-BE49-F238E27FC236}">
-                <a16:creationId xmlns:a16="http://schemas.microsoft.com/office/drawing/2014/main" id="{F2A78E65-8263-41F3-A3E0-1B13E0D93569}"/>
+                <a16:creationId xmlns:a16="http://schemas.microsoft.com/office/drawing/2014/main" id="{A7C2CCE9-5DDA-4477-B6B2-9A97AE9E877D}"/>
               </a:ext>
             </a:extLst>
           </p:cNvPr>
@@ -5256,10 +6585,203 @@
         </p:nvGrpSpPr>
         <p:grpSpPr>
           <a:xfrm>
-            <a:off x="438151" y="94500"/>
-            <a:ext cx="8991599" cy="4974376"/>
-            <a:chOff x="-553781" y="142025"/>
-            <a:chExt cx="11252260" cy="6225030"/>
+            <a:off x="4022644" y="3248242"/>
+            <a:ext cx="4218864" cy="541057"/>
+            <a:chOff x="4022644" y="3248242"/>
+            <a:chExt cx="4218864" cy="541057"/>
+          </a:xfrm>
+        </p:grpSpPr>
+        <p:sp>
+          <p:nvSpPr>
+            <p:cNvPr id="69" name="Oval 68"/>
+            <p:cNvSpPr/>
+            <p:nvPr/>
+          </p:nvSpPr>
+          <p:spPr>
+            <a:xfrm>
+              <a:off x="4022644" y="3248242"/>
+              <a:ext cx="125261" cy="125261"/>
+            </a:xfrm>
+            <a:prstGeom prst="ellipse">
+              <a:avLst/>
+            </a:prstGeom>
+            <a:solidFill>
+              <a:srgbClr val="FFC000"/>
+            </a:solidFill>
+            <a:ln>
+              <a:solidFill>
+                <a:srgbClr val="FFC000"/>
+              </a:solidFill>
+            </a:ln>
+          </p:spPr>
+          <p:style>
+            <a:lnRef idx="2">
+              <a:schemeClr val="accent1">
+                <a:shade val="50000"/>
+              </a:schemeClr>
+            </a:lnRef>
+            <a:fillRef idx="1">
+              <a:schemeClr val="accent1"/>
+            </a:fillRef>
+            <a:effectRef idx="0">
+              <a:schemeClr val="accent1"/>
+            </a:effectRef>
+            <a:fontRef idx="minor">
+              <a:schemeClr val="lt1"/>
+            </a:fontRef>
+          </p:style>
+          <p:txBody>
+            <a:bodyPr rtlCol="0" anchor="ctr"/>
+            <a:lstStyle/>
+            <a:p>
+              <a:pPr algn="ctr"/>
+              <a:endParaRPr lang="en-US" dirty="0"/>
+            </a:p>
+          </p:txBody>
+        </p:sp>
+        <p:sp>
+          <p:nvSpPr>
+            <p:cNvPr id="70" name="Oval 69"/>
+            <p:cNvSpPr/>
+            <p:nvPr/>
+          </p:nvSpPr>
+          <p:spPr>
+            <a:xfrm>
+              <a:off x="4856376" y="3547475"/>
+              <a:ext cx="125261" cy="125261"/>
+            </a:xfrm>
+            <a:prstGeom prst="ellipse">
+              <a:avLst/>
+            </a:prstGeom>
+            <a:solidFill>
+              <a:srgbClr val="FFC000"/>
+            </a:solidFill>
+            <a:ln>
+              <a:solidFill>
+                <a:srgbClr val="FFC000"/>
+              </a:solidFill>
+            </a:ln>
+          </p:spPr>
+          <p:style>
+            <a:lnRef idx="2">
+              <a:schemeClr val="accent1">
+                <a:shade val="50000"/>
+              </a:schemeClr>
+            </a:lnRef>
+            <a:fillRef idx="1">
+              <a:schemeClr val="accent1"/>
+            </a:fillRef>
+            <a:effectRef idx="0">
+              <a:schemeClr val="accent1"/>
+            </a:effectRef>
+            <a:fontRef idx="minor">
+              <a:schemeClr val="lt1"/>
+            </a:fontRef>
+          </p:style>
+          <p:txBody>
+            <a:bodyPr rtlCol="0" anchor="ctr"/>
+            <a:lstStyle/>
+            <a:p>
+              <a:pPr algn="ctr"/>
+              <a:endParaRPr lang="en-US" dirty="0"/>
+            </a:p>
+          </p:txBody>
+        </p:sp>
+        <p:cxnSp>
+          <p:nvCxnSpPr>
+            <p:cNvPr id="72" name="Straight Connector 71"/>
+            <p:cNvCxnSpPr>
+              <a:stCxn id="47" idx="2"/>
+              <a:endCxn id="69" idx="6"/>
+            </p:cNvCxnSpPr>
+            <p:nvPr/>
+          </p:nvCxnSpPr>
+          <p:spPr>
+            <a:xfrm flipH="1" flipV="1">
+              <a:off x="4147905" y="3310872"/>
+              <a:ext cx="3481215" cy="197458"/>
+            </a:xfrm>
+            <a:prstGeom prst="line">
+              <a:avLst/>
+            </a:prstGeom>
+            <a:ln>
+              <a:solidFill>
+                <a:srgbClr val="FFC000"/>
+              </a:solidFill>
+            </a:ln>
+          </p:spPr>
+          <p:style>
+            <a:lnRef idx="1">
+              <a:schemeClr val="accent1"/>
+            </a:lnRef>
+            <a:fillRef idx="0">
+              <a:schemeClr val="accent1"/>
+            </a:fillRef>
+            <a:effectRef idx="0">
+              <a:schemeClr val="accent1"/>
+            </a:effectRef>
+            <a:fontRef idx="minor">
+              <a:schemeClr val="tx1"/>
+            </a:fontRef>
+          </p:style>
+        </p:cxnSp>
+        <p:cxnSp>
+          <p:nvCxnSpPr>
+            <p:cNvPr id="74" name="Straight Connector 73"/>
+            <p:cNvCxnSpPr>
+              <a:stCxn id="49" idx="2"/>
+              <a:endCxn id="70" idx="6"/>
+            </p:cNvCxnSpPr>
+            <p:nvPr/>
+          </p:nvCxnSpPr>
+          <p:spPr>
+            <a:xfrm flipH="1" flipV="1">
+              <a:off x="4981637" y="3610106"/>
+              <a:ext cx="3259871" cy="179193"/>
+            </a:xfrm>
+            <a:prstGeom prst="line">
+              <a:avLst/>
+            </a:prstGeom>
+            <a:ln>
+              <a:solidFill>
+                <a:srgbClr val="FFC000"/>
+              </a:solidFill>
+            </a:ln>
+          </p:spPr>
+          <p:style>
+            <a:lnRef idx="1">
+              <a:schemeClr val="accent1"/>
+            </a:lnRef>
+            <a:fillRef idx="0">
+              <a:schemeClr val="accent1"/>
+            </a:fillRef>
+            <a:effectRef idx="0">
+              <a:schemeClr val="accent1"/>
+            </a:effectRef>
+            <a:fontRef idx="minor">
+              <a:schemeClr val="tx1"/>
+            </a:fontRef>
+          </p:style>
+        </p:cxnSp>
+      </p:grpSp>
+      <p:grpSp>
+        <p:nvGrpSpPr>
+          <p:cNvPr id="2" name="Group 1">
+            <a:extLst>
+              <a:ext uri="{FF2B5EF4-FFF2-40B4-BE49-F238E27FC236}">
+                <a16:creationId xmlns:a16="http://schemas.microsoft.com/office/drawing/2014/main" id="{277FCDC3-D151-4BC1-8AB2-169EAA3937A6}"/>
+              </a:ext>
+            </a:extLst>
+          </p:cNvPr>
+          <p:cNvGrpSpPr/>
+          <p:nvPr/>
+        </p:nvGrpSpPr>
+        <p:grpSpPr>
+          <a:xfrm>
+            <a:off x="2575179" y="94500"/>
+            <a:ext cx="6854570" cy="2468937"/>
+            <a:chOff x="2575179" y="94500"/>
+            <a:chExt cx="6854570" cy="2468937"/>
           </a:xfrm>
         </p:grpSpPr>
         <p:sp>
@@ -5270,8 +6792,8 @@
           </p:nvSpPr>
           <p:spPr>
             <a:xfrm>
-              <a:off x="7262947" y="717101"/>
-              <a:ext cx="3435531" cy="2514600"/>
+              <a:off x="6684441" y="554039"/>
+              <a:ext cx="2745308" cy="2009398"/>
             </a:xfrm>
             <a:prstGeom prst="rect">
               <a:avLst/>
@@ -5316,8 +6838,8 @@
           </p:nvSpPr>
           <p:spPr>
             <a:xfrm>
-              <a:off x="2120537" y="702944"/>
-              <a:ext cx="3435531" cy="2514600"/>
+              <a:off x="2575179" y="542726"/>
+              <a:ext cx="2745308" cy="2009398"/>
             </a:xfrm>
             <a:prstGeom prst="rect">
               <a:avLst/>
@@ -5362,8 +6884,8 @@
           </p:nvSpPr>
           <p:spPr>
             <a:xfrm>
-              <a:off x="8445135" y="1200427"/>
-              <a:ext cx="156754" cy="156754"/>
+              <a:off x="7629119" y="940261"/>
+              <a:ext cx="125261" cy="125261"/>
             </a:xfrm>
             <a:prstGeom prst="ellipse">
               <a:avLst/>
@@ -5402,8 +6924,8 @@
           </p:nvSpPr>
           <p:spPr>
             <a:xfrm>
-              <a:off x="8823958" y="1974401"/>
-              <a:ext cx="156754" cy="156754"/>
+              <a:off x="7931834" y="1558738"/>
+              <a:ext cx="125261" cy="125261"/>
             </a:xfrm>
             <a:prstGeom prst="ellipse">
               <a:avLst/>
@@ -5442,8 +6964,8 @@
           </p:nvSpPr>
           <p:spPr>
             <a:xfrm>
-              <a:off x="9211489" y="1552036"/>
-              <a:ext cx="156754" cy="156754"/>
+              <a:off x="8241507" y="1221229"/>
+              <a:ext cx="125261" cy="125261"/>
             </a:xfrm>
             <a:prstGeom prst="ellipse">
               <a:avLst/>
@@ -5482,8 +7004,8 @@
           </p:nvSpPr>
           <p:spPr>
             <a:xfrm>
-              <a:off x="8090261" y="2514333"/>
-              <a:ext cx="156754" cy="156754"/>
+              <a:off x="7345542" y="1990194"/>
+              <a:ext cx="125261" cy="125261"/>
             </a:xfrm>
             <a:prstGeom prst="ellipse">
               <a:avLst/>
@@ -5522,8 +7044,8 @@
           </p:nvSpPr>
           <p:spPr>
             <a:xfrm>
-              <a:off x="9461860" y="2298796"/>
-              <a:ext cx="156754" cy="156754"/>
+              <a:off x="8441577" y="1817960"/>
+              <a:ext cx="125261" cy="125261"/>
             </a:xfrm>
             <a:prstGeom prst="ellipse">
               <a:avLst/>
@@ -5562,8 +7084,8 @@
           </p:nvSpPr>
           <p:spPr>
             <a:xfrm>
-              <a:off x="9842860" y="1844862"/>
-              <a:ext cx="156754" cy="156754"/>
+              <a:off x="8746031" y="1455225"/>
+              <a:ext cx="125261" cy="125261"/>
             </a:xfrm>
             <a:prstGeom prst="ellipse">
               <a:avLst/>
@@ -5602,8 +7124,8 @@
           </p:nvSpPr>
           <p:spPr>
             <a:xfrm>
-              <a:off x="3508465" y="1122050"/>
-              <a:ext cx="156754" cy="156754"/>
+              <a:off x="3684262" y="877631"/>
+              <a:ext cx="125261" cy="125261"/>
             </a:xfrm>
             <a:prstGeom prst="ellipse">
               <a:avLst/>
@@ -5642,8 +7164,8 @@
           </p:nvSpPr>
           <p:spPr>
             <a:xfrm>
-              <a:off x="3574869" y="1757777"/>
-              <a:ext cx="156754" cy="156754"/>
+              <a:off x="3737325" y="1385636"/>
+              <a:ext cx="125261" cy="125261"/>
             </a:xfrm>
             <a:prstGeom prst="ellipse">
               <a:avLst/>
@@ -5682,8 +7204,8 @@
           </p:nvSpPr>
           <p:spPr>
             <a:xfrm>
-              <a:off x="4368436" y="1708790"/>
-              <a:ext cx="156754" cy="156754"/>
+              <a:off x="4371459" y="1346490"/>
+              <a:ext cx="125261" cy="125261"/>
             </a:xfrm>
             <a:prstGeom prst="ellipse">
               <a:avLst/>
@@ -5722,8 +7244,8 @@
           </p:nvSpPr>
           <p:spPr>
             <a:xfrm>
-              <a:off x="3277689" y="2132244"/>
-              <a:ext cx="156754" cy="156754"/>
+              <a:off x="3499851" y="1684869"/>
+              <a:ext cx="125261" cy="125261"/>
             </a:xfrm>
             <a:prstGeom prst="ellipse">
               <a:avLst/>
@@ -5762,8 +7284,8 @@
           </p:nvSpPr>
           <p:spPr>
             <a:xfrm>
-              <a:off x="4044042" y="2455550"/>
-              <a:ext cx="156754" cy="156754"/>
+              <a:off x="4112238" y="1943221"/>
+              <a:ext cx="125261" cy="125261"/>
             </a:xfrm>
             <a:prstGeom prst="ellipse">
               <a:avLst/>
@@ -5802,8 +7324,8 @@
           </p:nvSpPr>
           <p:spPr>
             <a:xfrm>
-              <a:off x="4865915" y="1122050"/>
-              <a:ext cx="156754" cy="156754"/>
+              <a:off x="4768991" y="877631"/>
+              <a:ext cx="125261" cy="125261"/>
             </a:xfrm>
             <a:prstGeom prst="ellipse">
               <a:avLst/>
@@ -5845,8 +7367,8 @@
           </p:nvCxnSpPr>
           <p:spPr>
             <a:xfrm flipH="1" flipV="1">
-              <a:off x="3665219" y="1200427"/>
-              <a:ext cx="4779916" cy="78377"/>
+              <a:off x="3809523" y="940261"/>
+              <a:ext cx="3819596" cy="62630"/>
             </a:xfrm>
             <a:prstGeom prst="line">
               <a:avLst/>
@@ -5878,8 +7400,8 @@
           </p:nvCxnSpPr>
           <p:spPr>
             <a:xfrm flipH="1" flipV="1">
-              <a:off x="4999713" y="1255848"/>
-              <a:ext cx="4211776" cy="374565"/>
+              <a:off x="4875908" y="984548"/>
+              <a:ext cx="3365600" cy="299312"/>
             </a:xfrm>
             <a:prstGeom prst="line">
               <a:avLst/>
@@ -5911,8 +7433,8 @@
           </p:nvCxnSpPr>
           <p:spPr>
             <a:xfrm flipH="1" flipV="1">
-              <a:off x="4525190" y="1787167"/>
-              <a:ext cx="5317670" cy="136072"/>
+              <a:off x="4496720" y="1409121"/>
+              <a:ext cx="4249311" cy="108734"/>
             </a:xfrm>
             <a:prstGeom prst="line">
               <a:avLst/>
@@ -5944,8 +7466,8 @@
           </p:nvCxnSpPr>
           <p:spPr>
             <a:xfrm flipH="1" flipV="1">
-              <a:off x="3731623" y="1836154"/>
-              <a:ext cx="5092335" cy="216624"/>
+              <a:off x="3862586" y="1448266"/>
+              <a:ext cx="4069248" cy="173103"/>
             </a:xfrm>
             <a:prstGeom prst="line">
               <a:avLst/>
@@ -5977,8 +7499,8 @@
           </p:nvCxnSpPr>
           <p:spPr>
             <a:xfrm flipH="1">
-              <a:off x="4200796" y="2377173"/>
-              <a:ext cx="5261064" cy="156754"/>
+              <a:off x="4237499" y="1880590"/>
+              <a:ext cx="4204078" cy="125261"/>
             </a:xfrm>
             <a:prstGeom prst="line">
               <a:avLst/>
@@ -6010,8 +7532,8 @@
           </p:nvCxnSpPr>
           <p:spPr>
             <a:xfrm flipH="1" flipV="1">
-              <a:off x="3434443" y="2210621"/>
-              <a:ext cx="4655818" cy="382089"/>
+              <a:off x="3625112" y="1747500"/>
+              <a:ext cx="3720430" cy="305325"/>
             </a:xfrm>
             <a:prstGeom prst="line">
               <a:avLst/>
@@ -6040,8 +7562,8 @@
           </p:nvSpPr>
           <p:spPr>
             <a:xfrm>
-              <a:off x="8020592" y="2448476"/>
-              <a:ext cx="296091" cy="286294"/>
+              <a:off x="7289870" y="1937568"/>
+              <a:ext cx="236604" cy="228775"/>
             </a:xfrm>
             <a:prstGeom prst="ellipse">
               <a:avLst/>
@@ -6086,8 +7608,8 @@
           </p:nvSpPr>
           <p:spPr>
             <a:xfrm>
-              <a:off x="9394369" y="2234571"/>
-              <a:ext cx="296091" cy="286294"/>
+              <a:off x="8387645" y="1766638"/>
+              <a:ext cx="236604" cy="228775"/>
             </a:xfrm>
             <a:prstGeom prst="ellipse">
               <a:avLst/>
@@ -6132,8 +7654,8 @@
           </p:nvSpPr>
           <p:spPr>
             <a:xfrm>
-              <a:off x="8752114" y="1903100"/>
-              <a:ext cx="296091" cy="286294"/>
+              <a:off x="7874424" y="1501762"/>
+              <a:ext cx="236604" cy="228775"/>
             </a:xfrm>
             <a:prstGeom prst="ellipse">
               <a:avLst/>
@@ -6178,8 +7700,8 @@
           </p:nvSpPr>
           <p:spPr>
             <a:xfrm>
-              <a:off x="9773192" y="1787167"/>
-              <a:ext cx="296091" cy="286294"/>
+              <a:off x="8690360" y="1409121"/>
+              <a:ext cx="236604" cy="228775"/>
             </a:xfrm>
             <a:prstGeom prst="ellipse">
               <a:avLst/>
@@ -6216,1380 +7738,6 @@
             </a:p>
           </p:txBody>
         </p:sp>
-        <p:sp>
-          <p:nvSpPr>
-            <p:cNvPr id="45" name="Rectangle 44"/>
-            <p:cNvSpPr/>
-            <p:nvPr/>
-          </p:nvSpPr>
-          <p:spPr>
-            <a:xfrm>
-              <a:off x="7262948" y="3852455"/>
-              <a:ext cx="3435531" cy="2514600"/>
-            </a:xfrm>
-            <a:prstGeom prst="rect">
-              <a:avLst/>
-            </a:prstGeom>
-            <a:noFill/>
-            <a:ln w="57150">
-              <a:solidFill>
-                <a:schemeClr val="tx1"/>
-              </a:solidFill>
-            </a:ln>
-          </p:spPr>
-          <p:style>
-            <a:lnRef idx="2">
-              <a:schemeClr val="accent1">
-                <a:shade val="50000"/>
-              </a:schemeClr>
-            </a:lnRef>
-            <a:fillRef idx="1">
-              <a:schemeClr val="accent1"/>
-            </a:fillRef>
-            <a:effectRef idx="0">
-              <a:schemeClr val="accent1"/>
-            </a:effectRef>
-            <a:fontRef idx="minor">
-              <a:schemeClr val="lt1"/>
-            </a:fontRef>
-          </p:style>
-          <p:txBody>
-            <a:bodyPr rtlCol="0" anchor="ctr"/>
-            <a:lstStyle/>
-            <a:p>
-              <a:pPr algn="ctr"/>
-              <a:endParaRPr lang="en-US" dirty="0"/>
-            </a:p>
-          </p:txBody>
-        </p:sp>
-        <p:sp>
-          <p:nvSpPr>
-            <p:cNvPr id="46" name="Rectangle 45"/>
-            <p:cNvSpPr/>
-            <p:nvPr/>
-          </p:nvSpPr>
-          <p:spPr>
-            <a:xfrm>
-              <a:off x="2151016" y="3852455"/>
-              <a:ext cx="3435531" cy="2514600"/>
-            </a:xfrm>
-            <a:prstGeom prst="rect">
-              <a:avLst/>
-            </a:prstGeom>
-            <a:noFill/>
-            <a:ln w="57150">
-              <a:solidFill>
-                <a:schemeClr val="tx1"/>
-              </a:solidFill>
-            </a:ln>
-          </p:spPr>
-          <p:style>
-            <a:lnRef idx="2">
-              <a:schemeClr val="accent1">
-                <a:shade val="50000"/>
-              </a:schemeClr>
-            </a:lnRef>
-            <a:fillRef idx="1">
-              <a:schemeClr val="accent1"/>
-            </a:fillRef>
-            <a:effectRef idx="0">
-              <a:schemeClr val="accent1"/>
-            </a:effectRef>
-            <a:fontRef idx="minor">
-              <a:schemeClr val="lt1"/>
-            </a:fontRef>
-          </p:style>
-          <p:txBody>
-            <a:bodyPr rtlCol="0" anchor="ctr"/>
-            <a:lstStyle/>
-            <a:p>
-              <a:pPr algn="ctr"/>
-              <a:endParaRPr lang="en-US" dirty="0"/>
-            </a:p>
-          </p:txBody>
-        </p:sp>
-        <p:sp>
-          <p:nvSpPr>
-            <p:cNvPr id="47" name="Oval 46"/>
-            <p:cNvSpPr/>
-            <p:nvPr/>
-          </p:nvSpPr>
-          <p:spPr>
-            <a:xfrm>
-              <a:off x="8445136" y="4335781"/>
-              <a:ext cx="156754" cy="156754"/>
-            </a:xfrm>
-            <a:prstGeom prst="ellipse">
-              <a:avLst/>
-            </a:prstGeom>
-          </p:spPr>
-          <p:style>
-            <a:lnRef idx="2">
-              <a:schemeClr val="accent1">
-                <a:shade val="50000"/>
-              </a:schemeClr>
-            </a:lnRef>
-            <a:fillRef idx="1">
-              <a:schemeClr val="accent1"/>
-            </a:fillRef>
-            <a:effectRef idx="0">
-              <a:schemeClr val="accent1"/>
-            </a:effectRef>
-            <a:fontRef idx="minor">
-              <a:schemeClr val="lt1"/>
-            </a:fontRef>
-          </p:style>
-          <p:txBody>
-            <a:bodyPr rtlCol="0" anchor="ctr"/>
-            <a:lstStyle/>
-            <a:p>
-              <a:pPr algn="ctr"/>
-              <a:endParaRPr lang="en-US" dirty="0"/>
-            </a:p>
-          </p:txBody>
-        </p:sp>
-        <p:sp>
-          <p:nvSpPr>
-            <p:cNvPr id="48" name="Oval 47"/>
-            <p:cNvSpPr/>
-            <p:nvPr/>
-          </p:nvSpPr>
-          <p:spPr>
-            <a:xfrm>
-              <a:off x="8823959" y="5109755"/>
-              <a:ext cx="156754" cy="156754"/>
-            </a:xfrm>
-            <a:prstGeom prst="ellipse">
-              <a:avLst/>
-            </a:prstGeom>
-          </p:spPr>
-          <p:style>
-            <a:lnRef idx="2">
-              <a:schemeClr val="accent1">
-                <a:shade val="50000"/>
-              </a:schemeClr>
-            </a:lnRef>
-            <a:fillRef idx="1">
-              <a:schemeClr val="accent1"/>
-            </a:fillRef>
-            <a:effectRef idx="0">
-              <a:schemeClr val="accent1"/>
-            </a:effectRef>
-            <a:fontRef idx="minor">
-              <a:schemeClr val="lt1"/>
-            </a:fontRef>
-          </p:style>
-          <p:txBody>
-            <a:bodyPr rtlCol="0" anchor="ctr"/>
-            <a:lstStyle/>
-            <a:p>
-              <a:pPr algn="ctr"/>
-              <a:endParaRPr lang="en-US" dirty="0"/>
-            </a:p>
-          </p:txBody>
-        </p:sp>
-        <p:sp>
-          <p:nvSpPr>
-            <p:cNvPr id="49" name="Oval 48"/>
-            <p:cNvSpPr/>
-            <p:nvPr/>
-          </p:nvSpPr>
-          <p:spPr>
-            <a:xfrm>
-              <a:off x="9211490" y="4687390"/>
-              <a:ext cx="156754" cy="156754"/>
-            </a:xfrm>
-            <a:prstGeom prst="ellipse">
-              <a:avLst/>
-            </a:prstGeom>
-          </p:spPr>
-          <p:style>
-            <a:lnRef idx="2">
-              <a:schemeClr val="accent1">
-                <a:shade val="50000"/>
-              </a:schemeClr>
-            </a:lnRef>
-            <a:fillRef idx="1">
-              <a:schemeClr val="accent1"/>
-            </a:fillRef>
-            <a:effectRef idx="0">
-              <a:schemeClr val="accent1"/>
-            </a:effectRef>
-            <a:fontRef idx="minor">
-              <a:schemeClr val="lt1"/>
-            </a:fontRef>
-          </p:style>
-          <p:txBody>
-            <a:bodyPr rtlCol="0" anchor="ctr"/>
-            <a:lstStyle/>
-            <a:p>
-              <a:pPr algn="ctr"/>
-              <a:endParaRPr lang="en-US" dirty="0"/>
-            </a:p>
-          </p:txBody>
-        </p:sp>
-        <p:sp>
-          <p:nvSpPr>
-            <p:cNvPr id="50" name="Oval 49"/>
-            <p:cNvSpPr/>
-            <p:nvPr/>
-          </p:nvSpPr>
-          <p:spPr>
-            <a:xfrm>
-              <a:off x="8090262" y="5649687"/>
-              <a:ext cx="156754" cy="156754"/>
-            </a:xfrm>
-            <a:prstGeom prst="ellipse">
-              <a:avLst/>
-            </a:prstGeom>
-          </p:spPr>
-          <p:style>
-            <a:lnRef idx="2">
-              <a:schemeClr val="accent1">
-                <a:shade val="50000"/>
-              </a:schemeClr>
-            </a:lnRef>
-            <a:fillRef idx="1">
-              <a:schemeClr val="accent1"/>
-            </a:fillRef>
-            <a:effectRef idx="0">
-              <a:schemeClr val="accent1"/>
-            </a:effectRef>
-            <a:fontRef idx="minor">
-              <a:schemeClr val="lt1"/>
-            </a:fontRef>
-          </p:style>
-          <p:txBody>
-            <a:bodyPr rtlCol="0" anchor="ctr"/>
-            <a:lstStyle/>
-            <a:p>
-              <a:pPr algn="ctr"/>
-              <a:endParaRPr lang="en-US" dirty="0"/>
-            </a:p>
-          </p:txBody>
-        </p:sp>
-        <p:sp>
-          <p:nvSpPr>
-            <p:cNvPr id="51" name="Oval 50"/>
-            <p:cNvSpPr/>
-            <p:nvPr/>
-          </p:nvSpPr>
-          <p:spPr>
-            <a:xfrm>
-              <a:off x="9461861" y="5434150"/>
-              <a:ext cx="156754" cy="156754"/>
-            </a:xfrm>
-            <a:prstGeom prst="ellipse">
-              <a:avLst/>
-            </a:prstGeom>
-          </p:spPr>
-          <p:style>
-            <a:lnRef idx="2">
-              <a:schemeClr val="accent1">
-                <a:shade val="50000"/>
-              </a:schemeClr>
-            </a:lnRef>
-            <a:fillRef idx="1">
-              <a:schemeClr val="accent1"/>
-            </a:fillRef>
-            <a:effectRef idx="0">
-              <a:schemeClr val="accent1"/>
-            </a:effectRef>
-            <a:fontRef idx="minor">
-              <a:schemeClr val="lt1"/>
-            </a:fontRef>
-          </p:style>
-          <p:txBody>
-            <a:bodyPr rtlCol="0" anchor="ctr"/>
-            <a:lstStyle/>
-            <a:p>
-              <a:pPr algn="ctr"/>
-              <a:endParaRPr lang="en-US" dirty="0"/>
-            </a:p>
-          </p:txBody>
-        </p:sp>
-        <p:sp>
-          <p:nvSpPr>
-            <p:cNvPr id="52" name="Oval 51"/>
-            <p:cNvSpPr/>
-            <p:nvPr/>
-          </p:nvSpPr>
-          <p:spPr>
-            <a:xfrm>
-              <a:off x="9842861" y="4980216"/>
-              <a:ext cx="156754" cy="156754"/>
-            </a:xfrm>
-            <a:prstGeom prst="ellipse">
-              <a:avLst/>
-            </a:prstGeom>
-          </p:spPr>
-          <p:style>
-            <a:lnRef idx="2">
-              <a:schemeClr val="accent1">
-                <a:shade val="50000"/>
-              </a:schemeClr>
-            </a:lnRef>
-            <a:fillRef idx="1">
-              <a:schemeClr val="accent1"/>
-            </a:fillRef>
-            <a:effectRef idx="0">
-              <a:schemeClr val="accent1"/>
-            </a:effectRef>
-            <a:fontRef idx="minor">
-              <a:schemeClr val="lt1"/>
-            </a:fontRef>
-          </p:style>
-          <p:txBody>
-            <a:bodyPr rtlCol="0" anchor="ctr"/>
-            <a:lstStyle/>
-            <a:p>
-              <a:pPr algn="ctr"/>
-              <a:endParaRPr lang="en-US" dirty="0"/>
-            </a:p>
-          </p:txBody>
-        </p:sp>
-        <p:sp>
-          <p:nvSpPr>
-            <p:cNvPr id="53" name="Oval 52"/>
-            <p:cNvSpPr/>
-            <p:nvPr/>
-          </p:nvSpPr>
-          <p:spPr>
-            <a:xfrm>
-              <a:off x="3508466" y="4257404"/>
-              <a:ext cx="156754" cy="156754"/>
-            </a:xfrm>
-            <a:prstGeom prst="ellipse">
-              <a:avLst/>
-            </a:prstGeom>
-          </p:spPr>
-          <p:style>
-            <a:lnRef idx="2">
-              <a:schemeClr val="accent1">
-                <a:shade val="50000"/>
-              </a:schemeClr>
-            </a:lnRef>
-            <a:fillRef idx="1">
-              <a:schemeClr val="accent1"/>
-            </a:fillRef>
-            <a:effectRef idx="0">
-              <a:schemeClr val="accent1"/>
-            </a:effectRef>
-            <a:fontRef idx="minor">
-              <a:schemeClr val="lt1"/>
-            </a:fontRef>
-          </p:style>
-          <p:txBody>
-            <a:bodyPr rtlCol="0" anchor="ctr"/>
-            <a:lstStyle/>
-            <a:p>
-              <a:pPr algn="ctr"/>
-              <a:endParaRPr lang="en-US" dirty="0"/>
-            </a:p>
-          </p:txBody>
-        </p:sp>
-        <p:sp>
-          <p:nvSpPr>
-            <p:cNvPr id="54" name="Oval 53"/>
-            <p:cNvSpPr/>
-            <p:nvPr/>
-          </p:nvSpPr>
-          <p:spPr>
-            <a:xfrm>
-              <a:off x="3574870" y="4893131"/>
-              <a:ext cx="156754" cy="156754"/>
-            </a:xfrm>
-            <a:prstGeom prst="ellipse">
-              <a:avLst/>
-            </a:prstGeom>
-          </p:spPr>
-          <p:style>
-            <a:lnRef idx="2">
-              <a:schemeClr val="accent1">
-                <a:shade val="50000"/>
-              </a:schemeClr>
-            </a:lnRef>
-            <a:fillRef idx="1">
-              <a:schemeClr val="accent1"/>
-            </a:fillRef>
-            <a:effectRef idx="0">
-              <a:schemeClr val="accent1"/>
-            </a:effectRef>
-            <a:fontRef idx="minor">
-              <a:schemeClr val="lt1"/>
-            </a:fontRef>
-          </p:style>
-          <p:txBody>
-            <a:bodyPr rtlCol="0" anchor="ctr"/>
-            <a:lstStyle/>
-            <a:p>
-              <a:pPr algn="ctr"/>
-              <a:endParaRPr lang="en-US" dirty="0"/>
-            </a:p>
-          </p:txBody>
-        </p:sp>
-        <p:sp>
-          <p:nvSpPr>
-            <p:cNvPr id="55" name="Oval 54"/>
-            <p:cNvSpPr/>
-            <p:nvPr/>
-          </p:nvSpPr>
-          <p:spPr>
-            <a:xfrm>
-              <a:off x="4368437" y="4844144"/>
-              <a:ext cx="156754" cy="156754"/>
-            </a:xfrm>
-            <a:prstGeom prst="ellipse">
-              <a:avLst/>
-            </a:prstGeom>
-          </p:spPr>
-          <p:style>
-            <a:lnRef idx="2">
-              <a:schemeClr val="accent1">
-                <a:shade val="50000"/>
-              </a:schemeClr>
-            </a:lnRef>
-            <a:fillRef idx="1">
-              <a:schemeClr val="accent1"/>
-            </a:fillRef>
-            <a:effectRef idx="0">
-              <a:schemeClr val="accent1"/>
-            </a:effectRef>
-            <a:fontRef idx="minor">
-              <a:schemeClr val="lt1"/>
-            </a:fontRef>
-          </p:style>
-          <p:txBody>
-            <a:bodyPr rtlCol="0" anchor="ctr"/>
-            <a:lstStyle/>
-            <a:p>
-              <a:pPr algn="ctr"/>
-              <a:endParaRPr lang="en-US" dirty="0"/>
-            </a:p>
-          </p:txBody>
-        </p:sp>
-        <p:sp>
-          <p:nvSpPr>
-            <p:cNvPr id="56" name="Oval 55"/>
-            <p:cNvSpPr/>
-            <p:nvPr/>
-          </p:nvSpPr>
-          <p:spPr>
-            <a:xfrm>
-              <a:off x="3277690" y="5267598"/>
-              <a:ext cx="156754" cy="156754"/>
-            </a:xfrm>
-            <a:prstGeom prst="ellipse">
-              <a:avLst/>
-            </a:prstGeom>
-          </p:spPr>
-          <p:style>
-            <a:lnRef idx="2">
-              <a:schemeClr val="accent1">
-                <a:shade val="50000"/>
-              </a:schemeClr>
-            </a:lnRef>
-            <a:fillRef idx="1">
-              <a:schemeClr val="accent1"/>
-            </a:fillRef>
-            <a:effectRef idx="0">
-              <a:schemeClr val="accent1"/>
-            </a:effectRef>
-            <a:fontRef idx="minor">
-              <a:schemeClr val="lt1"/>
-            </a:fontRef>
-          </p:style>
-          <p:txBody>
-            <a:bodyPr rtlCol="0" anchor="ctr"/>
-            <a:lstStyle/>
-            <a:p>
-              <a:pPr algn="ctr"/>
-              <a:endParaRPr lang="en-US" dirty="0"/>
-            </a:p>
-          </p:txBody>
-        </p:sp>
-        <p:sp>
-          <p:nvSpPr>
-            <p:cNvPr id="57" name="Oval 56"/>
-            <p:cNvSpPr/>
-            <p:nvPr/>
-          </p:nvSpPr>
-          <p:spPr>
-            <a:xfrm>
-              <a:off x="4044043" y="5590904"/>
-              <a:ext cx="156754" cy="156754"/>
-            </a:xfrm>
-            <a:prstGeom prst="ellipse">
-              <a:avLst/>
-            </a:prstGeom>
-          </p:spPr>
-          <p:style>
-            <a:lnRef idx="2">
-              <a:schemeClr val="accent1">
-                <a:shade val="50000"/>
-              </a:schemeClr>
-            </a:lnRef>
-            <a:fillRef idx="1">
-              <a:schemeClr val="accent1"/>
-            </a:fillRef>
-            <a:effectRef idx="0">
-              <a:schemeClr val="accent1"/>
-            </a:effectRef>
-            <a:fontRef idx="minor">
-              <a:schemeClr val="lt1"/>
-            </a:fontRef>
-          </p:style>
-          <p:txBody>
-            <a:bodyPr rtlCol="0" anchor="ctr"/>
-            <a:lstStyle/>
-            <a:p>
-              <a:pPr algn="ctr"/>
-              <a:endParaRPr lang="en-US" dirty="0"/>
-            </a:p>
-          </p:txBody>
-        </p:sp>
-        <p:sp>
-          <p:nvSpPr>
-            <p:cNvPr id="58" name="Oval 57"/>
-            <p:cNvSpPr/>
-            <p:nvPr/>
-          </p:nvSpPr>
-          <p:spPr>
-            <a:xfrm>
-              <a:off x="4865916" y="4257404"/>
-              <a:ext cx="156754" cy="156754"/>
-            </a:xfrm>
-            <a:prstGeom prst="ellipse">
-              <a:avLst/>
-            </a:prstGeom>
-          </p:spPr>
-          <p:style>
-            <a:lnRef idx="2">
-              <a:schemeClr val="accent1">
-                <a:shade val="50000"/>
-              </a:schemeClr>
-            </a:lnRef>
-            <a:fillRef idx="1">
-              <a:schemeClr val="accent1"/>
-            </a:fillRef>
-            <a:effectRef idx="0">
-              <a:schemeClr val="accent1"/>
-            </a:effectRef>
-            <a:fontRef idx="minor">
-              <a:schemeClr val="lt1"/>
-            </a:fontRef>
-          </p:style>
-          <p:txBody>
-            <a:bodyPr rtlCol="0" anchor="ctr"/>
-            <a:lstStyle/>
-            <a:p>
-              <a:pPr algn="ctr"/>
-              <a:endParaRPr lang="en-US" dirty="0"/>
-            </a:p>
-          </p:txBody>
-        </p:sp>
-        <p:cxnSp>
-          <p:nvCxnSpPr>
-            <p:cNvPr id="59" name="Straight Connector 58"/>
-            <p:cNvCxnSpPr>
-              <a:stCxn id="47" idx="2"/>
-              <a:endCxn id="53" idx="6"/>
-            </p:cNvCxnSpPr>
-            <p:nvPr/>
-          </p:nvCxnSpPr>
-          <p:spPr>
-            <a:xfrm flipH="1" flipV="1">
-              <a:off x="3665220" y="4335781"/>
-              <a:ext cx="4779916" cy="78377"/>
-            </a:xfrm>
-            <a:prstGeom prst="line">
-              <a:avLst/>
-            </a:prstGeom>
-          </p:spPr>
-          <p:style>
-            <a:lnRef idx="1">
-              <a:schemeClr val="accent1"/>
-            </a:lnRef>
-            <a:fillRef idx="0">
-              <a:schemeClr val="accent1"/>
-            </a:fillRef>
-            <a:effectRef idx="0">
-              <a:schemeClr val="accent1"/>
-            </a:effectRef>
-            <a:fontRef idx="minor">
-              <a:schemeClr val="tx1"/>
-            </a:fontRef>
-          </p:style>
-        </p:cxnSp>
-        <p:cxnSp>
-          <p:nvCxnSpPr>
-            <p:cNvPr id="60" name="Straight Connector 59"/>
-            <p:cNvCxnSpPr>
-              <a:stCxn id="49" idx="2"/>
-              <a:endCxn id="58" idx="6"/>
-            </p:cNvCxnSpPr>
-            <p:nvPr/>
-          </p:nvCxnSpPr>
-          <p:spPr>
-            <a:xfrm flipH="1" flipV="1">
-              <a:off x="5022670" y="4335781"/>
-              <a:ext cx="4188820" cy="429986"/>
-            </a:xfrm>
-            <a:prstGeom prst="line">
-              <a:avLst/>
-            </a:prstGeom>
-          </p:spPr>
-          <p:style>
-            <a:lnRef idx="1">
-              <a:schemeClr val="accent1"/>
-            </a:lnRef>
-            <a:fillRef idx="0">
-              <a:schemeClr val="accent1"/>
-            </a:fillRef>
-            <a:effectRef idx="0">
-              <a:schemeClr val="accent1"/>
-            </a:effectRef>
-            <a:fontRef idx="minor">
-              <a:schemeClr val="tx1"/>
-            </a:fontRef>
-          </p:style>
-        </p:cxnSp>
-        <p:cxnSp>
-          <p:nvCxnSpPr>
-            <p:cNvPr id="61" name="Straight Connector 60"/>
-            <p:cNvCxnSpPr>
-              <a:stCxn id="52" idx="2"/>
-              <a:endCxn id="55" idx="6"/>
-            </p:cNvCxnSpPr>
-            <p:nvPr/>
-          </p:nvCxnSpPr>
-          <p:spPr>
-            <a:xfrm flipH="1" flipV="1">
-              <a:off x="4525191" y="4922521"/>
-              <a:ext cx="5317670" cy="136072"/>
-            </a:xfrm>
-            <a:prstGeom prst="line">
-              <a:avLst/>
-            </a:prstGeom>
-            <a:ln>
-              <a:solidFill>
-                <a:srgbClr val="FFC000"/>
-              </a:solidFill>
-            </a:ln>
-          </p:spPr>
-          <p:style>
-            <a:lnRef idx="1">
-              <a:schemeClr val="accent1"/>
-            </a:lnRef>
-            <a:fillRef idx="0">
-              <a:schemeClr val="accent1"/>
-            </a:fillRef>
-            <a:effectRef idx="0">
-              <a:schemeClr val="accent1"/>
-            </a:effectRef>
-            <a:fontRef idx="minor">
-              <a:schemeClr val="tx1"/>
-            </a:fontRef>
-          </p:style>
-        </p:cxnSp>
-        <p:cxnSp>
-          <p:nvCxnSpPr>
-            <p:cNvPr id="62" name="Straight Connector 61"/>
-            <p:cNvCxnSpPr>
-              <a:stCxn id="48" idx="2"/>
-              <a:endCxn id="54" idx="6"/>
-            </p:cNvCxnSpPr>
-            <p:nvPr/>
-          </p:nvCxnSpPr>
-          <p:spPr>
-            <a:xfrm flipH="1" flipV="1">
-              <a:off x="3731624" y="4971508"/>
-              <a:ext cx="5092335" cy="216624"/>
-            </a:xfrm>
-            <a:prstGeom prst="line">
-              <a:avLst/>
-            </a:prstGeom>
-            <a:ln>
-              <a:solidFill>
-                <a:srgbClr val="FFC000"/>
-              </a:solidFill>
-            </a:ln>
-          </p:spPr>
-          <p:style>
-            <a:lnRef idx="1">
-              <a:schemeClr val="accent1"/>
-            </a:lnRef>
-            <a:fillRef idx="0">
-              <a:schemeClr val="accent1"/>
-            </a:fillRef>
-            <a:effectRef idx="0">
-              <a:schemeClr val="accent1"/>
-            </a:effectRef>
-            <a:fontRef idx="minor">
-              <a:schemeClr val="tx1"/>
-            </a:fontRef>
-          </p:style>
-        </p:cxnSp>
-        <p:cxnSp>
-          <p:nvCxnSpPr>
-            <p:cNvPr id="63" name="Straight Connector 62"/>
-            <p:cNvCxnSpPr>
-              <a:stCxn id="51" idx="2"/>
-              <a:endCxn id="57" idx="6"/>
-            </p:cNvCxnSpPr>
-            <p:nvPr/>
-          </p:nvCxnSpPr>
-          <p:spPr>
-            <a:xfrm flipH="1">
-              <a:off x="4200797" y="5512527"/>
-              <a:ext cx="5261064" cy="156754"/>
-            </a:xfrm>
-            <a:prstGeom prst="line">
-              <a:avLst/>
-            </a:prstGeom>
-            <a:ln>
-              <a:solidFill>
-                <a:srgbClr val="FFC000"/>
-              </a:solidFill>
-            </a:ln>
-          </p:spPr>
-          <p:style>
-            <a:lnRef idx="1">
-              <a:schemeClr val="accent1"/>
-            </a:lnRef>
-            <a:fillRef idx="0">
-              <a:schemeClr val="accent1"/>
-            </a:fillRef>
-            <a:effectRef idx="0">
-              <a:schemeClr val="accent1"/>
-            </a:effectRef>
-            <a:fontRef idx="minor">
-              <a:schemeClr val="tx1"/>
-            </a:fontRef>
-          </p:style>
-        </p:cxnSp>
-        <p:cxnSp>
-          <p:nvCxnSpPr>
-            <p:cNvPr id="64" name="Straight Connector 63"/>
-            <p:cNvCxnSpPr>
-              <a:stCxn id="50" idx="2"/>
-              <a:endCxn id="56" idx="6"/>
-            </p:cNvCxnSpPr>
-            <p:nvPr/>
-          </p:nvCxnSpPr>
-          <p:spPr>
-            <a:xfrm flipH="1" flipV="1">
-              <a:off x="3434444" y="5345975"/>
-              <a:ext cx="4655818" cy="382089"/>
-            </a:xfrm>
-            <a:prstGeom prst="line">
-              <a:avLst/>
-            </a:prstGeom>
-            <a:ln>
-              <a:solidFill>
-                <a:srgbClr val="FFC000"/>
-              </a:solidFill>
-            </a:ln>
-          </p:spPr>
-          <p:style>
-            <a:lnRef idx="1">
-              <a:schemeClr val="accent1"/>
-            </a:lnRef>
-            <a:fillRef idx="0">
-              <a:schemeClr val="accent1"/>
-            </a:fillRef>
-            <a:effectRef idx="0">
-              <a:schemeClr val="accent1"/>
-            </a:effectRef>
-            <a:fontRef idx="minor">
-              <a:schemeClr val="tx1"/>
-            </a:fontRef>
-          </p:style>
-        </p:cxnSp>
-        <p:sp>
-          <p:nvSpPr>
-            <p:cNvPr id="65" name="Oval 64"/>
-            <p:cNvSpPr/>
-            <p:nvPr/>
-          </p:nvSpPr>
-          <p:spPr>
-            <a:xfrm>
-              <a:off x="8020593" y="5583830"/>
-              <a:ext cx="296091" cy="286294"/>
-            </a:xfrm>
-            <a:prstGeom prst="ellipse">
-              <a:avLst/>
-            </a:prstGeom>
-            <a:noFill/>
-            <a:ln>
-              <a:solidFill>
-                <a:srgbClr val="FF0000"/>
-              </a:solidFill>
-            </a:ln>
-          </p:spPr>
-          <p:style>
-            <a:lnRef idx="2">
-              <a:schemeClr val="accent1">
-                <a:shade val="50000"/>
-              </a:schemeClr>
-            </a:lnRef>
-            <a:fillRef idx="1">
-              <a:schemeClr val="accent1"/>
-            </a:fillRef>
-            <a:effectRef idx="0">
-              <a:schemeClr val="accent1"/>
-            </a:effectRef>
-            <a:fontRef idx="minor">
-              <a:schemeClr val="lt1"/>
-            </a:fontRef>
-          </p:style>
-          <p:txBody>
-            <a:bodyPr rtlCol="0" anchor="ctr"/>
-            <a:lstStyle/>
-            <a:p>
-              <a:pPr algn="ctr"/>
-              <a:endParaRPr lang="en-US" dirty="0"/>
-            </a:p>
-          </p:txBody>
-        </p:sp>
-        <p:sp>
-          <p:nvSpPr>
-            <p:cNvPr id="66" name="Oval 65"/>
-            <p:cNvSpPr/>
-            <p:nvPr/>
-          </p:nvSpPr>
-          <p:spPr>
-            <a:xfrm>
-              <a:off x="9394370" y="5369925"/>
-              <a:ext cx="296091" cy="286294"/>
-            </a:xfrm>
-            <a:prstGeom prst="ellipse">
-              <a:avLst/>
-            </a:prstGeom>
-            <a:noFill/>
-            <a:ln>
-              <a:solidFill>
-                <a:srgbClr val="FF0000"/>
-              </a:solidFill>
-            </a:ln>
-          </p:spPr>
-          <p:style>
-            <a:lnRef idx="2">
-              <a:schemeClr val="accent1">
-                <a:shade val="50000"/>
-              </a:schemeClr>
-            </a:lnRef>
-            <a:fillRef idx="1">
-              <a:schemeClr val="accent1"/>
-            </a:fillRef>
-            <a:effectRef idx="0">
-              <a:schemeClr val="accent1"/>
-            </a:effectRef>
-            <a:fontRef idx="minor">
-              <a:schemeClr val="lt1"/>
-            </a:fontRef>
-          </p:style>
-          <p:txBody>
-            <a:bodyPr rtlCol="0" anchor="ctr"/>
-            <a:lstStyle/>
-            <a:p>
-              <a:pPr algn="ctr"/>
-              <a:endParaRPr lang="en-US" dirty="0"/>
-            </a:p>
-          </p:txBody>
-        </p:sp>
-        <p:sp>
-          <p:nvSpPr>
-            <p:cNvPr id="67" name="Oval 66"/>
-            <p:cNvSpPr/>
-            <p:nvPr/>
-          </p:nvSpPr>
-          <p:spPr>
-            <a:xfrm>
-              <a:off x="8752115" y="5038454"/>
-              <a:ext cx="296091" cy="286294"/>
-            </a:xfrm>
-            <a:prstGeom prst="ellipse">
-              <a:avLst/>
-            </a:prstGeom>
-            <a:noFill/>
-            <a:ln>
-              <a:solidFill>
-                <a:srgbClr val="FF0000"/>
-              </a:solidFill>
-            </a:ln>
-          </p:spPr>
-          <p:style>
-            <a:lnRef idx="2">
-              <a:schemeClr val="accent1">
-                <a:shade val="50000"/>
-              </a:schemeClr>
-            </a:lnRef>
-            <a:fillRef idx="1">
-              <a:schemeClr val="accent1"/>
-            </a:fillRef>
-            <a:effectRef idx="0">
-              <a:schemeClr val="accent1"/>
-            </a:effectRef>
-            <a:fontRef idx="minor">
-              <a:schemeClr val="lt1"/>
-            </a:fontRef>
-          </p:style>
-          <p:txBody>
-            <a:bodyPr rtlCol="0" anchor="ctr"/>
-            <a:lstStyle/>
-            <a:p>
-              <a:pPr algn="ctr"/>
-              <a:endParaRPr lang="en-US" dirty="0"/>
-            </a:p>
-          </p:txBody>
-        </p:sp>
-        <p:sp>
-          <p:nvSpPr>
-            <p:cNvPr id="68" name="Oval 67"/>
-            <p:cNvSpPr/>
-            <p:nvPr/>
-          </p:nvSpPr>
-          <p:spPr>
-            <a:xfrm>
-              <a:off x="9773193" y="4922521"/>
-              <a:ext cx="296091" cy="286294"/>
-            </a:xfrm>
-            <a:prstGeom prst="ellipse">
-              <a:avLst/>
-            </a:prstGeom>
-            <a:noFill/>
-            <a:ln>
-              <a:solidFill>
-                <a:srgbClr val="FF0000"/>
-              </a:solidFill>
-            </a:ln>
-          </p:spPr>
-          <p:style>
-            <a:lnRef idx="2">
-              <a:schemeClr val="accent1">
-                <a:shade val="50000"/>
-              </a:schemeClr>
-            </a:lnRef>
-            <a:fillRef idx="1">
-              <a:schemeClr val="accent1"/>
-            </a:fillRef>
-            <a:effectRef idx="0">
-              <a:schemeClr val="accent1"/>
-            </a:effectRef>
-            <a:fontRef idx="minor">
-              <a:schemeClr val="lt1"/>
-            </a:fontRef>
-          </p:style>
-          <p:txBody>
-            <a:bodyPr rtlCol="0" anchor="ctr"/>
-            <a:lstStyle/>
-            <a:p>
-              <a:pPr algn="ctr"/>
-              <a:endParaRPr lang="en-US" dirty="0"/>
-            </a:p>
-          </p:txBody>
-        </p:sp>
-        <p:sp>
-          <p:nvSpPr>
-            <p:cNvPr id="69" name="Oval 68"/>
-            <p:cNvSpPr/>
-            <p:nvPr/>
-          </p:nvSpPr>
-          <p:spPr>
-            <a:xfrm>
-              <a:off x="3931922" y="4088678"/>
-              <a:ext cx="156754" cy="156754"/>
-            </a:xfrm>
-            <a:prstGeom prst="ellipse">
-              <a:avLst/>
-            </a:prstGeom>
-            <a:solidFill>
-              <a:srgbClr val="FFC000"/>
-            </a:solidFill>
-            <a:ln>
-              <a:solidFill>
-                <a:srgbClr val="FFC000"/>
-              </a:solidFill>
-            </a:ln>
-          </p:spPr>
-          <p:style>
-            <a:lnRef idx="2">
-              <a:schemeClr val="accent1">
-                <a:shade val="50000"/>
-              </a:schemeClr>
-            </a:lnRef>
-            <a:fillRef idx="1">
-              <a:schemeClr val="accent1"/>
-            </a:fillRef>
-            <a:effectRef idx="0">
-              <a:schemeClr val="accent1"/>
-            </a:effectRef>
-            <a:fontRef idx="minor">
-              <a:schemeClr val="lt1"/>
-            </a:fontRef>
-          </p:style>
-          <p:txBody>
-            <a:bodyPr rtlCol="0" anchor="ctr"/>
-            <a:lstStyle/>
-            <a:p>
-              <a:pPr algn="ctr"/>
-              <a:endParaRPr lang="en-US" dirty="0"/>
-            </a:p>
-          </p:txBody>
-        </p:sp>
-        <p:sp>
-          <p:nvSpPr>
-            <p:cNvPr id="70" name="Oval 69"/>
-            <p:cNvSpPr/>
-            <p:nvPr/>
-          </p:nvSpPr>
-          <p:spPr>
-            <a:xfrm>
-              <a:off x="4975271" y="4463145"/>
-              <a:ext cx="156754" cy="156754"/>
-            </a:xfrm>
-            <a:prstGeom prst="ellipse">
-              <a:avLst/>
-            </a:prstGeom>
-            <a:solidFill>
-              <a:srgbClr val="FFC000"/>
-            </a:solidFill>
-            <a:ln>
-              <a:solidFill>
-                <a:srgbClr val="FFC000"/>
-              </a:solidFill>
-            </a:ln>
-          </p:spPr>
-          <p:style>
-            <a:lnRef idx="2">
-              <a:schemeClr val="accent1">
-                <a:shade val="50000"/>
-              </a:schemeClr>
-            </a:lnRef>
-            <a:fillRef idx="1">
-              <a:schemeClr val="accent1"/>
-            </a:fillRef>
-            <a:effectRef idx="0">
-              <a:schemeClr val="accent1"/>
-            </a:effectRef>
-            <a:fontRef idx="minor">
-              <a:schemeClr val="lt1"/>
-            </a:fontRef>
-          </p:style>
-          <p:txBody>
-            <a:bodyPr rtlCol="0" anchor="ctr"/>
-            <a:lstStyle/>
-            <a:p>
-              <a:pPr algn="ctr"/>
-              <a:endParaRPr lang="en-US" dirty="0"/>
-            </a:p>
-          </p:txBody>
-        </p:sp>
-        <p:cxnSp>
-          <p:nvCxnSpPr>
-            <p:cNvPr id="72" name="Straight Connector 71"/>
-            <p:cNvCxnSpPr>
-              <a:stCxn id="47" idx="2"/>
-              <a:endCxn id="69" idx="6"/>
-            </p:cNvCxnSpPr>
-            <p:nvPr/>
-          </p:nvCxnSpPr>
-          <p:spPr>
-            <a:xfrm flipH="1" flipV="1">
-              <a:off x="4088676" y="4167055"/>
-              <a:ext cx="4356460" cy="247103"/>
-            </a:xfrm>
-            <a:prstGeom prst="line">
-              <a:avLst/>
-            </a:prstGeom>
-            <a:ln>
-              <a:solidFill>
-                <a:srgbClr val="FFC000"/>
-              </a:solidFill>
-            </a:ln>
-          </p:spPr>
-          <p:style>
-            <a:lnRef idx="1">
-              <a:schemeClr val="accent1"/>
-            </a:lnRef>
-            <a:fillRef idx="0">
-              <a:schemeClr val="accent1"/>
-            </a:fillRef>
-            <a:effectRef idx="0">
-              <a:schemeClr val="accent1"/>
-            </a:effectRef>
-            <a:fontRef idx="minor">
-              <a:schemeClr val="tx1"/>
-            </a:fontRef>
-          </p:style>
-        </p:cxnSp>
-        <p:cxnSp>
-          <p:nvCxnSpPr>
-            <p:cNvPr id="74" name="Straight Connector 73"/>
-            <p:cNvCxnSpPr>
-              <a:stCxn id="49" idx="2"/>
-              <a:endCxn id="70" idx="6"/>
-            </p:cNvCxnSpPr>
-            <p:nvPr/>
-          </p:nvCxnSpPr>
-          <p:spPr>
-            <a:xfrm flipH="1" flipV="1">
-              <a:off x="5132025" y="4541522"/>
-              <a:ext cx="4079465" cy="224245"/>
-            </a:xfrm>
-            <a:prstGeom prst="line">
-              <a:avLst/>
-            </a:prstGeom>
-            <a:ln>
-              <a:solidFill>
-                <a:srgbClr val="FFC000"/>
-              </a:solidFill>
-            </a:ln>
-          </p:spPr>
-          <p:style>
-            <a:lnRef idx="1">
-              <a:schemeClr val="accent1"/>
-            </a:lnRef>
-            <a:fillRef idx="0">
-              <a:schemeClr val="accent1"/>
-            </a:fillRef>
-            <a:effectRef idx="0">
-              <a:schemeClr val="accent1"/>
-            </a:effectRef>
-            <a:fontRef idx="minor">
-              <a:schemeClr val="tx1"/>
-            </a:fontRef>
-          </p:style>
-        </p:cxnSp>
-        <p:sp>
-          <p:nvSpPr>
-            <p:cNvPr id="79" name="Oval 78"/>
-            <p:cNvSpPr/>
-            <p:nvPr/>
-          </p:nvSpPr>
-          <p:spPr>
-            <a:xfrm>
-              <a:off x="4368437" y="4843605"/>
-              <a:ext cx="156754" cy="156754"/>
-            </a:xfrm>
-            <a:prstGeom prst="ellipse">
-              <a:avLst/>
-            </a:prstGeom>
-            <a:solidFill>
-              <a:srgbClr val="FFC000"/>
-            </a:solidFill>
-            <a:ln>
-              <a:solidFill>
-                <a:srgbClr val="FFC000"/>
-              </a:solidFill>
-            </a:ln>
-          </p:spPr>
-          <p:style>
-            <a:lnRef idx="2">
-              <a:schemeClr val="accent1">
-                <a:shade val="50000"/>
-              </a:schemeClr>
-            </a:lnRef>
-            <a:fillRef idx="1">
-              <a:schemeClr val="accent1"/>
-            </a:fillRef>
-            <a:effectRef idx="0">
-              <a:schemeClr val="accent1"/>
-            </a:effectRef>
-            <a:fontRef idx="minor">
-              <a:schemeClr val="lt1"/>
-            </a:fontRef>
-          </p:style>
-          <p:txBody>
-            <a:bodyPr rtlCol="0" anchor="ctr"/>
-            <a:lstStyle/>
-            <a:p>
-              <a:pPr algn="ctr"/>
-              <a:endParaRPr lang="en-US" dirty="0"/>
-            </a:p>
-          </p:txBody>
-        </p:sp>
-        <p:sp>
-          <p:nvSpPr>
-            <p:cNvPr id="80" name="Oval 79"/>
-            <p:cNvSpPr/>
-            <p:nvPr/>
-          </p:nvSpPr>
-          <p:spPr>
-            <a:xfrm>
-              <a:off x="3573781" y="4884967"/>
-              <a:ext cx="156754" cy="156754"/>
-            </a:xfrm>
-            <a:prstGeom prst="ellipse">
-              <a:avLst/>
-            </a:prstGeom>
-            <a:solidFill>
-              <a:srgbClr val="FFC000"/>
-            </a:solidFill>
-            <a:ln>
-              <a:solidFill>
-                <a:srgbClr val="FFC000"/>
-              </a:solidFill>
-            </a:ln>
-          </p:spPr>
-          <p:style>
-            <a:lnRef idx="2">
-              <a:schemeClr val="accent1">
-                <a:shade val="50000"/>
-              </a:schemeClr>
-            </a:lnRef>
-            <a:fillRef idx="1">
-              <a:schemeClr val="accent1"/>
-            </a:fillRef>
-            <a:effectRef idx="0">
-              <a:schemeClr val="accent1"/>
-            </a:effectRef>
-            <a:fontRef idx="minor">
-              <a:schemeClr val="lt1"/>
-            </a:fontRef>
-          </p:style>
-          <p:txBody>
-            <a:bodyPr rtlCol="0" anchor="ctr"/>
-            <a:lstStyle/>
-            <a:p>
-              <a:pPr algn="ctr"/>
-              <a:endParaRPr lang="en-US" dirty="0"/>
-            </a:p>
-          </p:txBody>
-        </p:sp>
-        <p:sp>
-          <p:nvSpPr>
-            <p:cNvPr id="81" name="Oval 80"/>
-            <p:cNvSpPr/>
-            <p:nvPr/>
-          </p:nvSpPr>
-          <p:spPr>
-            <a:xfrm>
-              <a:off x="4039690" y="5590904"/>
-              <a:ext cx="156754" cy="156754"/>
-            </a:xfrm>
-            <a:prstGeom prst="ellipse">
-              <a:avLst/>
-            </a:prstGeom>
-            <a:solidFill>
-              <a:srgbClr val="FFC000"/>
-            </a:solidFill>
-            <a:ln>
-              <a:solidFill>
-                <a:srgbClr val="FFC000"/>
-              </a:solidFill>
-            </a:ln>
-          </p:spPr>
-          <p:style>
-            <a:lnRef idx="2">
-              <a:schemeClr val="accent1">
-                <a:shade val="50000"/>
-              </a:schemeClr>
-            </a:lnRef>
-            <a:fillRef idx="1">
-              <a:schemeClr val="accent1"/>
-            </a:fillRef>
-            <a:effectRef idx="0">
-              <a:schemeClr val="accent1"/>
-            </a:effectRef>
-            <a:fontRef idx="minor">
-              <a:schemeClr val="lt1"/>
-            </a:fontRef>
-          </p:style>
-          <p:txBody>
-            <a:bodyPr rtlCol="0" anchor="ctr"/>
-            <a:lstStyle/>
-            <a:p>
-              <a:pPr algn="ctr"/>
-              <a:endParaRPr lang="en-US" dirty="0"/>
-            </a:p>
-          </p:txBody>
-        </p:sp>
-        <p:sp>
-          <p:nvSpPr>
-            <p:cNvPr id="82" name="Oval 81"/>
-            <p:cNvSpPr/>
-            <p:nvPr/>
-          </p:nvSpPr>
-          <p:spPr>
-            <a:xfrm>
-              <a:off x="3277690" y="5270864"/>
-              <a:ext cx="156754" cy="156754"/>
-            </a:xfrm>
-            <a:prstGeom prst="ellipse">
-              <a:avLst/>
-            </a:prstGeom>
-            <a:solidFill>
-              <a:srgbClr val="FFC000"/>
-            </a:solidFill>
-            <a:ln>
-              <a:solidFill>
-                <a:srgbClr val="FFC000"/>
-              </a:solidFill>
-            </a:ln>
-          </p:spPr>
-          <p:style>
-            <a:lnRef idx="2">
-              <a:schemeClr val="accent1">
-                <a:shade val="50000"/>
-              </a:schemeClr>
-            </a:lnRef>
-            <a:fillRef idx="1">
-              <a:schemeClr val="accent1"/>
-            </a:fillRef>
-            <a:effectRef idx="0">
-              <a:schemeClr val="accent1"/>
-            </a:effectRef>
-            <a:fontRef idx="minor">
-              <a:schemeClr val="lt1"/>
-            </a:fontRef>
-          </p:style>
-          <p:txBody>
-            <a:bodyPr rtlCol="0" anchor="ctr"/>
-            <a:lstStyle/>
-            <a:p>
-              <a:pPr algn="ctr"/>
-              <a:endParaRPr lang="en-US" dirty="0"/>
-            </a:p>
-          </p:txBody>
-        </p:sp>
-        <p:cxnSp>
-          <p:nvCxnSpPr>
-            <p:cNvPr id="83" name="Straight Arrow Connector 82"/>
-            <p:cNvCxnSpPr/>
-            <p:nvPr/>
-          </p:nvCxnSpPr>
-          <p:spPr>
-            <a:xfrm>
-              <a:off x="1602975" y="3961314"/>
-              <a:ext cx="2265806" cy="145321"/>
-            </a:xfrm>
-            <a:prstGeom prst="straightConnector1">
-              <a:avLst/>
-            </a:prstGeom>
-            <a:ln w="38100">
-              <a:solidFill>
-                <a:srgbClr val="FFC000"/>
-              </a:solidFill>
-              <a:tailEnd type="triangle"/>
-            </a:ln>
-          </p:spPr>
-          <p:style>
-            <a:lnRef idx="1">
-              <a:schemeClr val="accent1"/>
-            </a:lnRef>
-            <a:fillRef idx="0">
-              <a:schemeClr val="accent1"/>
-            </a:fillRef>
-            <a:effectRef idx="0">
-              <a:schemeClr val="accent1"/>
-            </a:effectRef>
-            <a:fontRef idx="minor">
-              <a:schemeClr val="tx1"/>
-            </a:fontRef>
-          </p:style>
-        </p:cxnSp>
         <p:cxnSp>
           <p:nvCxnSpPr>
             <p:cNvPr id="87" name="Straight Arrow Connector 86"/>
@@ -7598,8 +7746,8 @@
           </p:nvCxnSpPr>
           <p:spPr>
             <a:xfrm>
-              <a:off x="7002777" y="653418"/>
-              <a:ext cx="1165860" cy="1365615"/>
+              <a:off x="6476541" y="503150"/>
+              <a:ext cx="931630" cy="1091253"/>
             </a:xfrm>
             <a:prstGeom prst="straightConnector1">
               <a:avLst/>
@@ -7636,8 +7784,8 @@
               </p:nvSpPr>
               <p:spPr>
                 <a:xfrm>
-                  <a:off x="4591638" y="142025"/>
-                  <a:ext cx="3350534" cy="369333"/>
+                  <a:off x="4549818" y="94500"/>
+                  <a:ext cx="2677387" cy="295131"/>
                 </a:xfrm>
                 <a:prstGeom prst="rect">
                   <a:avLst/>
@@ -7680,8 +7828,8 @@
               </p:nvSpPr>
               <p:spPr>
                 <a:xfrm>
-                  <a:off x="4591638" y="142025"/>
-                  <a:ext cx="3350534" cy="369333"/>
+                  <a:off x="4549818" y="94500"/>
+                  <a:ext cx="2677387" cy="295131"/>
                 </a:xfrm>
                 <a:prstGeom prst="rect">
                   <a:avLst/>
@@ -7716,8 +7864,8 @@
           </p:nvSpPr>
           <p:spPr>
             <a:xfrm>
-              <a:off x="4300847" y="1646749"/>
-              <a:ext cx="296091" cy="286294"/>
+              <a:off x="4317449" y="1296914"/>
+              <a:ext cx="236604" cy="228775"/>
             </a:xfrm>
             <a:prstGeom prst="ellipse">
               <a:avLst/>
@@ -7762,8 +7910,8 @@
           </p:nvSpPr>
           <p:spPr>
             <a:xfrm>
-              <a:off x="3501934" y="1698726"/>
-              <a:ext cx="296091" cy="286294"/>
+              <a:off x="3679043" y="1338448"/>
+              <a:ext cx="236604" cy="228775"/>
             </a:xfrm>
             <a:prstGeom prst="ellipse">
               <a:avLst/>
@@ -7808,8 +7956,8 @@
           </p:nvSpPr>
           <p:spPr>
             <a:xfrm>
-              <a:off x="3963490" y="2393234"/>
-              <a:ext cx="296091" cy="286294"/>
+              <a:off x="4047869" y="1893425"/>
+              <a:ext cx="236604" cy="228775"/>
             </a:xfrm>
             <a:prstGeom prst="ellipse">
               <a:avLst/>
@@ -7854,8 +8002,8 @@
           </p:nvSpPr>
           <p:spPr>
             <a:xfrm>
-              <a:off x="3198222" y="2063948"/>
-              <a:ext cx="296091" cy="286294"/>
+              <a:off x="3436349" y="1630295"/>
+              <a:ext cx="236604" cy="228775"/>
             </a:xfrm>
             <a:prstGeom prst="ellipse">
               <a:avLst/>
@@ -7892,35 +8040,6 @@
             </a:p>
           </p:txBody>
         </p:sp>
-        <p:sp>
-          <p:nvSpPr>
-            <p:cNvPr id="95" name="TextBox 94"/>
-            <p:cNvSpPr txBox="1"/>
-            <p:nvPr/>
-          </p:nvSpPr>
-          <p:spPr>
-            <a:xfrm>
-              <a:off x="-553781" y="3539815"/>
-              <a:ext cx="2539375" cy="1155473"/>
-            </a:xfrm>
-            <a:prstGeom prst="rect">
-              <a:avLst/>
-            </a:prstGeom>
-            <a:noFill/>
-          </p:spPr>
-          <p:txBody>
-            <a:bodyPr wrap="square" rtlCol="0">
-              <a:spAutoFit/>
-            </a:bodyPr>
-            <a:lstStyle/>
-            <a:p>
-              <a:r>
-                <a:rPr lang="en-US" dirty="0"/>
-                <a:t>Points from right picture after applying H</a:t>
-              </a:r>
-            </a:p>
-          </p:txBody>
-        </p:sp>
         <p:cxnSp>
           <p:nvCxnSpPr>
             <p:cNvPr id="97" name="Straight Arrow Connector 96"/>
@@ -7929,8 +8048,8 @@
           </p:nvCxnSpPr>
           <p:spPr>
             <a:xfrm flipH="1">
-              <a:off x="5022669" y="677912"/>
-              <a:ext cx="1255121" cy="1060268"/>
+              <a:off x="4894252" y="522723"/>
+              <a:ext cx="1002958" cy="847252"/>
             </a:xfrm>
             <a:prstGeom prst="straightConnector1">
               <a:avLst/>
@@ -7957,6 +8076,1193 @@
             </a:fontRef>
           </p:style>
         </p:cxnSp>
+      </p:grpSp>
+      <p:grpSp>
+        <p:nvGrpSpPr>
+          <p:cNvPr id="3" name="Group 2">
+            <a:extLst>
+              <a:ext uri="{FF2B5EF4-FFF2-40B4-BE49-F238E27FC236}">
+                <a16:creationId xmlns:a16="http://schemas.microsoft.com/office/drawing/2014/main" id="{D60DA856-3950-4662-A3BD-662717CF9122}"/>
+              </a:ext>
+            </a:extLst>
+          </p:cNvPr>
+          <p:cNvGrpSpPr/>
+          <p:nvPr/>
+        </p:nvGrpSpPr>
+        <p:grpSpPr>
+          <a:xfrm>
+            <a:off x="2599535" y="3059478"/>
+            <a:ext cx="6830215" cy="2009398"/>
+            <a:chOff x="2599535" y="3059478"/>
+            <a:chExt cx="6830215" cy="2009398"/>
+          </a:xfrm>
+        </p:grpSpPr>
+        <p:sp>
+          <p:nvSpPr>
+            <p:cNvPr id="45" name="Rectangle 44"/>
+            <p:cNvSpPr/>
+            <p:nvPr/>
+          </p:nvSpPr>
+          <p:spPr>
+            <a:xfrm>
+              <a:off x="6684442" y="3059478"/>
+              <a:ext cx="2745308" cy="2009398"/>
+            </a:xfrm>
+            <a:prstGeom prst="rect">
+              <a:avLst/>
+            </a:prstGeom>
+            <a:noFill/>
+            <a:ln w="57150">
+              <a:solidFill>
+                <a:schemeClr val="tx1"/>
+              </a:solidFill>
+            </a:ln>
+          </p:spPr>
+          <p:style>
+            <a:lnRef idx="2">
+              <a:schemeClr val="accent1">
+                <a:shade val="50000"/>
+              </a:schemeClr>
+            </a:lnRef>
+            <a:fillRef idx="1">
+              <a:schemeClr val="accent1"/>
+            </a:fillRef>
+            <a:effectRef idx="0">
+              <a:schemeClr val="accent1"/>
+            </a:effectRef>
+            <a:fontRef idx="minor">
+              <a:schemeClr val="lt1"/>
+            </a:fontRef>
+          </p:style>
+          <p:txBody>
+            <a:bodyPr rtlCol="0" anchor="ctr"/>
+            <a:lstStyle/>
+            <a:p>
+              <a:pPr algn="ctr"/>
+              <a:endParaRPr lang="en-US" dirty="0"/>
+            </a:p>
+          </p:txBody>
+        </p:sp>
+        <p:sp>
+          <p:nvSpPr>
+            <p:cNvPr id="46" name="Rectangle 45"/>
+            <p:cNvSpPr/>
+            <p:nvPr/>
+          </p:nvSpPr>
+          <p:spPr>
+            <a:xfrm>
+              <a:off x="2599535" y="3059478"/>
+              <a:ext cx="2745308" cy="2009398"/>
+            </a:xfrm>
+            <a:prstGeom prst="rect">
+              <a:avLst/>
+            </a:prstGeom>
+            <a:noFill/>
+            <a:ln w="57150">
+              <a:solidFill>
+                <a:schemeClr val="tx1"/>
+              </a:solidFill>
+            </a:ln>
+          </p:spPr>
+          <p:style>
+            <a:lnRef idx="2">
+              <a:schemeClr val="accent1">
+                <a:shade val="50000"/>
+              </a:schemeClr>
+            </a:lnRef>
+            <a:fillRef idx="1">
+              <a:schemeClr val="accent1"/>
+            </a:fillRef>
+            <a:effectRef idx="0">
+              <a:schemeClr val="accent1"/>
+            </a:effectRef>
+            <a:fontRef idx="minor">
+              <a:schemeClr val="lt1"/>
+            </a:fontRef>
+          </p:style>
+          <p:txBody>
+            <a:bodyPr rtlCol="0" anchor="ctr"/>
+            <a:lstStyle/>
+            <a:p>
+              <a:pPr algn="ctr"/>
+              <a:endParaRPr lang="en-US" dirty="0"/>
+            </a:p>
+          </p:txBody>
+        </p:sp>
+        <p:sp>
+          <p:nvSpPr>
+            <p:cNvPr id="47" name="Oval 46"/>
+            <p:cNvSpPr/>
+            <p:nvPr/>
+          </p:nvSpPr>
+          <p:spPr>
+            <a:xfrm>
+              <a:off x="7629120" y="3445700"/>
+              <a:ext cx="125261" cy="125261"/>
+            </a:xfrm>
+            <a:prstGeom prst="ellipse">
+              <a:avLst/>
+            </a:prstGeom>
+          </p:spPr>
+          <p:style>
+            <a:lnRef idx="2">
+              <a:schemeClr val="accent1">
+                <a:shade val="50000"/>
+              </a:schemeClr>
+            </a:lnRef>
+            <a:fillRef idx="1">
+              <a:schemeClr val="accent1"/>
+            </a:fillRef>
+            <a:effectRef idx="0">
+              <a:schemeClr val="accent1"/>
+            </a:effectRef>
+            <a:fontRef idx="minor">
+              <a:schemeClr val="lt1"/>
+            </a:fontRef>
+          </p:style>
+          <p:txBody>
+            <a:bodyPr rtlCol="0" anchor="ctr"/>
+            <a:lstStyle/>
+            <a:p>
+              <a:pPr algn="ctr"/>
+              <a:endParaRPr lang="en-US" dirty="0"/>
+            </a:p>
+          </p:txBody>
+        </p:sp>
+        <p:sp>
+          <p:nvSpPr>
+            <p:cNvPr id="48" name="Oval 47"/>
+            <p:cNvSpPr/>
+            <p:nvPr/>
+          </p:nvSpPr>
+          <p:spPr>
+            <a:xfrm>
+              <a:off x="7931835" y="4064177"/>
+              <a:ext cx="125261" cy="125261"/>
+            </a:xfrm>
+            <a:prstGeom prst="ellipse">
+              <a:avLst/>
+            </a:prstGeom>
+          </p:spPr>
+          <p:style>
+            <a:lnRef idx="2">
+              <a:schemeClr val="accent1">
+                <a:shade val="50000"/>
+              </a:schemeClr>
+            </a:lnRef>
+            <a:fillRef idx="1">
+              <a:schemeClr val="accent1"/>
+            </a:fillRef>
+            <a:effectRef idx="0">
+              <a:schemeClr val="accent1"/>
+            </a:effectRef>
+            <a:fontRef idx="minor">
+              <a:schemeClr val="lt1"/>
+            </a:fontRef>
+          </p:style>
+          <p:txBody>
+            <a:bodyPr rtlCol="0" anchor="ctr"/>
+            <a:lstStyle/>
+            <a:p>
+              <a:pPr algn="ctr"/>
+              <a:endParaRPr lang="en-US" dirty="0"/>
+            </a:p>
+          </p:txBody>
+        </p:sp>
+        <p:sp>
+          <p:nvSpPr>
+            <p:cNvPr id="49" name="Oval 48"/>
+            <p:cNvSpPr/>
+            <p:nvPr/>
+          </p:nvSpPr>
+          <p:spPr>
+            <a:xfrm>
+              <a:off x="8241508" y="3726668"/>
+              <a:ext cx="125261" cy="125261"/>
+            </a:xfrm>
+            <a:prstGeom prst="ellipse">
+              <a:avLst/>
+            </a:prstGeom>
+          </p:spPr>
+          <p:style>
+            <a:lnRef idx="2">
+              <a:schemeClr val="accent1">
+                <a:shade val="50000"/>
+              </a:schemeClr>
+            </a:lnRef>
+            <a:fillRef idx="1">
+              <a:schemeClr val="accent1"/>
+            </a:fillRef>
+            <a:effectRef idx="0">
+              <a:schemeClr val="accent1"/>
+            </a:effectRef>
+            <a:fontRef idx="minor">
+              <a:schemeClr val="lt1"/>
+            </a:fontRef>
+          </p:style>
+          <p:txBody>
+            <a:bodyPr rtlCol="0" anchor="ctr"/>
+            <a:lstStyle/>
+            <a:p>
+              <a:pPr algn="ctr"/>
+              <a:endParaRPr lang="en-US" dirty="0"/>
+            </a:p>
+          </p:txBody>
+        </p:sp>
+        <p:sp>
+          <p:nvSpPr>
+            <p:cNvPr id="50" name="Oval 49"/>
+            <p:cNvSpPr/>
+            <p:nvPr/>
+          </p:nvSpPr>
+          <p:spPr>
+            <a:xfrm>
+              <a:off x="7345543" y="4495632"/>
+              <a:ext cx="125261" cy="125261"/>
+            </a:xfrm>
+            <a:prstGeom prst="ellipse">
+              <a:avLst/>
+            </a:prstGeom>
+          </p:spPr>
+          <p:style>
+            <a:lnRef idx="2">
+              <a:schemeClr val="accent1">
+                <a:shade val="50000"/>
+              </a:schemeClr>
+            </a:lnRef>
+            <a:fillRef idx="1">
+              <a:schemeClr val="accent1"/>
+            </a:fillRef>
+            <a:effectRef idx="0">
+              <a:schemeClr val="accent1"/>
+            </a:effectRef>
+            <a:fontRef idx="minor">
+              <a:schemeClr val="lt1"/>
+            </a:fontRef>
+          </p:style>
+          <p:txBody>
+            <a:bodyPr rtlCol="0" anchor="ctr"/>
+            <a:lstStyle/>
+            <a:p>
+              <a:pPr algn="ctr"/>
+              <a:endParaRPr lang="en-US" dirty="0"/>
+            </a:p>
+          </p:txBody>
+        </p:sp>
+        <p:sp>
+          <p:nvSpPr>
+            <p:cNvPr id="51" name="Oval 50"/>
+            <p:cNvSpPr/>
+            <p:nvPr/>
+          </p:nvSpPr>
+          <p:spPr>
+            <a:xfrm>
+              <a:off x="8441578" y="4323398"/>
+              <a:ext cx="125261" cy="125261"/>
+            </a:xfrm>
+            <a:prstGeom prst="ellipse">
+              <a:avLst/>
+            </a:prstGeom>
+          </p:spPr>
+          <p:style>
+            <a:lnRef idx="2">
+              <a:schemeClr val="accent1">
+                <a:shade val="50000"/>
+              </a:schemeClr>
+            </a:lnRef>
+            <a:fillRef idx="1">
+              <a:schemeClr val="accent1"/>
+            </a:fillRef>
+            <a:effectRef idx="0">
+              <a:schemeClr val="accent1"/>
+            </a:effectRef>
+            <a:fontRef idx="minor">
+              <a:schemeClr val="lt1"/>
+            </a:fontRef>
+          </p:style>
+          <p:txBody>
+            <a:bodyPr rtlCol="0" anchor="ctr"/>
+            <a:lstStyle/>
+            <a:p>
+              <a:pPr algn="ctr"/>
+              <a:endParaRPr lang="en-US" dirty="0"/>
+            </a:p>
+          </p:txBody>
+        </p:sp>
+        <p:sp>
+          <p:nvSpPr>
+            <p:cNvPr id="52" name="Oval 51"/>
+            <p:cNvSpPr/>
+            <p:nvPr/>
+          </p:nvSpPr>
+          <p:spPr>
+            <a:xfrm>
+              <a:off x="8746032" y="3960663"/>
+              <a:ext cx="125261" cy="125261"/>
+            </a:xfrm>
+            <a:prstGeom prst="ellipse">
+              <a:avLst/>
+            </a:prstGeom>
+          </p:spPr>
+          <p:style>
+            <a:lnRef idx="2">
+              <a:schemeClr val="accent1">
+                <a:shade val="50000"/>
+              </a:schemeClr>
+            </a:lnRef>
+            <a:fillRef idx="1">
+              <a:schemeClr val="accent1"/>
+            </a:fillRef>
+            <a:effectRef idx="0">
+              <a:schemeClr val="accent1"/>
+            </a:effectRef>
+            <a:fontRef idx="minor">
+              <a:schemeClr val="lt1"/>
+            </a:fontRef>
+          </p:style>
+          <p:txBody>
+            <a:bodyPr rtlCol="0" anchor="ctr"/>
+            <a:lstStyle/>
+            <a:p>
+              <a:pPr algn="ctr"/>
+              <a:endParaRPr lang="en-US" dirty="0"/>
+            </a:p>
+          </p:txBody>
+        </p:sp>
+        <p:sp>
+          <p:nvSpPr>
+            <p:cNvPr id="53" name="Oval 52"/>
+            <p:cNvSpPr/>
+            <p:nvPr/>
+          </p:nvSpPr>
+          <p:spPr>
+            <a:xfrm>
+              <a:off x="3684263" y="3383069"/>
+              <a:ext cx="125261" cy="125261"/>
+            </a:xfrm>
+            <a:prstGeom prst="ellipse">
+              <a:avLst/>
+            </a:prstGeom>
+          </p:spPr>
+          <p:style>
+            <a:lnRef idx="2">
+              <a:schemeClr val="accent1">
+                <a:shade val="50000"/>
+              </a:schemeClr>
+            </a:lnRef>
+            <a:fillRef idx="1">
+              <a:schemeClr val="accent1"/>
+            </a:fillRef>
+            <a:effectRef idx="0">
+              <a:schemeClr val="accent1"/>
+            </a:effectRef>
+            <a:fontRef idx="minor">
+              <a:schemeClr val="lt1"/>
+            </a:fontRef>
+          </p:style>
+          <p:txBody>
+            <a:bodyPr rtlCol="0" anchor="ctr"/>
+            <a:lstStyle/>
+            <a:p>
+              <a:pPr algn="ctr"/>
+              <a:endParaRPr lang="en-US" dirty="0"/>
+            </a:p>
+          </p:txBody>
+        </p:sp>
+        <p:sp>
+          <p:nvSpPr>
+            <p:cNvPr id="54" name="Oval 53"/>
+            <p:cNvSpPr/>
+            <p:nvPr/>
+          </p:nvSpPr>
+          <p:spPr>
+            <a:xfrm>
+              <a:off x="3737326" y="3891074"/>
+              <a:ext cx="125261" cy="125261"/>
+            </a:xfrm>
+            <a:prstGeom prst="ellipse">
+              <a:avLst/>
+            </a:prstGeom>
+          </p:spPr>
+          <p:style>
+            <a:lnRef idx="2">
+              <a:schemeClr val="accent1">
+                <a:shade val="50000"/>
+              </a:schemeClr>
+            </a:lnRef>
+            <a:fillRef idx="1">
+              <a:schemeClr val="accent1"/>
+            </a:fillRef>
+            <a:effectRef idx="0">
+              <a:schemeClr val="accent1"/>
+            </a:effectRef>
+            <a:fontRef idx="minor">
+              <a:schemeClr val="lt1"/>
+            </a:fontRef>
+          </p:style>
+          <p:txBody>
+            <a:bodyPr rtlCol="0" anchor="ctr"/>
+            <a:lstStyle/>
+            <a:p>
+              <a:pPr algn="ctr"/>
+              <a:endParaRPr lang="en-US" dirty="0"/>
+            </a:p>
+          </p:txBody>
+        </p:sp>
+        <p:sp>
+          <p:nvSpPr>
+            <p:cNvPr id="55" name="Oval 54"/>
+            <p:cNvSpPr/>
+            <p:nvPr/>
+          </p:nvSpPr>
+          <p:spPr>
+            <a:xfrm>
+              <a:off x="4371460" y="3851929"/>
+              <a:ext cx="125261" cy="125261"/>
+            </a:xfrm>
+            <a:prstGeom prst="ellipse">
+              <a:avLst/>
+            </a:prstGeom>
+          </p:spPr>
+          <p:style>
+            <a:lnRef idx="2">
+              <a:schemeClr val="accent1">
+                <a:shade val="50000"/>
+              </a:schemeClr>
+            </a:lnRef>
+            <a:fillRef idx="1">
+              <a:schemeClr val="accent1"/>
+            </a:fillRef>
+            <a:effectRef idx="0">
+              <a:schemeClr val="accent1"/>
+            </a:effectRef>
+            <a:fontRef idx="minor">
+              <a:schemeClr val="lt1"/>
+            </a:fontRef>
+          </p:style>
+          <p:txBody>
+            <a:bodyPr rtlCol="0" anchor="ctr"/>
+            <a:lstStyle/>
+            <a:p>
+              <a:pPr algn="ctr"/>
+              <a:endParaRPr lang="en-US" dirty="0"/>
+            </a:p>
+          </p:txBody>
+        </p:sp>
+        <p:sp>
+          <p:nvSpPr>
+            <p:cNvPr id="56" name="Oval 55"/>
+            <p:cNvSpPr/>
+            <p:nvPr/>
+          </p:nvSpPr>
+          <p:spPr>
+            <a:xfrm>
+              <a:off x="3499852" y="4190308"/>
+              <a:ext cx="125261" cy="125261"/>
+            </a:xfrm>
+            <a:prstGeom prst="ellipse">
+              <a:avLst/>
+            </a:prstGeom>
+          </p:spPr>
+          <p:style>
+            <a:lnRef idx="2">
+              <a:schemeClr val="accent1">
+                <a:shade val="50000"/>
+              </a:schemeClr>
+            </a:lnRef>
+            <a:fillRef idx="1">
+              <a:schemeClr val="accent1"/>
+            </a:fillRef>
+            <a:effectRef idx="0">
+              <a:schemeClr val="accent1"/>
+            </a:effectRef>
+            <a:fontRef idx="minor">
+              <a:schemeClr val="lt1"/>
+            </a:fontRef>
+          </p:style>
+          <p:txBody>
+            <a:bodyPr rtlCol="0" anchor="ctr"/>
+            <a:lstStyle/>
+            <a:p>
+              <a:pPr algn="ctr"/>
+              <a:endParaRPr lang="en-US" dirty="0"/>
+            </a:p>
+          </p:txBody>
+        </p:sp>
+        <p:sp>
+          <p:nvSpPr>
+            <p:cNvPr id="57" name="Oval 56"/>
+            <p:cNvSpPr/>
+            <p:nvPr/>
+          </p:nvSpPr>
+          <p:spPr>
+            <a:xfrm>
+              <a:off x="4112239" y="4448659"/>
+              <a:ext cx="125261" cy="125261"/>
+            </a:xfrm>
+            <a:prstGeom prst="ellipse">
+              <a:avLst/>
+            </a:prstGeom>
+          </p:spPr>
+          <p:style>
+            <a:lnRef idx="2">
+              <a:schemeClr val="accent1">
+                <a:shade val="50000"/>
+              </a:schemeClr>
+            </a:lnRef>
+            <a:fillRef idx="1">
+              <a:schemeClr val="accent1"/>
+            </a:fillRef>
+            <a:effectRef idx="0">
+              <a:schemeClr val="accent1"/>
+            </a:effectRef>
+            <a:fontRef idx="minor">
+              <a:schemeClr val="lt1"/>
+            </a:fontRef>
+          </p:style>
+          <p:txBody>
+            <a:bodyPr rtlCol="0" anchor="ctr"/>
+            <a:lstStyle/>
+            <a:p>
+              <a:pPr algn="ctr"/>
+              <a:endParaRPr lang="en-US" dirty="0"/>
+            </a:p>
+          </p:txBody>
+        </p:sp>
+        <p:sp>
+          <p:nvSpPr>
+            <p:cNvPr id="58" name="Oval 57"/>
+            <p:cNvSpPr/>
+            <p:nvPr/>
+          </p:nvSpPr>
+          <p:spPr>
+            <a:xfrm>
+              <a:off x="4768991" y="3383069"/>
+              <a:ext cx="125261" cy="125261"/>
+            </a:xfrm>
+            <a:prstGeom prst="ellipse">
+              <a:avLst/>
+            </a:prstGeom>
+          </p:spPr>
+          <p:style>
+            <a:lnRef idx="2">
+              <a:schemeClr val="accent1">
+                <a:shade val="50000"/>
+              </a:schemeClr>
+            </a:lnRef>
+            <a:fillRef idx="1">
+              <a:schemeClr val="accent1"/>
+            </a:fillRef>
+            <a:effectRef idx="0">
+              <a:schemeClr val="accent1"/>
+            </a:effectRef>
+            <a:fontRef idx="minor">
+              <a:schemeClr val="lt1"/>
+            </a:fontRef>
+          </p:style>
+          <p:txBody>
+            <a:bodyPr rtlCol="0" anchor="ctr"/>
+            <a:lstStyle/>
+            <a:p>
+              <a:pPr algn="ctr"/>
+              <a:endParaRPr lang="en-US" dirty="0"/>
+            </a:p>
+          </p:txBody>
+        </p:sp>
+        <p:cxnSp>
+          <p:nvCxnSpPr>
+            <p:cNvPr id="59" name="Straight Connector 58"/>
+            <p:cNvCxnSpPr>
+              <a:stCxn id="47" idx="2"/>
+              <a:endCxn id="53" idx="6"/>
+            </p:cNvCxnSpPr>
+            <p:nvPr/>
+          </p:nvCxnSpPr>
+          <p:spPr>
+            <a:xfrm flipH="1" flipV="1">
+              <a:off x="3809524" y="3445700"/>
+              <a:ext cx="3819596" cy="62630"/>
+            </a:xfrm>
+            <a:prstGeom prst="line">
+              <a:avLst/>
+            </a:prstGeom>
+          </p:spPr>
+          <p:style>
+            <a:lnRef idx="1">
+              <a:schemeClr val="accent1"/>
+            </a:lnRef>
+            <a:fillRef idx="0">
+              <a:schemeClr val="accent1"/>
+            </a:fillRef>
+            <a:effectRef idx="0">
+              <a:schemeClr val="accent1"/>
+            </a:effectRef>
+            <a:fontRef idx="minor">
+              <a:schemeClr val="tx1"/>
+            </a:fontRef>
+          </p:style>
+        </p:cxnSp>
+        <p:cxnSp>
+          <p:nvCxnSpPr>
+            <p:cNvPr id="60" name="Straight Connector 59"/>
+            <p:cNvCxnSpPr>
+              <a:stCxn id="49" idx="2"/>
+              <a:endCxn id="58" idx="6"/>
+            </p:cNvCxnSpPr>
+            <p:nvPr/>
+          </p:nvCxnSpPr>
+          <p:spPr>
+            <a:xfrm flipH="1" flipV="1">
+              <a:off x="4894252" y="3445700"/>
+              <a:ext cx="3347256" cy="343599"/>
+            </a:xfrm>
+            <a:prstGeom prst="line">
+              <a:avLst/>
+            </a:prstGeom>
+          </p:spPr>
+          <p:style>
+            <a:lnRef idx="1">
+              <a:schemeClr val="accent1"/>
+            </a:lnRef>
+            <a:fillRef idx="0">
+              <a:schemeClr val="accent1"/>
+            </a:fillRef>
+            <a:effectRef idx="0">
+              <a:schemeClr val="accent1"/>
+            </a:effectRef>
+            <a:fontRef idx="minor">
+              <a:schemeClr val="tx1"/>
+            </a:fontRef>
+          </p:style>
+        </p:cxnSp>
+        <p:cxnSp>
+          <p:nvCxnSpPr>
+            <p:cNvPr id="61" name="Straight Connector 60"/>
+            <p:cNvCxnSpPr>
+              <a:stCxn id="52" idx="2"/>
+              <a:endCxn id="55" idx="6"/>
+            </p:cNvCxnSpPr>
+            <p:nvPr/>
+          </p:nvCxnSpPr>
+          <p:spPr>
+            <a:xfrm flipH="1" flipV="1">
+              <a:off x="4496721" y="3914559"/>
+              <a:ext cx="4249311" cy="108734"/>
+            </a:xfrm>
+            <a:prstGeom prst="line">
+              <a:avLst/>
+            </a:prstGeom>
+            <a:ln>
+              <a:solidFill>
+                <a:srgbClr val="FFC000"/>
+              </a:solidFill>
+            </a:ln>
+          </p:spPr>
+          <p:style>
+            <a:lnRef idx="1">
+              <a:schemeClr val="accent1"/>
+            </a:lnRef>
+            <a:fillRef idx="0">
+              <a:schemeClr val="accent1"/>
+            </a:fillRef>
+            <a:effectRef idx="0">
+              <a:schemeClr val="accent1"/>
+            </a:effectRef>
+            <a:fontRef idx="minor">
+              <a:schemeClr val="tx1"/>
+            </a:fontRef>
+          </p:style>
+        </p:cxnSp>
+        <p:cxnSp>
+          <p:nvCxnSpPr>
+            <p:cNvPr id="62" name="Straight Connector 61"/>
+            <p:cNvCxnSpPr>
+              <a:stCxn id="48" idx="2"/>
+              <a:endCxn id="54" idx="6"/>
+            </p:cNvCxnSpPr>
+            <p:nvPr/>
+          </p:nvCxnSpPr>
+          <p:spPr>
+            <a:xfrm flipH="1" flipV="1">
+              <a:off x="3862587" y="3953705"/>
+              <a:ext cx="4069248" cy="173103"/>
+            </a:xfrm>
+            <a:prstGeom prst="line">
+              <a:avLst/>
+            </a:prstGeom>
+            <a:ln>
+              <a:solidFill>
+                <a:srgbClr val="FFC000"/>
+              </a:solidFill>
+            </a:ln>
+          </p:spPr>
+          <p:style>
+            <a:lnRef idx="1">
+              <a:schemeClr val="accent1"/>
+            </a:lnRef>
+            <a:fillRef idx="0">
+              <a:schemeClr val="accent1"/>
+            </a:fillRef>
+            <a:effectRef idx="0">
+              <a:schemeClr val="accent1"/>
+            </a:effectRef>
+            <a:fontRef idx="minor">
+              <a:schemeClr val="tx1"/>
+            </a:fontRef>
+          </p:style>
+        </p:cxnSp>
+        <p:cxnSp>
+          <p:nvCxnSpPr>
+            <p:cNvPr id="63" name="Straight Connector 62"/>
+            <p:cNvCxnSpPr>
+              <a:stCxn id="51" idx="2"/>
+              <a:endCxn id="57" idx="6"/>
+            </p:cNvCxnSpPr>
+            <p:nvPr/>
+          </p:nvCxnSpPr>
+          <p:spPr>
+            <a:xfrm flipH="1">
+              <a:off x="4237500" y="4386029"/>
+              <a:ext cx="4204078" cy="125261"/>
+            </a:xfrm>
+            <a:prstGeom prst="line">
+              <a:avLst/>
+            </a:prstGeom>
+            <a:ln>
+              <a:solidFill>
+                <a:srgbClr val="FFC000"/>
+              </a:solidFill>
+            </a:ln>
+          </p:spPr>
+          <p:style>
+            <a:lnRef idx="1">
+              <a:schemeClr val="accent1"/>
+            </a:lnRef>
+            <a:fillRef idx="0">
+              <a:schemeClr val="accent1"/>
+            </a:fillRef>
+            <a:effectRef idx="0">
+              <a:schemeClr val="accent1"/>
+            </a:effectRef>
+            <a:fontRef idx="minor">
+              <a:schemeClr val="tx1"/>
+            </a:fontRef>
+          </p:style>
+        </p:cxnSp>
+        <p:cxnSp>
+          <p:nvCxnSpPr>
+            <p:cNvPr id="64" name="Straight Connector 63"/>
+            <p:cNvCxnSpPr>
+              <a:stCxn id="50" idx="2"/>
+              <a:endCxn id="56" idx="6"/>
+            </p:cNvCxnSpPr>
+            <p:nvPr/>
+          </p:nvCxnSpPr>
+          <p:spPr>
+            <a:xfrm flipH="1" flipV="1">
+              <a:off x="3625113" y="4252938"/>
+              <a:ext cx="3720430" cy="305325"/>
+            </a:xfrm>
+            <a:prstGeom prst="line">
+              <a:avLst/>
+            </a:prstGeom>
+            <a:ln>
+              <a:solidFill>
+                <a:srgbClr val="FFC000"/>
+              </a:solidFill>
+            </a:ln>
+          </p:spPr>
+          <p:style>
+            <a:lnRef idx="1">
+              <a:schemeClr val="accent1"/>
+            </a:lnRef>
+            <a:fillRef idx="0">
+              <a:schemeClr val="accent1"/>
+            </a:fillRef>
+            <a:effectRef idx="0">
+              <a:schemeClr val="accent1"/>
+            </a:effectRef>
+            <a:fontRef idx="minor">
+              <a:schemeClr val="tx1"/>
+            </a:fontRef>
+          </p:style>
+        </p:cxnSp>
+        <p:sp>
+          <p:nvSpPr>
+            <p:cNvPr id="65" name="Oval 64"/>
+            <p:cNvSpPr/>
+            <p:nvPr/>
+          </p:nvSpPr>
+          <p:spPr>
+            <a:xfrm>
+              <a:off x="7289871" y="4443007"/>
+              <a:ext cx="236604" cy="228775"/>
+            </a:xfrm>
+            <a:prstGeom prst="ellipse">
+              <a:avLst/>
+            </a:prstGeom>
+            <a:noFill/>
+            <a:ln>
+              <a:solidFill>
+                <a:srgbClr val="FF0000"/>
+              </a:solidFill>
+            </a:ln>
+          </p:spPr>
+          <p:style>
+            <a:lnRef idx="2">
+              <a:schemeClr val="accent1">
+                <a:shade val="50000"/>
+              </a:schemeClr>
+            </a:lnRef>
+            <a:fillRef idx="1">
+              <a:schemeClr val="accent1"/>
+            </a:fillRef>
+            <a:effectRef idx="0">
+              <a:schemeClr val="accent1"/>
+            </a:effectRef>
+            <a:fontRef idx="minor">
+              <a:schemeClr val="lt1"/>
+            </a:fontRef>
+          </p:style>
+          <p:txBody>
+            <a:bodyPr rtlCol="0" anchor="ctr"/>
+            <a:lstStyle/>
+            <a:p>
+              <a:pPr algn="ctr"/>
+              <a:endParaRPr lang="en-US" dirty="0"/>
+            </a:p>
+          </p:txBody>
+        </p:sp>
+        <p:sp>
+          <p:nvSpPr>
+            <p:cNvPr id="66" name="Oval 65"/>
+            <p:cNvSpPr/>
+            <p:nvPr/>
+          </p:nvSpPr>
+          <p:spPr>
+            <a:xfrm>
+              <a:off x="8387646" y="4272077"/>
+              <a:ext cx="236604" cy="228775"/>
+            </a:xfrm>
+            <a:prstGeom prst="ellipse">
+              <a:avLst/>
+            </a:prstGeom>
+            <a:noFill/>
+            <a:ln>
+              <a:solidFill>
+                <a:srgbClr val="FF0000"/>
+              </a:solidFill>
+            </a:ln>
+          </p:spPr>
+          <p:style>
+            <a:lnRef idx="2">
+              <a:schemeClr val="accent1">
+                <a:shade val="50000"/>
+              </a:schemeClr>
+            </a:lnRef>
+            <a:fillRef idx="1">
+              <a:schemeClr val="accent1"/>
+            </a:fillRef>
+            <a:effectRef idx="0">
+              <a:schemeClr val="accent1"/>
+            </a:effectRef>
+            <a:fontRef idx="minor">
+              <a:schemeClr val="lt1"/>
+            </a:fontRef>
+          </p:style>
+          <p:txBody>
+            <a:bodyPr rtlCol="0" anchor="ctr"/>
+            <a:lstStyle/>
+            <a:p>
+              <a:pPr algn="ctr"/>
+              <a:endParaRPr lang="en-US" dirty="0"/>
+            </a:p>
+          </p:txBody>
+        </p:sp>
+        <p:sp>
+          <p:nvSpPr>
+            <p:cNvPr id="67" name="Oval 66"/>
+            <p:cNvSpPr/>
+            <p:nvPr/>
+          </p:nvSpPr>
+          <p:spPr>
+            <a:xfrm>
+              <a:off x="7874425" y="4007201"/>
+              <a:ext cx="236604" cy="228775"/>
+            </a:xfrm>
+            <a:prstGeom prst="ellipse">
+              <a:avLst/>
+            </a:prstGeom>
+            <a:noFill/>
+            <a:ln>
+              <a:solidFill>
+                <a:srgbClr val="FF0000"/>
+              </a:solidFill>
+            </a:ln>
+          </p:spPr>
+          <p:style>
+            <a:lnRef idx="2">
+              <a:schemeClr val="accent1">
+                <a:shade val="50000"/>
+              </a:schemeClr>
+            </a:lnRef>
+            <a:fillRef idx="1">
+              <a:schemeClr val="accent1"/>
+            </a:fillRef>
+            <a:effectRef idx="0">
+              <a:schemeClr val="accent1"/>
+            </a:effectRef>
+            <a:fontRef idx="minor">
+              <a:schemeClr val="lt1"/>
+            </a:fontRef>
+          </p:style>
+          <p:txBody>
+            <a:bodyPr rtlCol="0" anchor="ctr"/>
+            <a:lstStyle/>
+            <a:p>
+              <a:pPr algn="ctr"/>
+              <a:endParaRPr lang="en-US" dirty="0"/>
+            </a:p>
+          </p:txBody>
+        </p:sp>
+        <p:sp>
+          <p:nvSpPr>
+            <p:cNvPr id="68" name="Oval 67"/>
+            <p:cNvSpPr/>
+            <p:nvPr/>
+          </p:nvSpPr>
+          <p:spPr>
+            <a:xfrm>
+              <a:off x="8690361" y="3914559"/>
+              <a:ext cx="236604" cy="228775"/>
+            </a:xfrm>
+            <a:prstGeom prst="ellipse">
+              <a:avLst/>
+            </a:prstGeom>
+            <a:noFill/>
+            <a:ln>
+              <a:solidFill>
+                <a:srgbClr val="FF0000"/>
+              </a:solidFill>
+            </a:ln>
+          </p:spPr>
+          <p:style>
+            <a:lnRef idx="2">
+              <a:schemeClr val="accent1">
+                <a:shade val="50000"/>
+              </a:schemeClr>
+            </a:lnRef>
+            <a:fillRef idx="1">
+              <a:schemeClr val="accent1"/>
+            </a:fillRef>
+            <a:effectRef idx="0">
+              <a:schemeClr val="accent1"/>
+            </a:effectRef>
+            <a:fontRef idx="minor">
+              <a:schemeClr val="lt1"/>
+            </a:fontRef>
+          </p:style>
+          <p:txBody>
+            <a:bodyPr rtlCol="0" anchor="ctr"/>
+            <a:lstStyle/>
+            <a:p>
+              <a:pPr algn="ctr"/>
+              <a:endParaRPr lang="en-US" dirty="0"/>
+            </a:p>
+          </p:txBody>
+        </p:sp>
+        <p:sp>
+          <p:nvSpPr>
+            <p:cNvPr id="79" name="Oval 78"/>
+            <p:cNvSpPr/>
+            <p:nvPr/>
+          </p:nvSpPr>
+          <p:spPr>
+            <a:xfrm>
+              <a:off x="4371460" y="3851498"/>
+              <a:ext cx="125261" cy="125261"/>
+            </a:xfrm>
+            <a:prstGeom prst="ellipse">
+              <a:avLst/>
+            </a:prstGeom>
+            <a:solidFill>
+              <a:srgbClr val="FFC000"/>
+            </a:solidFill>
+            <a:ln>
+              <a:solidFill>
+                <a:srgbClr val="FFC000"/>
+              </a:solidFill>
+            </a:ln>
+          </p:spPr>
+          <p:style>
+            <a:lnRef idx="2">
+              <a:schemeClr val="accent1">
+                <a:shade val="50000"/>
+              </a:schemeClr>
+            </a:lnRef>
+            <a:fillRef idx="1">
+              <a:schemeClr val="accent1"/>
+            </a:fillRef>
+            <a:effectRef idx="0">
+              <a:schemeClr val="accent1"/>
+            </a:effectRef>
+            <a:fontRef idx="minor">
+              <a:schemeClr val="lt1"/>
+            </a:fontRef>
+          </p:style>
+          <p:txBody>
+            <a:bodyPr rtlCol="0" anchor="ctr"/>
+            <a:lstStyle/>
+            <a:p>
+              <a:pPr algn="ctr"/>
+              <a:endParaRPr lang="en-US" dirty="0"/>
+            </a:p>
+          </p:txBody>
+        </p:sp>
+        <p:sp>
+          <p:nvSpPr>
+            <p:cNvPr id="80" name="Oval 79"/>
+            <p:cNvSpPr/>
+            <p:nvPr/>
+          </p:nvSpPr>
+          <p:spPr>
+            <a:xfrm>
+              <a:off x="3736456" y="3884550"/>
+              <a:ext cx="125261" cy="125261"/>
+            </a:xfrm>
+            <a:prstGeom prst="ellipse">
+              <a:avLst/>
+            </a:prstGeom>
+            <a:solidFill>
+              <a:srgbClr val="FFC000"/>
+            </a:solidFill>
+            <a:ln>
+              <a:solidFill>
+                <a:srgbClr val="FFC000"/>
+              </a:solidFill>
+            </a:ln>
+          </p:spPr>
+          <p:style>
+            <a:lnRef idx="2">
+              <a:schemeClr val="accent1">
+                <a:shade val="50000"/>
+              </a:schemeClr>
+            </a:lnRef>
+            <a:fillRef idx="1">
+              <a:schemeClr val="accent1"/>
+            </a:fillRef>
+            <a:effectRef idx="0">
+              <a:schemeClr val="accent1"/>
+            </a:effectRef>
+            <a:fontRef idx="minor">
+              <a:schemeClr val="lt1"/>
+            </a:fontRef>
+          </p:style>
+          <p:txBody>
+            <a:bodyPr rtlCol="0" anchor="ctr"/>
+            <a:lstStyle/>
+            <a:p>
+              <a:pPr algn="ctr"/>
+              <a:endParaRPr lang="en-US" dirty="0"/>
+            </a:p>
+          </p:txBody>
+        </p:sp>
+        <p:sp>
+          <p:nvSpPr>
+            <p:cNvPr id="81" name="Oval 80"/>
+            <p:cNvSpPr/>
+            <p:nvPr/>
+          </p:nvSpPr>
+          <p:spPr>
+            <a:xfrm>
+              <a:off x="4108760" y="4448659"/>
+              <a:ext cx="125261" cy="125261"/>
+            </a:xfrm>
+            <a:prstGeom prst="ellipse">
+              <a:avLst/>
+            </a:prstGeom>
+            <a:solidFill>
+              <a:srgbClr val="FFC000"/>
+            </a:solidFill>
+            <a:ln>
+              <a:solidFill>
+                <a:srgbClr val="FFC000"/>
+              </a:solidFill>
+            </a:ln>
+          </p:spPr>
+          <p:style>
+            <a:lnRef idx="2">
+              <a:schemeClr val="accent1">
+                <a:shade val="50000"/>
+              </a:schemeClr>
+            </a:lnRef>
+            <a:fillRef idx="1">
+              <a:schemeClr val="accent1"/>
+            </a:fillRef>
+            <a:effectRef idx="0">
+              <a:schemeClr val="accent1"/>
+            </a:effectRef>
+            <a:fontRef idx="minor">
+              <a:schemeClr val="lt1"/>
+            </a:fontRef>
+          </p:style>
+          <p:txBody>
+            <a:bodyPr rtlCol="0" anchor="ctr"/>
+            <a:lstStyle/>
+            <a:p>
+              <a:pPr algn="ctr"/>
+              <a:endParaRPr lang="en-US" dirty="0"/>
+            </a:p>
+          </p:txBody>
+        </p:sp>
+        <p:sp>
+          <p:nvSpPr>
+            <p:cNvPr id="82" name="Oval 81"/>
+            <p:cNvSpPr/>
+            <p:nvPr/>
+          </p:nvSpPr>
+          <p:spPr>
+            <a:xfrm>
+              <a:off x="3499852" y="4192918"/>
+              <a:ext cx="125261" cy="125261"/>
+            </a:xfrm>
+            <a:prstGeom prst="ellipse">
+              <a:avLst/>
+            </a:prstGeom>
+            <a:solidFill>
+              <a:srgbClr val="FFC000"/>
+            </a:solidFill>
+            <a:ln>
+              <a:solidFill>
+                <a:srgbClr val="FFC000"/>
+              </a:solidFill>
+            </a:ln>
+          </p:spPr>
+          <p:style>
+            <a:lnRef idx="2">
+              <a:schemeClr val="accent1">
+                <a:shade val="50000"/>
+              </a:schemeClr>
+            </a:lnRef>
+            <a:fillRef idx="1">
+              <a:schemeClr val="accent1"/>
+            </a:fillRef>
+            <a:effectRef idx="0">
+              <a:schemeClr val="accent1"/>
+            </a:effectRef>
+            <a:fontRef idx="minor">
+              <a:schemeClr val="lt1"/>
+            </a:fontRef>
+          </p:style>
+          <p:txBody>
+            <a:bodyPr rtlCol="0" anchor="ctr"/>
+            <a:lstStyle/>
+            <a:p>
+              <a:pPr algn="ctr"/>
+              <a:endParaRPr lang="en-US" dirty="0"/>
+            </a:p>
+          </p:txBody>
+        </p:sp>
         <p:sp>
           <p:nvSpPr>
             <p:cNvPr id="101" name="Oval 100"/>
@@ -7965,8 +9271,8 @@
           </p:nvSpPr>
           <p:spPr>
             <a:xfrm>
-              <a:off x="4305298" y="4774208"/>
-              <a:ext cx="296091" cy="286294"/>
+              <a:off x="4321006" y="3796044"/>
+              <a:ext cx="236604" cy="228775"/>
             </a:xfrm>
             <a:prstGeom prst="ellipse">
               <a:avLst/>
@@ -8011,8 +9317,8 @@
           </p:nvSpPr>
           <p:spPr>
             <a:xfrm>
-              <a:off x="3971108" y="5526952"/>
-              <a:ext cx="296091" cy="286294"/>
+              <a:off x="4053957" y="4397556"/>
+              <a:ext cx="236604" cy="228775"/>
             </a:xfrm>
             <a:prstGeom prst="ellipse">
               <a:avLst/>
@@ -8057,8 +9363,8 @@
           </p:nvSpPr>
           <p:spPr>
             <a:xfrm>
-              <a:off x="3498668" y="4829992"/>
-              <a:ext cx="296091" cy="286294"/>
+              <a:off x="3676433" y="3840620"/>
+              <a:ext cx="236604" cy="228775"/>
             </a:xfrm>
             <a:prstGeom prst="ellipse">
               <a:avLst/>
@@ -8103,8 +9409,8 @@
           </p:nvSpPr>
           <p:spPr>
             <a:xfrm>
-              <a:off x="3211283" y="5206093"/>
-              <a:ext cx="296091" cy="286294"/>
+              <a:off x="3446786" y="4141160"/>
+              <a:ext cx="236604" cy="228775"/>
             </a:xfrm>
             <a:prstGeom prst="ellipse">
               <a:avLst/>
@@ -8195,7 +9501,7 @@
           <a:p>
             <a:fld id="{6A66ABA5-9194-4D3A-A872-2D6AFFA2C838}" type="slidenum">
               <a:rPr lang="en-US" smtClean="0"/>
-              <a:t>14</a:t>
+              <a:t>15</a:t>
             </a:fld>
             <a:endParaRPr lang="en-US" dirty="0"/>
           </a:p>
@@ -8211,10 +9517,130 @@
   <p:clrMapOvr>
     <a:masterClrMapping/>
   </p:clrMapOvr>
+  <p:timing>
+    <p:tnLst>
+      <p:par>
+        <p:cTn id="1" dur="indefinite" restart="never" nodeType="tmRoot">
+          <p:childTnLst>
+            <p:seq concurrent="1" nextAc="seek">
+              <p:cTn id="2" dur="indefinite" nodeType="mainSeq">
+                <p:childTnLst>
+                  <p:par>
+                    <p:cTn id="3" fill="hold">
+                      <p:stCondLst>
+                        <p:cond delay="indefinite"/>
+                      </p:stCondLst>
+                      <p:childTnLst>
+                        <p:par>
+                          <p:cTn id="4" fill="hold">
+                            <p:stCondLst>
+                              <p:cond delay="0"/>
+                            </p:stCondLst>
+                            <p:childTnLst>
+                              <p:par>
+                                <p:cTn id="5" presetID="1" presetClass="entr" presetSubtype="0" fill="hold" nodeType="clickEffect">
+                                  <p:stCondLst>
+                                    <p:cond delay="0"/>
+                                  </p:stCondLst>
+                                  <p:childTnLst>
+                                    <p:set>
+                                      <p:cBhvr>
+                                        <p:cTn id="6" dur="1" fill="hold">
+                                          <p:stCondLst>
+                                            <p:cond delay="0"/>
+                                          </p:stCondLst>
+                                        </p:cTn>
+                                        <p:tgtEl>
+                                          <p:spTgt spid="3"/>
+                                        </p:tgtEl>
+                                        <p:attrNameLst>
+                                          <p:attrName>style.visibility</p:attrName>
+                                        </p:attrNameLst>
+                                      </p:cBhvr>
+                                      <p:to>
+                                        <p:strVal val="visible"/>
+                                      </p:to>
+                                    </p:set>
+                                  </p:childTnLst>
+                                </p:cTn>
+                              </p:par>
+                            </p:childTnLst>
+                          </p:cTn>
+                        </p:par>
+                      </p:childTnLst>
+                    </p:cTn>
+                  </p:par>
+                  <p:par>
+                    <p:cTn id="7" fill="hold">
+                      <p:stCondLst>
+                        <p:cond delay="indefinite"/>
+                      </p:stCondLst>
+                      <p:childTnLst>
+                        <p:par>
+                          <p:cTn id="8" fill="hold">
+                            <p:stCondLst>
+                              <p:cond delay="0"/>
+                            </p:stCondLst>
+                            <p:childTnLst>
+                              <p:par>
+                                <p:cTn id="9" presetID="1" presetClass="entr" presetSubtype="0" fill="hold" nodeType="clickEffect">
+                                  <p:stCondLst>
+                                    <p:cond delay="0"/>
+                                  </p:stCondLst>
+                                  <p:childTnLst>
+                                    <p:set>
+                                      <p:cBhvr>
+                                        <p:cTn id="10" dur="1" fill="hold">
+                                          <p:stCondLst>
+                                            <p:cond delay="0"/>
+                                          </p:stCondLst>
+                                        </p:cTn>
+                                        <p:tgtEl>
+                                          <p:spTgt spid="21"/>
+                                        </p:tgtEl>
+                                        <p:attrNameLst>
+                                          <p:attrName>style.visibility</p:attrName>
+                                        </p:attrNameLst>
+                                      </p:cBhvr>
+                                      <p:to>
+                                        <p:strVal val="visible"/>
+                                      </p:to>
+                                    </p:set>
+                                  </p:childTnLst>
+                                </p:cTn>
+                              </p:par>
+                            </p:childTnLst>
+                          </p:cTn>
+                        </p:par>
+                      </p:childTnLst>
+                    </p:cTn>
+                  </p:par>
+                </p:childTnLst>
+              </p:cTn>
+              <p:prevCondLst>
+                <p:cond evt="onPrev" delay="0">
+                  <p:tgtEl>
+                    <p:sldTgt/>
+                  </p:tgtEl>
+                </p:cond>
+              </p:prevCondLst>
+              <p:nextCondLst>
+                <p:cond evt="onNext" delay="0">
+                  <p:tgtEl>
+                    <p:sldTgt/>
+                  </p:tgtEl>
+                </p:cond>
+              </p:nextCondLst>
+            </p:seq>
+          </p:childTnLst>
+        </p:cTn>
+      </p:par>
+    </p:tnLst>
+  </p:timing>
 </p:sld>
 </file>
 
-<file path=ppt/slides/slide15.xml><?xml version="1.0" encoding="utf-8"?>
+<file path=ppt/slides/slide16.xml><?xml version="1.0" encoding="utf-8"?>
 <p:sld xmlns:a="http://schemas.openxmlformats.org/drawingml/2006/main" xmlns:r="http://schemas.openxmlformats.org/officeDocument/2006/relationships" xmlns:p="http://schemas.openxmlformats.org/presentationml/2006/main">
   <p:cSld>
     <p:spTree>
@@ -8245,10 +9671,10 @@
         </p:nvGrpSpPr>
         <p:grpSpPr>
           <a:xfrm>
-            <a:off x="1944227" y="2427094"/>
-            <a:ext cx="7569120" cy="2640199"/>
-            <a:chOff x="669832" y="1478962"/>
-            <a:chExt cx="9950270" cy="3470773"/>
+            <a:off x="2365094" y="2412315"/>
+            <a:ext cx="7148253" cy="2654978"/>
+            <a:chOff x="1223098" y="1459534"/>
+            <a:chExt cx="9397004" cy="3490201"/>
           </a:xfrm>
         </p:grpSpPr>
         <p:sp>
@@ -8942,7 +10368,7 @@
           </p:nvSpPr>
           <p:spPr>
             <a:xfrm>
-              <a:off x="669832" y="1625672"/>
+              <a:off x="1223098" y="1459534"/>
               <a:ext cx="2545633" cy="369331"/>
             </a:xfrm>
             <a:prstGeom prst="rect">
@@ -9040,35 +10466,88 @@
             </a:fontRef>
           </p:style>
         </p:cxnSp>
-        <p:sp>
-          <p:nvSpPr>
-            <p:cNvPr id="44" name="TextBox 43"/>
-            <p:cNvSpPr txBox="1"/>
-            <p:nvPr/>
-          </p:nvSpPr>
-          <p:spPr>
-            <a:xfrm>
-              <a:off x="2239424" y="4321337"/>
-              <a:ext cx="2290820" cy="369332"/>
-            </a:xfrm>
-            <a:prstGeom prst="rect">
-              <a:avLst/>
-            </a:prstGeom>
-            <a:noFill/>
-          </p:spPr>
-          <p:txBody>
-            <a:bodyPr wrap="none" rtlCol="0">
-              <a:spAutoFit/>
-            </a:bodyPr>
-            <a:lstStyle/>
-            <a:p>
-              <a:r>
-                <a:rPr lang="en-US" dirty="0"/>
-                <a:t>Fixed tolerance radius</a:t>
-              </a:r>
-            </a:p>
-          </p:txBody>
-        </p:sp>
+        <mc:AlternateContent xmlns:mc="http://schemas.openxmlformats.org/markup-compatibility/2006">
+          <mc:Choice xmlns:a14="http://schemas.microsoft.com/office/drawing/2010/main" Requires="a14">
+            <p:sp>
+              <p:nvSpPr>
+                <p:cNvPr id="44" name="TextBox 43"/>
+                <p:cNvSpPr txBox="1"/>
+                <p:nvPr/>
+              </p:nvSpPr>
+              <p:spPr>
+                <a:xfrm>
+                  <a:off x="2239424" y="4321337"/>
+                  <a:ext cx="3185629" cy="485519"/>
+                </a:xfrm>
+                <a:prstGeom prst="rect">
+                  <a:avLst/>
+                </a:prstGeom>
+                <a:noFill/>
+              </p:spPr>
+              <p:txBody>
+                <a:bodyPr wrap="none" rtlCol="0">
+                  <a:spAutoFit/>
+                </a:bodyPr>
+                <a:lstStyle/>
+                <a:p>
+                  <a:r>
+                    <a:rPr lang="en-US" dirty="0"/>
+                    <a:t>Fixed tolerance radius </a:t>
+                  </a:r>
+                  <a14:m>
+                    <m:oMath xmlns:m="http://schemas.openxmlformats.org/officeDocument/2006/math">
+                      <m:r>
+                        <a:rPr lang="en-US" b="0" i="1" smtClean="0">
+                          <a:latin typeface="Cambria Math" panose="02040503050406030204" pitchFamily="18" charset="0"/>
+                        </a:rPr>
+                        <m:t>𝛿</m:t>
+                      </m:r>
+                    </m:oMath>
+                  </a14:m>
+                  <a:endParaRPr lang="en-US" dirty="0"/>
+                </a:p>
+              </p:txBody>
+            </p:sp>
+          </mc:Choice>
+          <mc:Fallback>
+            <p:sp>
+              <p:nvSpPr>
+                <p:cNvPr id="44" name="TextBox 43"/>
+                <p:cNvSpPr txBox="1">
+                  <a:spLocks noRot="1" noChangeAspect="1" noMove="1" noResize="1" noEditPoints="1" noAdjustHandles="1" noChangeArrowheads="1" noChangeShapeType="1" noTextEdit="1"/>
+                </p:cNvSpPr>
+                <p:nvPr/>
+              </p:nvSpPr>
+              <p:spPr>
+                <a:xfrm>
+                  <a:off x="2239424" y="4321337"/>
+                  <a:ext cx="3185629" cy="485519"/>
+                </a:xfrm>
+                <a:prstGeom prst="rect">
+                  <a:avLst/>
+                </a:prstGeom>
+                <a:blipFill>
+                  <a:blip r:embed="rId2"/>
+                  <a:stretch>
+                    <a:fillRect l="-2267" t="-10000" b="-26667"/>
+                  </a:stretch>
+                </a:blipFill>
+              </p:spPr>
+              <p:txBody>
+                <a:bodyPr/>
+                <a:lstStyle/>
+                <a:p>
+                  <a:r>
+                    <a:rPr lang="en-IL">
+                      <a:noFill/>
+                    </a:rPr>
+                    <a:t> </a:t>
+                  </a:r>
+                </a:p>
+              </p:txBody>
+            </p:sp>
+          </mc:Fallback>
+        </mc:AlternateContent>
       </p:grpSp>
       <p:grpSp>
         <p:nvGrpSpPr>
@@ -10844,7 +12323,7 @@
           <p:nvPr/>
         </p:nvPicPr>
         <p:blipFill>
-          <a:blip r:embed="rId2"/>
+          <a:blip r:embed="rId3"/>
           <a:stretch>
             <a:fillRect/>
           </a:stretch>
@@ -10882,7 +12361,7 @@
           <a:p>
             <a:fld id="{6A66ABA5-9194-4D3A-A872-2D6AFFA2C838}" type="slidenum">
               <a:rPr lang="en-US" smtClean="0"/>
-              <a:t>15</a:t>
+              <a:t>16</a:t>
             </a:fld>
             <a:endParaRPr lang="en-US" dirty="0"/>
           </a:p>
@@ -10901,7 +12380,7 @@
 </p:sld>
 </file>
 
-<file path=ppt/slides/slide16.xml><?xml version="1.0" encoding="utf-8"?>
+<file path=ppt/slides/slide17.xml><?xml version="1.0" encoding="utf-8"?>
 <p:sld xmlns:a="http://schemas.openxmlformats.org/drawingml/2006/main" xmlns:r="http://schemas.openxmlformats.org/officeDocument/2006/relationships" xmlns:p="http://schemas.openxmlformats.org/presentationml/2006/main">
   <p:cSld>
     <p:spTree>
@@ -10948,8 +12427,8 @@
           </a:prstGeom>
         </p:spPr>
       </p:pic>
-      <mc:AlternateContent xmlns:mc="http://schemas.openxmlformats.org/markup-compatibility/2006">
-        <mc:Choice xmlns:a14="http://schemas.microsoft.com/office/drawing/2010/main" Requires="a14">
+      <mc:AlternateContent xmlns:mc="http://schemas.openxmlformats.org/markup-compatibility/2006" xmlns:a14="http://schemas.microsoft.com/office/drawing/2010/main">
+        <mc:Choice Requires="a14">
           <p:sp>
             <p:nvSpPr>
               <p:cNvPr id="2" name="TextBox 1">
@@ -11016,7 +12495,7 @@
             </p:txBody>
           </p:sp>
         </mc:Choice>
-        <mc:Fallback>
+        <mc:Fallback xmlns="">
           <p:sp>
             <p:nvSpPr>
               <p:cNvPr id="2" name="TextBox 1">
@@ -11084,7 +12563,7 @@
           <a:p>
             <a:fld id="{6A66ABA5-9194-4D3A-A872-2D6AFFA2C838}" type="slidenum">
               <a:rPr lang="en-US" smtClean="0"/>
-              <a:t>16</a:t>
+              <a:t>17</a:t>
             </a:fld>
             <a:endParaRPr lang="en-US" dirty="0"/>
           </a:p>
@@ -11103,7 +12582,292 @@
 </p:sld>
 </file>
 
-<file path=ppt/slides/slide17.xml><?xml version="1.0" encoding="utf-8"?>
+<file path=ppt/slides/slide18.xml><?xml version="1.0" encoding="utf-8"?>
+<p:sld xmlns:a="http://schemas.openxmlformats.org/drawingml/2006/main" xmlns:r="http://schemas.openxmlformats.org/officeDocument/2006/relationships" xmlns:p="http://schemas.openxmlformats.org/presentationml/2006/main">
+  <p:cSld>
+    <p:spTree>
+      <p:nvGrpSpPr>
+        <p:cNvPr id="1" name=""/>
+        <p:cNvGrpSpPr/>
+        <p:nvPr/>
+      </p:nvGrpSpPr>
+      <p:grpSpPr>
+        <a:xfrm>
+          <a:off x="0" y="0"/>
+          <a:ext cx="0" cy="0"/>
+          <a:chOff x="0" y="0"/>
+          <a:chExt cx="0" cy="0"/>
+        </a:xfrm>
+      </p:grpSpPr>
+      <p:sp>
+        <p:nvSpPr>
+          <p:cNvPr id="4" name="Slide Number Placeholder 3">
+            <a:extLst>
+              <a:ext uri="{FF2B5EF4-FFF2-40B4-BE49-F238E27FC236}">
+                <a16:creationId xmlns:a16="http://schemas.microsoft.com/office/drawing/2014/main" id="{DD19D2A0-87A4-48B8-A3E9-9BF8390D3B92}"/>
+              </a:ext>
+            </a:extLst>
+          </p:cNvPr>
+          <p:cNvSpPr>
+            <a:spLocks noGrp="1"/>
+          </p:cNvSpPr>
+          <p:nvPr>
+            <p:ph type="sldNum" sz="quarter" idx="12"/>
+          </p:nvPr>
+        </p:nvSpPr>
+        <p:spPr/>
+        <p:txBody>
+          <a:bodyPr/>
+          <a:lstStyle/>
+          <a:p>
+            <a:fld id="{6A66ABA5-9194-4D3A-A872-2D6AFFA2C838}" type="slidenum">
+              <a:rPr lang="en-US" smtClean="0"/>
+              <a:t>18</a:t>
+            </a:fld>
+            <a:endParaRPr lang="en-US" dirty="0"/>
+          </a:p>
+        </p:txBody>
+      </p:sp>
+      <p:pic>
+        <p:nvPicPr>
+          <p:cNvPr id="6" name="Picture 5">
+            <a:extLst>
+              <a:ext uri="{FF2B5EF4-FFF2-40B4-BE49-F238E27FC236}">
+                <a16:creationId xmlns:a16="http://schemas.microsoft.com/office/drawing/2014/main" id="{44E81205-A04D-40E9-BD16-CA6616A224FC}"/>
+              </a:ext>
+            </a:extLst>
+          </p:cNvPr>
+          <p:cNvPicPr>
+            <a:picLocks noChangeAspect="1"/>
+          </p:cNvPicPr>
+          <p:nvPr/>
+        </p:nvPicPr>
+        <p:blipFill rotWithShape="1">
+          <a:blip r:embed="rId2"/>
+          <a:srcRect l="2648" t="1731" r="3484" b="2692"/>
+          <a:stretch/>
+        </p:blipFill>
+        <p:spPr>
+          <a:xfrm>
+            <a:off x="619125" y="949457"/>
+            <a:ext cx="10183637" cy="5489444"/>
+          </a:xfrm>
+          <a:prstGeom prst="rect">
+            <a:avLst/>
+          </a:prstGeom>
+        </p:spPr>
+      </p:pic>
+      <mc:AlternateContent xmlns:mc="http://schemas.openxmlformats.org/markup-compatibility/2006">
+        <mc:Choice xmlns:a14="http://schemas.microsoft.com/office/drawing/2010/main" Requires="a14">
+          <p:sp>
+            <p:nvSpPr>
+              <p:cNvPr id="7" name="TextBox 6">
+                <a:extLst>
+                  <a:ext uri="{FF2B5EF4-FFF2-40B4-BE49-F238E27FC236}">
+                    <a16:creationId xmlns:a16="http://schemas.microsoft.com/office/drawing/2014/main" id="{47041A09-5D6A-4157-ABD1-64215D0CD885}"/>
+                  </a:ext>
+                </a:extLst>
+              </p:cNvPr>
+              <p:cNvSpPr txBox="1"/>
+              <p:nvPr/>
+            </p:nvSpPr>
+            <p:spPr>
+              <a:xfrm>
+                <a:off x="962025" y="426237"/>
+                <a:ext cx="9314409" cy="523220"/>
+              </a:xfrm>
+              <a:prstGeom prst="rect">
+                <a:avLst/>
+              </a:prstGeom>
+              <a:noFill/>
+            </p:spPr>
+            <p:txBody>
+              <a:bodyPr wrap="none" rtlCol="0">
+                <a:spAutoFit/>
+              </a:bodyPr>
+              <a:lstStyle/>
+              <a:p>
+                <a:r>
+                  <a:rPr lang="en-US" sz="2800" dirty="0"/>
+                  <a:t>Panorama with </a:t>
+                </a:r>
+                <a14:m>
+                  <m:oMath xmlns:m="http://schemas.openxmlformats.org/officeDocument/2006/math">
+                    <m:sSub>
+                      <m:sSubPr>
+                        <m:ctrlPr>
+                          <a:rPr lang="en-US" sz="2800" b="0" i="1" smtClean="0">
+                            <a:latin typeface="Cambria Math" panose="02040503050406030204" pitchFamily="18" charset="0"/>
+                          </a:rPr>
+                        </m:ctrlPr>
+                      </m:sSubPr>
+                      <m:e>
+                        <m:r>
+                          <a:rPr lang="en-US" sz="2800" b="0" i="1" smtClean="0">
+                            <a:latin typeface="Cambria Math" panose="02040503050406030204" pitchFamily="18" charset="0"/>
+                          </a:rPr>
+                          <m:t>𝐻</m:t>
+                        </m:r>
+                      </m:e>
+                      <m:sub>
+                        <m:r>
+                          <a:rPr lang="en-US" sz="2800" b="0" i="1" smtClean="0">
+                            <a:latin typeface="Cambria Math" panose="02040503050406030204" pitchFamily="18" charset="0"/>
+                          </a:rPr>
+                          <m:t>𝑆𝑜𝑚𝑒𝑜𝑛𝑒</m:t>
+                        </m:r>
+                        <m:r>
+                          <a:rPr lang="en-US" sz="2800" b="0" i="1" smtClean="0">
+                            <a:latin typeface="Cambria Math" panose="02040503050406030204" pitchFamily="18" charset="0"/>
+                          </a:rPr>
+                          <m:t> </m:t>
+                        </m:r>
+                        <m:r>
+                          <a:rPr lang="en-US" sz="2800" b="0" i="1" smtClean="0">
+                            <a:latin typeface="Cambria Math" panose="02040503050406030204" pitchFamily="18" charset="0"/>
+                          </a:rPr>
+                          <m:t>𝑡h𝑎𝑡</m:t>
+                        </m:r>
+                        <m:r>
+                          <a:rPr lang="en-US" sz="2800" b="0" i="1" smtClean="0">
+                            <a:latin typeface="Cambria Math" panose="02040503050406030204" pitchFamily="18" charset="0"/>
+                          </a:rPr>
+                          <m:t> </m:t>
+                        </m:r>
+                        <m:r>
+                          <a:rPr lang="en-US" sz="2800" b="0" i="1" smtClean="0">
+                            <a:latin typeface="Cambria Math" panose="02040503050406030204" pitchFamily="18" charset="0"/>
+                          </a:rPr>
+                          <m:t>𝑤𝑒</m:t>
+                        </m:r>
+                        <m:r>
+                          <a:rPr lang="en-US" sz="2800" b="0" i="1" smtClean="0">
+                            <a:latin typeface="Cambria Math" panose="02040503050406030204" pitchFamily="18" charset="0"/>
+                          </a:rPr>
+                          <m:t> </m:t>
+                        </m:r>
+                        <m:r>
+                          <a:rPr lang="en-US" sz="2800" b="0" i="1" smtClean="0">
+                            <a:latin typeface="Cambria Math" panose="02040503050406030204" pitchFamily="18" charset="0"/>
+                          </a:rPr>
+                          <m:t>h𝑎𝑣𝑒</m:t>
+                        </m:r>
+                        <m:r>
+                          <a:rPr lang="en-US" sz="2800" b="0" i="1" smtClean="0">
+                            <a:latin typeface="Cambria Math" panose="02040503050406030204" pitchFamily="18" charset="0"/>
+                          </a:rPr>
+                          <m:t> </m:t>
+                        </m:r>
+                        <m:r>
+                          <a:rPr lang="en-US" sz="2800" b="0" i="1" smtClean="0">
+                            <a:latin typeface="Cambria Math" panose="02040503050406030204" pitchFamily="18" charset="0"/>
+                          </a:rPr>
+                          <m:t>𝑛𝑜</m:t>
+                        </m:r>
+                        <m:r>
+                          <a:rPr lang="en-US" sz="2800" b="0" i="1" smtClean="0">
+                            <a:latin typeface="Cambria Math" panose="02040503050406030204" pitchFamily="18" charset="0"/>
+                          </a:rPr>
+                          <m:t> </m:t>
+                        </m:r>
+                        <m:r>
+                          <a:rPr lang="en-US" sz="2800" b="0" i="1" smtClean="0">
+                            <a:latin typeface="Cambria Math" panose="02040503050406030204" pitchFamily="18" charset="0"/>
+                          </a:rPr>
+                          <m:t>𝑟𝑒𝑙𝑎𝑡𝑖𝑜𝑛𝑠</m:t>
+                        </m:r>
+                        <m:r>
+                          <a:rPr lang="en-US" sz="2800" b="0" i="1" smtClean="0">
+                            <a:latin typeface="Cambria Math" panose="02040503050406030204" pitchFamily="18" charset="0"/>
+                          </a:rPr>
+                          <m:t> </m:t>
+                        </m:r>
+                        <m:r>
+                          <a:rPr lang="en-US" sz="2800" b="0" i="1" smtClean="0">
+                            <a:latin typeface="Cambria Math" panose="02040503050406030204" pitchFamily="18" charset="0"/>
+                          </a:rPr>
+                          <m:t>𝑡𝑜</m:t>
+                        </m:r>
+                        <m:r>
+                          <a:rPr lang="en-US" sz="2800" b="0" i="1" smtClean="0">
+                            <a:latin typeface="Cambria Math" panose="02040503050406030204" pitchFamily="18" charset="0"/>
+                          </a:rPr>
+                          <m:t> </m:t>
+                        </m:r>
+                        <m:r>
+                          <a:rPr lang="en-US" sz="2800" b="0" i="1" smtClean="0">
+                            <a:latin typeface="Cambria Math" panose="02040503050406030204" pitchFamily="18" charset="0"/>
+                          </a:rPr>
+                          <m:t>𝑤h𝑎𝑡𝑠𝑜𝑒𝑣𝑒𝑟</m:t>
+                        </m:r>
+                      </m:sub>
+                    </m:sSub>
+                  </m:oMath>
+                </a14:m>
+                <a:endParaRPr lang="en-IL" sz="2800" dirty="0"/>
+              </a:p>
+            </p:txBody>
+          </p:sp>
+        </mc:Choice>
+        <mc:Fallback>
+          <p:sp>
+            <p:nvSpPr>
+              <p:cNvPr id="7" name="TextBox 6">
+                <a:extLst>
+                  <a:ext uri="{FF2B5EF4-FFF2-40B4-BE49-F238E27FC236}">
+                    <a16:creationId xmlns:a16="http://schemas.microsoft.com/office/drawing/2014/main" id="{47041A09-5D6A-4157-ABD1-64215D0CD885}"/>
+                  </a:ext>
+                </a:extLst>
+              </p:cNvPr>
+              <p:cNvSpPr txBox="1">
+                <a:spLocks noRot="1" noChangeAspect="1" noMove="1" noResize="1" noEditPoints="1" noAdjustHandles="1" noChangeArrowheads="1" noChangeShapeType="1" noTextEdit="1"/>
+              </p:cNvSpPr>
+              <p:nvPr/>
+            </p:nvSpPr>
+            <p:spPr>
+              <a:xfrm>
+                <a:off x="962025" y="426237"/>
+                <a:ext cx="9314409" cy="523220"/>
+              </a:xfrm>
+              <a:prstGeom prst="rect">
+                <a:avLst/>
+              </a:prstGeom>
+              <a:blipFill>
+                <a:blip r:embed="rId3"/>
+                <a:stretch>
+                  <a:fillRect l="-1374" t="-11628" b="-32558"/>
+                </a:stretch>
+              </a:blipFill>
+            </p:spPr>
+            <p:txBody>
+              <a:bodyPr/>
+              <a:lstStyle/>
+              <a:p>
+                <a:r>
+                  <a:rPr lang="en-IL">
+                    <a:noFill/>
+                  </a:rPr>
+                  <a:t> </a:t>
+                </a:r>
+              </a:p>
+            </p:txBody>
+          </p:sp>
+        </mc:Fallback>
+      </mc:AlternateContent>
+    </p:spTree>
+    <p:extLst>
+      <p:ext uri="{BB962C8B-B14F-4D97-AF65-F5344CB8AC3E}">
+        <p14:creationId xmlns:p14="http://schemas.microsoft.com/office/powerpoint/2010/main" val="1812182430"/>
+      </p:ext>
+    </p:extLst>
+  </p:cSld>
+  <p:clrMapOvr>
+    <a:masterClrMapping/>
+  </p:clrMapOvr>
+</p:sld>
+</file>
+
+<file path=ppt/slides/slide19.xml><?xml version="1.0" encoding="utf-8"?>
 <p:sld xmlns:a="http://schemas.openxmlformats.org/drawingml/2006/main" xmlns:r="http://schemas.openxmlformats.org/officeDocument/2006/relationships" xmlns:p="http://schemas.openxmlformats.org/presentationml/2006/main">
   <p:cSld>
     <p:spTree>
@@ -11122,10 +12886,10 @@
       </p:grpSpPr>
       <p:pic>
         <p:nvPicPr>
-          <p:cNvPr id="5" name="Picture 4">
+          <p:cNvPr id="13" name="Picture 12">
             <a:extLst>
               <a:ext uri="{FF2B5EF4-FFF2-40B4-BE49-F238E27FC236}">
-                <a16:creationId xmlns:a16="http://schemas.microsoft.com/office/drawing/2014/main" id="{785DC58B-84FA-4C9B-BC13-38C47062D2E5}"/>
+                <a16:creationId xmlns:a16="http://schemas.microsoft.com/office/drawing/2014/main" id="{C1A9E115-D66E-4F22-B787-8857032CEC43}"/>
               </a:ext>
             </a:extLst>
           </p:cNvPr>
@@ -11142,8 +12906,8 @@
         </p:blipFill>
         <p:spPr>
           <a:xfrm>
-            <a:off x="4940476" y="825123"/>
-            <a:ext cx="6404558" cy="5353482"/>
+            <a:off x="647702" y="390525"/>
+            <a:ext cx="10401298" cy="6221236"/>
           </a:xfrm>
           <a:prstGeom prst="rect">
             <a:avLst/>
@@ -11152,67 +12916,10 @@
       </p:pic>
       <p:sp>
         <p:nvSpPr>
-          <p:cNvPr id="6" name="TextBox 5">
+          <p:cNvPr id="4" name="Slide Number Placeholder 3">
             <a:extLst>
               <a:ext uri="{FF2B5EF4-FFF2-40B4-BE49-F238E27FC236}">
-                <a16:creationId xmlns:a16="http://schemas.microsoft.com/office/drawing/2014/main" id="{92F0BF00-6078-4679-A727-3CA7EDD465E6}"/>
-              </a:ext>
-            </a:extLst>
-          </p:cNvPr>
-          <p:cNvSpPr txBox="1"/>
-          <p:nvPr/>
-        </p:nvSpPr>
-        <p:spPr>
-          <a:xfrm>
-            <a:off x="369283" y="1101348"/>
-            <a:ext cx="4183667" cy="3539430"/>
-          </a:xfrm>
-          <a:prstGeom prst="rect">
-            <a:avLst/>
-          </a:prstGeom>
-          <a:noFill/>
-        </p:spPr>
-        <p:txBody>
-          <a:bodyPr wrap="square" rtlCol="0">
-            <a:spAutoFit/>
-          </a:bodyPr>
-          <a:lstStyle/>
-          <a:p>
-            <a:r>
-              <a:rPr lang="en-US" sz="3200" dirty="0">
-                <a:latin typeface="Arial" panose="020B0604020202020204" pitchFamily="34" charset="0"/>
-                <a:cs typeface="Arial" panose="020B0604020202020204" pitchFamily="34" charset="0"/>
-              </a:rPr>
-              <a:t>Further insight:</a:t>
-            </a:r>
-          </a:p>
-          <a:p>
-            <a:endParaRPr lang="en-US" sz="3200" dirty="0">
-              <a:latin typeface="Arial" panose="020B0604020202020204" pitchFamily="34" charset="0"/>
-              <a:cs typeface="Arial" panose="020B0604020202020204" pitchFamily="34" charset="0"/>
-            </a:endParaRPr>
-          </a:p>
-          <a:p>
-            <a:r>
-              <a:rPr lang="en-US" sz="3200" dirty="0">
-                <a:latin typeface="Arial" panose="020B0604020202020204" pitchFamily="34" charset="0"/>
-                <a:cs typeface="Arial" panose="020B0604020202020204" pitchFamily="34" charset="0"/>
-              </a:rPr>
-              <a:t>RANSAC is a robust loss function, and there is a whole field of research dedicated to those.</a:t>
-            </a:r>
-            <a:endParaRPr lang="en-IL" sz="3200" dirty="0">
-              <a:latin typeface="Arial" panose="020B0604020202020204" pitchFamily="34" charset="0"/>
-              <a:cs typeface="Arial" panose="020B0604020202020204" pitchFamily="34" charset="0"/>
-            </a:endParaRPr>
-          </a:p>
-        </p:txBody>
-      </p:sp>
-      <p:sp>
-        <p:nvSpPr>
-          <p:cNvPr id="2" name="Slide Number Placeholder 1">
-            <a:extLst>
-              <a:ext uri="{FF2B5EF4-FFF2-40B4-BE49-F238E27FC236}">
-                <a16:creationId xmlns:a16="http://schemas.microsoft.com/office/drawing/2014/main" id="{49AA53CA-B0ED-4EF5-A036-8A23190C5586}"/>
+                <a16:creationId xmlns:a16="http://schemas.microsoft.com/office/drawing/2014/main" id="{39794EE6-0747-4DCD-9C85-36470D64878E}"/>
               </a:ext>
             </a:extLst>
           </p:cNvPr>
@@ -11230,22 +12937,495 @@
           <a:p>
             <a:fld id="{6A66ABA5-9194-4D3A-A872-2D6AFFA2C838}" type="slidenum">
               <a:rPr lang="en-US" smtClean="0"/>
-              <a:t>17</a:t>
+              <a:t>19</a:t>
             </a:fld>
             <a:endParaRPr lang="en-US" dirty="0"/>
           </a:p>
         </p:txBody>
       </p:sp>
+      <p:cxnSp>
+        <p:nvCxnSpPr>
+          <p:cNvPr id="8" name="Straight Arrow Connector 7">
+            <a:extLst>
+              <a:ext uri="{FF2B5EF4-FFF2-40B4-BE49-F238E27FC236}">
+                <a16:creationId xmlns:a16="http://schemas.microsoft.com/office/drawing/2014/main" id="{C422B5E9-7418-4B95-919E-C972539131E6}"/>
+              </a:ext>
+            </a:extLst>
+          </p:cNvPr>
+          <p:cNvCxnSpPr/>
+          <p:nvPr/>
+        </p:nvCxnSpPr>
+        <p:spPr>
+          <a:xfrm flipH="1">
+            <a:off x="3976687" y="923925"/>
+            <a:ext cx="4238625" cy="0"/>
+          </a:xfrm>
+          <a:prstGeom prst="straightConnector1">
+            <a:avLst/>
+          </a:prstGeom>
+          <a:ln w="76200">
+            <a:solidFill>
+              <a:srgbClr val="FFC000"/>
+            </a:solidFill>
+            <a:tailEnd type="triangle"/>
+          </a:ln>
+        </p:spPr>
+        <p:style>
+          <a:lnRef idx="1">
+            <a:schemeClr val="accent1"/>
+          </a:lnRef>
+          <a:fillRef idx="0">
+            <a:schemeClr val="accent1"/>
+          </a:fillRef>
+          <a:effectRef idx="0">
+            <a:schemeClr val="accent1"/>
+          </a:effectRef>
+          <a:fontRef idx="minor">
+            <a:schemeClr val="tx1"/>
+          </a:fontRef>
+        </p:style>
+      </p:cxnSp>
+      <p:cxnSp>
+        <p:nvCxnSpPr>
+          <p:cNvPr id="9" name="Straight Arrow Connector 8">
+            <a:extLst>
+              <a:ext uri="{FF2B5EF4-FFF2-40B4-BE49-F238E27FC236}">
+                <a16:creationId xmlns:a16="http://schemas.microsoft.com/office/drawing/2014/main" id="{025F2ED4-1A1F-41FF-AE68-A376A5C86C80}"/>
+              </a:ext>
+            </a:extLst>
+          </p:cNvPr>
+          <p:cNvCxnSpPr>
+            <a:cxnSpLocks/>
+          </p:cNvCxnSpPr>
+          <p:nvPr/>
+        </p:nvCxnSpPr>
+        <p:spPr>
+          <a:xfrm flipH="1">
+            <a:off x="7572375" y="2209800"/>
+            <a:ext cx="3476625" cy="0"/>
+          </a:xfrm>
+          <a:prstGeom prst="straightConnector1">
+            <a:avLst/>
+          </a:prstGeom>
+          <a:ln w="76200">
+            <a:solidFill>
+              <a:srgbClr val="FFC000"/>
+            </a:solidFill>
+            <a:tailEnd type="triangle"/>
+          </a:ln>
+        </p:spPr>
+        <p:style>
+          <a:lnRef idx="1">
+            <a:schemeClr val="accent1"/>
+          </a:lnRef>
+          <a:fillRef idx="0">
+            <a:schemeClr val="accent1"/>
+          </a:fillRef>
+          <a:effectRef idx="0">
+            <a:schemeClr val="accent1"/>
+          </a:effectRef>
+          <a:fontRef idx="minor">
+            <a:schemeClr val="tx1"/>
+          </a:fontRef>
+        </p:style>
+      </p:cxnSp>
+      <p:cxnSp>
+        <p:nvCxnSpPr>
+          <p:cNvPr id="15" name="Straight Arrow Connector 14">
+            <a:extLst>
+              <a:ext uri="{FF2B5EF4-FFF2-40B4-BE49-F238E27FC236}">
+                <a16:creationId xmlns:a16="http://schemas.microsoft.com/office/drawing/2014/main" id="{30EA0AA8-EEC7-44A1-AADE-7714BA0CF7AF}"/>
+              </a:ext>
+            </a:extLst>
+          </p:cNvPr>
+          <p:cNvCxnSpPr>
+            <a:cxnSpLocks/>
+          </p:cNvCxnSpPr>
+          <p:nvPr/>
+        </p:nvCxnSpPr>
+        <p:spPr>
+          <a:xfrm flipH="1">
+            <a:off x="6257926" y="3190875"/>
+            <a:ext cx="4238624" cy="0"/>
+          </a:xfrm>
+          <a:prstGeom prst="straightConnector1">
+            <a:avLst/>
+          </a:prstGeom>
+          <a:ln w="76200">
+            <a:solidFill>
+              <a:srgbClr val="FFC000"/>
+            </a:solidFill>
+            <a:tailEnd type="triangle"/>
+          </a:ln>
+        </p:spPr>
+        <p:style>
+          <a:lnRef idx="1">
+            <a:schemeClr val="accent1"/>
+          </a:lnRef>
+          <a:fillRef idx="0">
+            <a:schemeClr val="accent1"/>
+          </a:fillRef>
+          <a:effectRef idx="0">
+            <a:schemeClr val="accent1"/>
+          </a:effectRef>
+          <a:fontRef idx="minor">
+            <a:schemeClr val="tx1"/>
+          </a:fontRef>
+        </p:style>
+      </p:cxnSp>
+      <p:cxnSp>
+        <p:nvCxnSpPr>
+          <p:cNvPr id="17" name="Straight Arrow Connector 16">
+            <a:extLst>
+              <a:ext uri="{FF2B5EF4-FFF2-40B4-BE49-F238E27FC236}">
+                <a16:creationId xmlns:a16="http://schemas.microsoft.com/office/drawing/2014/main" id="{6D8F7441-2D11-4366-A1A1-3D76349A99C2}"/>
+              </a:ext>
+            </a:extLst>
+          </p:cNvPr>
+          <p:cNvCxnSpPr>
+            <a:cxnSpLocks/>
+          </p:cNvCxnSpPr>
+          <p:nvPr/>
+        </p:nvCxnSpPr>
+        <p:spPr>
+          <a:xfrm flipH="1">
+            <a:off x="8091487" y="4448175"/>
+            <a:ext cx="3262313" cy="0"/>
+          </a:xfrm>
+          <a:prstGeom prst="straightConnector1">
+            <a:avLst/>
+          </a:prstGeom>
+          <a:ln w="76200">
+            <a:solidFill>
+              <a:srgbClr val="FFC000"/>
+            </a:solidFill>
+            <a:tailEnd type="triangle"/>
+          </a:ln>
+        </p:spPr>
+        <p:style>
+          <a:lnRef idx="1">
+            <a:schemeClr val="accent1"/>
+          </a:lnRef>
+          <a:fillRef idx="0">
+            <a:schemeClr val="accent1"/>
+          </a:fillRef>
+          <a:effectRef idx="0">
+            <a:schemeClr val="accent1"/>
+          </a:effectRef>
+          <a:fontRef idx="minor">
+            <a:schemeClr val="tx1"/>
+          </a:fontRef>
+        </p:style>
+      </p:cxnSp>
+      <p:cxnSp>
+        <p:nvCxnSpPr>
+          <p:cNvPr id="19" name="Straight Arrow Connector 18">
+            <a:extLst>
+              <a:ext uri="{FF2B5EF4-FFF2-40B4-BE49-F238E27FC236}">
+                <a16:creationId xmlns:a16="http://schemas.microsoft.com/office/drawing/2014/main" id="{02E8847E-4C96-47D6-8BCE-9359E1BE00C5}"/>
+              </a:ext>
+            </a:extLst>
+          </p:cNvPr>
+          <p:cNvCxnSpPr>
+            <a:cxnSpLocks/>
+          </p:cNvCxnSpPr>
+          <p:nvPr/>
+        </p:nvCxnSpPr>
+        <p:spPr>
+          <a:xfrm flipH="1">
+            <a:off x="7877175" y="5191125"/>
+            <a:ext cx="3262313" cy="0"/>
+          </a:xfrm>
+          <a:prstGeom prst="straightConnector1">
+            <a:avLst/>
+          </a:prstGeom>
+          <a:ln w="76200">
+            <a:solidFill>
+              <a:srgbClr val="FFC000"/>
+            </a:solidFill>
+            <a:tailEnd type="triangle"/>
+          </a:ln>
+        </p:spPr>
+        <p:style>
+          <a:lnRef idx="1">
+            <a:schemeClr val="accent1"/>
+          </a:lnRef>
+          <a:fillRef idx="0">
+            <a:schemeClr val="accent1"/>
+          </a:fillRef>
+          <a:effectRef idx="0">
+            <a:schemeClr val="accent1"/>
+          </a:effectRef>
+          <a:fontRef idx="minor">
+            <a:schemeClr val="tx1"/>
+          </a:fontRef>
+        </p:style>
+      </p:cxnSp>
     </p:spTree>
     <p:extLst>
       <p:ext uri="{BB962C8B-B14F-4D97-AF65-F5344CB8AC3E}">
-        <p14:creationId xmlns:p14="http://schemas.microsoft.com/office/powerpoint/2010/main" val="1578166115"/>
+        <p14:creationId xmlns:p14="http://schemas.microsoft.com/office/powerpoint/2010/main" val="1077721889"/>
       </p:ext>
     </p:extLst>
   </p:cSld>
   <p:clrMapOvr>
     <a:masterClrMapping/>
   </p:clrMapOvr>
+  <p:timing>
+    <p:tnLst>
+      <p:par>
+        <p:cTn id="1" dur="indefinite" restart="never" nodeType="tmRoot">
+          <p:childTnLst>
+            <p:seq concurrent="1" nextAc="seek">
+              <p:cTn id="2" dur="indefinite" nodeType="mainSeq">
+                <p:childTnLst>
+                  <p:par>
+                    <p:cTn id="3" fill="hold">
+                      <p:stCondLst>
+                        <p:cond delay="indefinite"/>
+                      </p:stCondLst>
+                      <p:childTnLst>
+                        <p:par>
+                          <p:cTn id="4" fill="hold">
+                            <p:stCondLst>
+                              <p:cond delay="0"/>
+                            </p:stCondLst>
+                            <p:childTnLst>
+                              <p:par>
+                                <p:cTn id="5" presetID="1" presetClass="entr" presetSubtype="0" fill="hold" nodeType="clickEffect">
+                                  <p:stCondLst>
+                                    <p:cond delay="0"/>
+                                  </p:stCondLst>
+                                  <p:childTnLst>
+                                    <p:set>
+                                      <p:cBhvr>
+                                        <p:cTn id="6" dur="1" fill="hold">
+                                          <p:stCondLst>
+                                            <p:cond delay="0"/>
+                                          </p:stCondLst>
+                                        </p:cTn>
+                                        <p:tgtEl>
+                                          <p:spTgt spid="8"/>
+                                        </p:tgtEl>
+                                        <p:attrNameLst>
+                                          <p:attrName>style.visibility</p:attrName>
+                                        </p:attrNameLst>
+                                      </p:cBhvr>
+                                      <p:to>
+                                        <p:strVal val="visible"/>
+                                      </p:to>
+                                    </p:set>
+                                  </p:childTnLst>
+                                </p:cTn>
+                              </p:par>
+                            </p:childTnLst>
+                          </p:cTn>
+                        </p:par>
+                      </p:childTnLst>
+                    </p:cTn>
+                  </p:par>
+                  <p:par>
+                    <p:cTn id="7" fill="hold">
+                      <p:stCondLst>
+                        <p:cond delay="indefinite"/>
+                      </p:stCondLst>
+                      <p:childTnLst>
+                        <p:par>
+                          <p:cTn id="8" fill="hold">
+                            <p:stCondLst>
+                              <p:cond delay="0"/>
+                            </p:stCondLst>
+                            <p:childTnLst>
+                              <p:par>
+                                <p:cTn id="9" presetID="1" presetClass="entr" presetSubtype="0" fill="hold" nodeType="clickEffect">
+                                  <p:stCondLst>
+                                    <p:cond delay="0"/>
+                                  </p:stCondLst>
+                                  <p:childTnLst>
+                                    <p:set>
+                                      <p:cBhvr>
+                                        <p:cTn id="10" dur="1" fill="hold">
+                                          <p:stCondLst>
+                                            <p:cond delay="0"/>
+                                          </p:stCondLst>
+                                        </p:cTn>
+                                        <p:tgtEl>
+                                          <p:spTgt spid="9"/>
+                                        </p:tgtEl>
+                                        <p:attrNameLst>
+                                          <p:attrName>style.visibility</p:attrName>
+                                        </p:attrNameLst>
+                                      </p:cBhvr>
+                                      <p:to>
+                                        <p:strVal val="visible"/>
+                                      </p:to>
+                                    </p:set>
+                                  </p:childTnLst>
+                                </p:cTn>
+                              </p:par>
+                            </p:childTnLst>
+                          </p:cTn>
+                        </p:par>
+                      </p:childTnLst>
+                    </p:cTn>
+                  </p:par>
+                  <p:par>
+                    <p:cTn id="11" fill="hold">
+                      <p:stCondLst>
+                        <p:cond delay="indefinite"/>
+                      </p:stCondLst>
+                      <p:childTnLst>
+                        <p:par>
+                          <p:cTn id="12" fill="hold">
+                            <p:stCondLst>
+                              <p:cond delay="0"/>
+                            </p:stCondLst>
+                            <p:childTnLst>
+                              <p:par>
+                                <p:cTn id="13" presetID="1" presetClass="entr" presetSubtype="0" fill="hold" nodeType="clickEffect">
+                                  <p:stCondLst>
+                                    <p:cond delay="0"/>
+                                  </p:stCondLst>
+                                  <p:childTnLst>
+                                    <p:set>
+                                      <p:cBhvr>
+                                        <p:cTn id="14" dur="1" fill="hold">
+                                          <p:stCondLst>
+                                            <p:cond delay="0"/>
+                                          </p:stCondLst>
+                                        </p:cTn>
+                                        <p:tgtEl>
+                                          <p:spTgt spid="15"/>
+                                        </p:tgtEl>
+                                        <p:attrNameLst>
+                                          <p:attrName>style.visibility</p:attrName>
+                                        </p:attrNameLst>
+                                      </p:cBhvr>
+                                      <p:to>
+                                        <p:strVal val="visible"/>
+                                      </p:to>
+                                    </p:set>
+                                  </p:childTnLst>
+                                </p:cTn>
+                              </p:par>
+                            </p:childTnLst>
+                          </p:cTn>
+                        </p:par>
+                      </p:childTnLst>
+                    </p:cTn>
+                  </p:par>
+                  <p:par>
+                    <p:cTn id="15" fill="hold">
+                      <p:stCondLst>
+                        <p:cond delay="indefinite"/>
+                      </p:stCondLst>
+                      <p:childTnLst>
+                        <p:par>
+                          <p:cTn id="16" fill="hold">
+                            <p:stCondLst>
+                              <p:cond delay="0"/>
+                            </p:stCondLst>
+                            <p:childTnLst>
+                              <p:par>
+                                <p:cTn id="17" presetID="1" presetClass="entr" presetSubtype="0" fill="hold" nodeType="clickEffect">
+                                  <p:stCondLst>
+                                    <p:cond delay="0"/>
+                                  </p:stCondLst>
+                                  <p:childTnLst>
+                                    <p:set>
+                                      <p:cBhvr>
+                                        <p:cTn id="18" dur="1" fill="hold">
+                                          <p:stCondLst>
+                                            <p:cond delay="0"/>
+                                          </p:stCondLst>
+                                        </p:cTn>
+                                        <p:tgtEl>
+                                          <p:spTgt spid="17"/>
+                                        </p:tgtEl>
+                                        <p:attrNameLst>
+                                          <p:attrName>style.visibility</p:attrName>
+                                        </p:attrNameLst>
+                                      </p:cBhvr>
+                                      <p:to>
+                                        <p:strVal val="visible"/>
+                                      </p:to>
+                                    </p:set>
+                                  </p:childTnLst>
+                                </p:cTn>
+                              </p:par>
+                            </p:childTnLst>
+                          </p:cTn>
+                        </p:par>
+                      </p:childTnLst>
+                    </p:cTn>
+                  </p:par>
+                  <p:par>
+                    <p:cTn id="19" fill="hold">
+                      <p:stCondLst>
+                        <p:cond delay="indefinite"/>
+                      </p:stCondLst>
+                      <p:childTnLst>
+                        <p:par>
+                          <p:cTn id="20" fill="hold">
+                            <p:stCondLst>
+                              <p:cond delay="0"/>
+                            </p:stCondLst>
+                            <p:childTnLst>
+                              <p:par>
+                                <p:cTn id="21" presetID="1" presetClass="entr" presetSubtype="0" fill="hold" nodeType="clickEffect">
+                                  <p:stCondLst>
+                                    <p:cond delay="0"/>
+                                  </p:stCondLst>
+                                  <p:childTnLst>
+                                    <p:set>
+                                      <p:cBhvr>
+                                        <p:cTn id="22" dur="1" fill="hold">
+                                          <p:stCondLst>
+                                            <p:cond delay="0"/>
+                                          </p:stCondLst>
+                                        </p:cTn>
+                                        <p:tgtEl>
+                                          <p:spTgt spid="19"/>
+                                        </p:tgtEl>
+                                        <p:attrNameLst>
+                                          <p:attrName>style.visibility</p:attrName>
+                                        </p:attrNameLst>
+                                      </p:cBhvr>
+                                      <p:to>
+                                        <p:strVal val="visible"/>
+                                      </p:to>
+                                    </p:set>
+                                  </p:childTnLst>
+                                </p:cTn>
+                              </p:par>
+                            </p:childTnLst>
+                          </p:cTn>
+                        </p:par>
+                      </p:childTnLst>
+                    </p:cTn>
+                  </p:par>
+                </p:childTnLst>
+              </p:cTn>
+              <p:prevCondLst>
+                <p:cond evt="onPrev" delay="0">
+                  <p:tgtEl>
+                    <p:sldTgt/>
+                  </p:tgtEl>
+                </p:cond>
+              </p:prevCondLst>
+              <p:nextCondLst>
+                <p:cond evt="onNext" delay="0">
+                  <p:tgtEl>
+                    <p:sldTgt/>
+                  </p:tgtEl>
+                </p:cond>
+              </p:nextCondLst>
+            </p:seq>
+          </p:childTnLst>
+        </p:cTn>
+      </p:par>
+    </p:tnLst>
+  </p:timing>
 </p:sld>
 </file>
 
@@ -11325,7 +13505,7 @@
             <p:spPr>
               <a:xfrm>
                 <a:off x="3917122" y="1744840"/>
-                <a:ext cx="3717493" cy="828881"/>
+                <a:ext cx="4012445" cy="828881"/>
               </a:xfrm>
               <a:prstGeom prst="rect">
                 <a:avLst/>
@@ -11338,30 +13518,88 @@
               </a:bodyPr>
               <a:lstStyle/>
               <a:p>
+                <a:pPr/>
                 <a14:m>
                   <m:oMathPara xmlns:m="http://schemas.openxmlformats.org/officeDocument/2006/math">
                     <m:oMathParaPr>
                       <m:jc m:val="centerGroup"/>
                     </m:oMathParaPr>
                     <m:oMath xmlns:m="http://schemas.openxmlformats.org/officeDocument/2006/math">
-                      <m:r>
-                        <a:rPr lang="en-US" b="0" i="1" smtClean="0">
-                          <a:latin typeface="Cambria Math" panose="02040503050406030204" pitchFamily="18" charset="0"/>
-                        </a:rPr>
-                        <m:t>𝛼</m:t>
-                      </m:r>
+                      <m:sSub>
+                        <m:sSubPr>
+                          <m:ctrlPr>
+                            <a:rPr lang="en-US" b="0" i="1" smtClean="0">
+                              <a:latin typeface="Cambria Math" panose="02040503050406030204" pitchFamily="18" charset="0"/>
+                            </a:rPr>
+                          </m:ctrlPr>
+                        </m:sSubPr>
+                        <m:e>
+                          <m:r>
+                            <a:rPr lang="en-US" b="0" i="1" smtClean="0">
+                              <a:latin typeface="Cambria Math" panose="02040503050406030204" pitchFamily="18" charset="0"/>
+                            </a:rPr>
+                            <m:t>𝛼</m:t>
+                          </m:r>
+                        </m:e>
+                        <m:sub>
+                          <m:r>
+                            <a:rPr lang="en-US" b="0" i="1" smtClean="0">
+                              <a:latin typeface="Cambria Math" panose="02040503050406030204" pitchFamily="18" charset="0"/>
+                            </a:rPr>
+                            <m:t>𝑗</m:t>
+                          </m:r>
+                        </m:sub>
+                      </m:sSub>
                       <m:r>
                         <a:rPr lang="en-US" b="0" i="1" smtClean="0">
                           <a:latin typeface="Cambria Math" panose="02040503050406030204" pitchFamily="18" charset="0"/>
                         </a:rPr>
                         <m:t>=</m:t>
                       </m:r>
-                      <m:r>
-                        <a:rPr lang="en-US" b="0" i="1" smtClean="0">
-                          <a:latin typeface="Cambria Math" panose="02040503050406030204" pitchFamily="18" charset="0"/>
-                        </a:rPr>
-                        <m:t>𝑎𝑟𝑔𝑚𝑖𝑛</m:t>
-                      </m:r>
+                      <m:limLow>
+                        <m:limLowPr>
+                          <m:ctrlPr>
+                            <a:rPr lang="en-US" b="0" i="1" smtClean="0">
+                              <a:latin typeface="Cambria Math" panose="02040503050406030204" pitchFamily="18" charset="0"/>
+                            </a:rPr>
+                          </m:ctrlPr>
+                        </m:limLowPr>
+                        <m:e>
+                          <m:r>
+                            <a:rPr lang="en-US" b="0" i="1" smtClean="0">
+                              <a:latin typeface="Cambria Math" panose="02040503050406030204" pitchFamily="18" charset="0"/>
+                            </a:rPr>
+                            <m:t>𝑎𝑟𝑔𝑚𝑖𝑛</m:t>
+                          </m:r>
+                        </m:e>
+                        <m:lim>
+                          <m:sSub>
+                            <m:sSubPr>
+                              <m:ctrlPr>
+                                <a:rPr lang="en-US" b="0" i="1" smtClean="0">
+                                  <a:latin typeface="Cambria Math" panose="02040503050406030204" pitchFamily="18" charset="0"/>
+                                </a:rPr>
+                              </m:ctrlPr>
+                            </m:sSubPr>
+                            <m:e>
+                              <m:r>
+                                <a:rPr lang="en-US" b="0" i="1" smtClean="0">
+                                  <a:latin typeface="Cambria Math" panose="02040503050406030204" pitchFamily="18" charset="0"/>
+                                </a:rPr>
+                                <m:t>𝛼</m:t>
+                              </m:r>
+                            </m:e>
+                            <m:sub>
+                              <m:r>
+                                <a:rPr lang="en-US" b="0" i="1" smtClean="0">
+                                  <a:latin typeface="Cambria Math" panose="02040503050406030204" pitchFamily="18" charset="0"/>
+                                </a:rPr>
+                                <m:t>𝑗</m:t>
+                              </m:r>
+                            </m:sub>
+                          </m:sSub>
+                        </m:lim>
+                      </m:limLow>
                       <m:d>
                         <m:dPr>
                           <m:ctrlPr>
@@ -11440,12 +13678,31 @@
                                               </m:ctrlPr>
                                             </m:dPr>
                                             <m:e>
-                                              <m:r>
-                                                <a:rPr lang="en-US" i="1">
-                                                  <a:latin typeface="Cambria Math" panose="02040503050406030204" pitchFamily="18" charset="0"/>
-                                                </a:rPr>
-                                                <m:t>𝛼</m:t>
-                                              </m:r>
+                                              <m:sSub>
+                                                <m:sSubPr>
+                                                  <m:ctrlPr>
+                                                    <a:rPr lang="en-US" b="0" i="1" smtClean="0">
+                                                      <a:latin typeface="Cambria Math" panose="02040503050406030204" pitchFamily="18" charset="0"/>
+                                                    </a:rPr>
+                                                  </m:ctrlPr>
+                                                </m:sSubPr>
+                                                <m:e>
+                                                  <m:r>
+                                                    <a:rPr lang="en-US" i="1">
+                                                      <a:latin typeface="Cambria Math" panose="02040503050406030204" pitchFamily="18" charset="0"/>
+                                                    </a:rPr>
+                                                    <m:t>𝛼</m:t>
+                                                  </m:r>
+                                                </m:e>
+                                                <m:sub>
+                                                  <m:r>
+                                                    <a:rPr lang="en-US" b="0" i="1" smtClean="0">
+                                                      <a:latin typeface="Cambria Math" panose="02040503050406030204" pitchFamily="18" charset="0"/>
+                                                    </a:rPr>
+                                                    <m:t>𝑗</m:t>
+                                                  </m:r>
+                                                </m:sub>
+                                              </m:sSub>
                                               <m:r>
                                                 <a:rPr lang="en-US" i="1">
                                                   <a:latin typeface="Cambria Math" panose="02040503050406030204" pitchFamily="18" charset="0"/>
@@ -11554,7 +13811,7 @@
             <p:spPr>
               <a:xfrm>
                 <a:off x="3917122" y="1744840"/>
-                <a:ext cx="3717493" cy="828881"/>
+                <a:ext cx="4012445" cy="828881"/>
               </a:xfrm>
               <a:prstGeom prst="rect">
                 <a:avLst/>
@@ -11631,8 +13888,8 @@
             </a:prstGeom>
           </p:spPr>
         </p:pic>
-        <mc:AlternateContent xmlns:mc="http://schemas.openxmlformats.org/markup-compatibility/2006">
-          <mc:Choice xmlns:a14="http://schemas.microsoft.com/office/drawing/2010/main" Requires="a14">
+        <mc:AlternateContent xmlns:mc="http://schemas.openxmlformats.org/markup-compatibility/2006" xmlns:a14="http://schemas.microsoft.com/office/drawing/2010/main">
+          <mc:Choice Requires="a14">
             <p:sp>
               <p:nvSpPr>
                 <p:cNvPr id="11" name="TextBox 10">
@@ -11820,7 +14077,7 @@
               </p:txBody>
             </p:sp>
           </mc:Choice>
-          <mc:Fallback>
+          <mc:Fallback xmlns="">
             <p:sp>
               <p:nvSpPr>
                 <p:cNvPr id="11" name="TextBox 10">
@@ -11908,6 +14165,814 @@
 </p:sld>
 </file>
 
+<file path=ppt/slides/slide20.xml><?xml version="1.0" encoding="utf-8"?>
+<p:sld xmlns:a="http://schemas.openxmlformats.org/drawingml/2006/main" xmlns:r="http://schemas.openxmlformats.org/officeDocument/2006/relationships" xmlns:p="http://schemas.openxmlformats.org/presentationml/2006/main">
+  <p:cSld>
+    <p:spTree>
+      <p:nvGrpSpPr>
+        <p:cNvPr id="1" name=""/>
+        <p:cNvGrpSpPr/>
+        <p:nvPr/>
+      </p:nvGrpSpPr>
+      <p:grpSpPr>
+        <a:xfrm>
+          <a:off x="0" y="0"/>
+          <a:ext cx="0" cy="0"/>
+          <a:chOff x="0" y="0"/>
+          <a:chExt cx="0" cy="0"/>
+        </a:xfrm>
+      </p:grpSpPr>
+      <p:sp>
+        <p:nvSpPr>
+          <p:cNvPr id="6" name="TextBox 5">
+            <a:extLst>
+              <a:ext uri="{FF2B5EF4-FFF2-40B4-BE49-F238E27FC236}">
+                <a16:creationId xmlns:a16="http://schemas.microsoft.com/office/drawing/2014/main" id="{92F0BF00-6078-4679-A727-3CA7EDD465E6}"/>
+              </a:ext>
+            </a:extLst>
+          </p:cNvPr>
+          <p:cNvSpPr txBox="1"/>
+          <p:nvPr/>
+        </p:nvSpPr>
+        <p:spPr>
+          <a:xfrm>
+            <a:off x="-1478567" y="235197"/>
+            <a:ext cx="7812692" cy="1384995"/>
+          </a:xfrm>
+          <a:prstGeom prst="rect">
+            <a:avLst/>
+          </a:prstGeom>
+          <a:noFill/>
+        </p:spPr>
+        <p:txBody>
+          <a:bodyPr wrap="square" rtlCol="0">
+            <a:spAutoFit/>
+          </a:bodyPr>
+          <a:lstStyle/>
+          <a:p>
+            <a:endParaRPr lang="en-US" sz="2800" dirty="0">
+              <a:latin typeface="Arial" panose="020B0604020202020204" pitchFamily="34" charset="0"/>
+              <a:cs typeface="Arial" panose="020B0604020202020204" pitchFamily="34" charset="0"/>
+            </a:endParaRPr>
+          </a:p>
+          <a:p>
+            <a:endParaRPr lang="en-US" sz="2800" dirty="0">
+              <a:latin typeface="Arial" panose="020B0604020202020204" pitchFamily="34" charset="0"/>
+              <a:cs typeface="Arial" panose="020B0604020202020204" pitchFamily="34" charset="0"/>
+            </a:endParaRPr>
+          </a:p>
+          <a:p>
+            <a:pPr marL="457200" indent="-457200">
+              <a:buFontTx/>
+              <a:buChar char="-"/>
+            </a:pPr>
+            <a:endParaRPr lang="en-US" sz="2800" dirty="0">
+              <a:latin typeface="Arial" panose="020B0604020202020204" pitchFamily="34" charset="0"/>
+              <a:cs typeface="Arial" panose="020B0604020202020204" pitchFamily="34" charset="0"/>
+            </a:endParaRPr>
+          </a:p>
+        </p:txBody>
+      </p:sp>
+      <p:sp>
+        <p:nvSpPr>
+          <p:cNvPr id="2" name="Slide Number Placeholder 1">
+            <a:extLst>
+              <a:ext uri="{FF2B5EF4-FFF2-40B4-BE49-F238E27FC236}">
+                <a16:creationId xmlns:a16="http://schemas.microsoft.com/office/drawing/2014/main" id="{49AA53CA-B0ED-4EF5-A036-8A23190C5586}"/>
+              </a:ext>
+            </a:extLst>
+          </p:cNvPr>
+          <p:cNvSpPr>
+            <a:spLocks noGrp="1"/>
+          </p:cNvSpPr>
+          <p:nvPr>
+            <p:ph type="sldNum" sz="quarter" idx="12"/>
+          </p:nvPr>
+        </p:nvSpPr>
+        <p:spPr/>
+        <p:txBody>
+          <a:bodyPr/>
+          <a:lstStyle/>
+          <a:p>
+            <a:fld id="{6A66ABA5-9194-4D3A-A872-2D6AFFA2C838}" type="slidenum">
+              <a:rPr lang="en-US" smtClean="0"/>
+              <a:t>20</a:t>
+            </a:fld>
+            <a:endParaRPr lang="en-US" dirty="0"/>
+          </a:p>
+        </p:txBody>
+      </p:sp>
+      <mc:AlternateContent xmlns:mc="http://schemas.openxmlformats.org/markup-compatibility/2006">
+        <mc:Choice xmlns:a14="http://schemas.microsoft.com/office/drawing/2010/main" Requires="a14">
+          <p:sp>
+            <p:nvSpPr>
+              <p:cNvPr id="14" name="TextBox 13">
+                <a:extLst>
+                  <a:ext uri="{FF2B5EF4-FFF2-40B4-BE49-F238E27FC236}">
+                    <a16:creationId xmlns:a16="http://schemas.microsoft.com/office/drawing/2014/main" id="{DF2CFA72-31DA-4C04-A602-6EF6E0248C0E}"/>
+                  </a:ext>
+                </a:extLst>
+              </p:cNvPr>
+              <p:cNvSpPr txBox="1"/>
+              <p:nvPr/>
+            </p:nvSpPr>
+            <p:spPr>
+              <a:xfrm>
+                <a:off x="609600" y="365364"/>
+                <a:ext cx="6096000" cy="1569660"/>
+              </a:xfrm>
+              <a:prstGeom prst="rect">
+                <a:avLst/>
+              </a:prstGeom>
+              <a:noFill/>
+            </p:spPr>
+            <p:txBody>
+              <a:bodyPr wrap="square">
+                <a:spAutoFit/>
+              </a:bodyPr>
+              <a:lstStyle/>
+              <a:p>
+                <a:r>
+                  <a:rPr lang="en-US" sz="2400" dirty="0">
+                    <a:latin typeface="Arial" panose="020B0604020202020204" pitchFamily="34" charset="0"/>
+                    <a:cs typeface="Arial" panose="020B0604020202020204" pitchFamily="34" charset="0"/>
+                  </a:rPr>
+                  <a:t>+ RANSAC is an enhancing technique to increase robustness to outliers.</a:t>
+                </a:r>
+                <a:br>
+                  <a:rPr lang="en-US" sz="2400" dirty="0">
+                    <a:latin typeface="Arial" panose="020B0604020202020204" pitchFamily="34" charset="0"/>
+                    <a:cs typeface="Arial" panose="020B0604020202020204" pitchFamily="34" charset="0"/>
+                  </a:rPr>
+                </a:br>
+                <a14:m>
+                  <m:oMath xmlns:m="http://schemas.openxmlformats.org/officeDocument/2006/math">
+                    <m:r>
+                      <a:rPr lang="en-US" sz="2400" b="0" i="1" smtClean="0">
+                        <a:latin typeface="Cambria Math" panose="02040503050406030204" pitchFamily="18" charset="0"/>
+                        <a:cs typeface="Arial" panose="020B0604020202020204" pitchFamily="34" charset="0"/>
+                      </a:rPr>
+                      <m:t>→</m:t>
+                    </m:r>
+                  </m:oMath>
+                </a14:m>
+                <a:r>
+                  <a:rPr lang="en-US" sz="2400" dirty="0">
+                    <a:latin typeface="Arial" panose="020B0604020202020204" pitchFamily="34" charset="0"/>
+                    <a:cs typeface="Arial" panose="020B0604020202020204" pitchFamily="34" charset="0"/>
+                  </a:rPr>
+                  <a:t>It does not replace the fitting of a model. </a:t>
+                </a:r>
+                <a:br>
+                  <a:rPr lang="en-US" sz="2400" dirty="0">
+                    <a:latin typeface="Arial" panose="020B0604020202020204" pitchFamily="34" charset="0"/>
+                    <a:cs typeface="Arial" panose="020B0604020202020204" pitchFamily="34" charset="0"/>
+                  </a:rPr>
+                </a:br>
+                <a14:m>
+                  <m:oMath xmlns:m="http://schemas.openxmlformats.org/officeDocument/2006/math">
+                    <m:r>
+                      <a:rPr lang="en-US" sz="2400" b="0" i="1" smtClean="0">
+                        <a:latin typeface="Cambria Math" panose="02040503050406030204" pitchFamily="18" charset="0"/>
+                        <a:cs typeface="Arial" panose="020B0604020202020204" pitchFamily="34" charset="0"/>
+                      </a:rPr>
+                      <m:t>→</m:t>
+                    </m:r>
+                  </m:oMath>
+                </a14:m>
+                <a:r>
+                  <a:rPr lang="en-US" sz="2400" dirty="0">
+                    <a:latin typeface="Arial" panose="020B0604020202020204" pitchFamily="34" charset="0"/>
+                    <a:cs typeface="Arial" panose="020B0604020202020204" pitchFamily="34" charset="0"/>
+                  </a:rPr>
+                  <a:t>You can use RANSAC + LMS.</a:t>
+                </a:r>
+              </a:p>
+            </p:txBody>
+          </p:sp>
+        </mc:Choice>
+        <mc:Fallback>
+          <p:sp>
+            <p:nvSpPr>
+              <p:cNvPr id="14" name="TextBox 13">
+                <a:extLst>
+                  <a:ext uri="{FF2B5EF4-FFF2-40B4-BE49-F238E27FC236}">
+                    <a16:creationId xmlns:a16="http://schemas.microsoft.com/office/drawing/2014/main" id="{DF2CFA72-31DA-4C04-A602-6EF6E0248C0E}"/>
+                  </a:ext>
+                </a:extLst>
+              </p:cNvPr>
+              <p:cNvSpPr txBox="1">
+                <a:spLocks noRot="1" noChangeAspect="1" noMove="1" noResize="1" noEditPoints="1" noAdjustHandles="1" noChangeArrowheads="1" noChangeShapeType="1" noTextEdit="1"/>
+              </p:cNvSpPr>
+              <p:nvPr/>
+            </p:nvSpPr>
+            <p:spPr>
+              <a:xfrm>
+                <a:off x="609600" y="365364"/>
+                <a:ext cx="6096000" cy="1569660"/>
+              </a:xfrm>
+              <a:prstGeom prst="rect">
+                <a:avLst/>
+              </a:prstGeom>
+              <a:blipFill>
+                <a:blip r:embed="rId2"/>
+                <a:stretch>
+                  <a:fillRect l="-1500" t="-2724" b="-8560"/>
+                </a:stretch>
+              </a:blipFill>
+            </p:spPr>
+            <p:txBody>
+              <a:bodyPr/>
+              <a:lstStyle/>
+              <a:p>
+                <a:r>
+                  <a:rPr lang="en-IL">
+                    <a:noFill/>
+                  </a:rPr>
+                  <a:t> </a:t>
+                </a:r>
+              </a:p>
+            </p:txBody>
+          </p:sp>
+        </mc:Fallback>
+      </mc:AlternateContent>
+      <p:sp>
+        <p:nvSpPr>
+          <p:cNvPr id="16" name="TextBox 15">
+            <a:extLst>
+              <a:ext uri="{FF2B5EF4-FFF2-40B4-BE49-F238E27FC236}">
+                <a16:creationId xmlns:a16="http://schemas.microsoft.com/office/drawing/2014/main" id="{7C7C03E3-FD18-4F5B-A6E2-08252D482C0E}"/>
+              </a:ext>
+            </a:extLst>
+          </p:cNvPr>
+          <p:cNvSpPr txBox="1"/>
+          <p:nvPr/>
+        </p:nvSpPr>
+        <p:spPr>
+          <a:xfrm>
+            <a:off x="609600" y="2243806"/>
+            <a:ext cx="6096000" cy="830997"/>
+          </a:xfrm>
+          <a:prstGeom prst="rect">
+            <a:avLst/>
+          </a:prstGeom>
+          <a:noFill/>
+        </p:spPr>
+        <p:txBody>
+          <a:bodyPr wrap="square">
+            <a:spAutoFit/>
+          </a:bodyPr>
+          <a:lstStyle/>
+          <a:p>
+            <a:r>
+              <a:rPr lang="en-US" sz="2400" dirty="0">
+                <a:latin typeface="Arial" panose="020B0604020202020204" pitchFamily="34" charset="0"/>
+                <a:cs typeface="Arial" panose="020B0604020202020204" pitchFamily="34" charset="0"/>
+              </a:rPr>
+              <a:t>+ RANSAC is just the beginning. There are flavors (and other robust fitting techniques)</a:t>
+            </a:r>
+          </a:p>
+        </p:txBody>
+      </p:sp>
+      <p:sp>
+        <p:nvSpPr>
+          <p:cNvPr id="18" name="TextBox 17">
+            <a:extLst>
+              <a:ext uri="{FF2B5EF4-FFF2-40B4-BE49-F238E27FC236}">
+                <a16:creationId xmlns:a16="http://schemas.microsoft.com/office/drawing/2014/main" id="{5BBE383A-5CD4-4814-A276-C4FF3AF6E507}"/>
+              </a:ext>
+            </a:extLst>
+          </p:cNvPr>
+          <p:cNvSpPr txBox="1"/>
+          <p:nvPr/>
+        </p:nvSpPr>
+        <p:spPr>
+          <a:xfrm>
+            <a:off x="609600" y="3554718"/>
+            <a:ext cx="6096000" cy="830997"/>
+          </a:xfrm>
+          <a:prstGeom prst="rect">
+            <a:avLst/>
+          </a:prstGeom>
+          <a:noFill/>
+        </p:spPr>
+        <p:txBody>
+          <a:bodyPr wrap="square">
+            <a:spAutoFit/>
+          </a:bodyPr>
+          <a:lstStyle/>
+          <a:p>
+            <a:pPr marL="457200" indent="-457200">
+              <a:buFontTx/>
+              <a:buChar char="-"/>
+            </a:pPr>
+            <a:r>
+              <a:rPr lang="en-US" sz="2400" dirty="0">
+                <a:latin typeface="Arial" panose="020B0604020202020204" pitchFamily="34" charset="0"/>
+                <a:cs typeface="Arial" panose="020B0604020202020204" pitchFamily="34" charset="0"/>
+              </a:rPr>
+              <a:t>Computationally expensive, and really bad on a high search spaces</a:t>
+            </a:r>
+          </a:p>
+        </p:txBody>
+      </p:sp>
+      <p:sp>
+        <p:nvSpPr>
+          <p:cNvPr id="20" name="TextBox 19">
+            <a:extLst>
+              <a:ext uri="{FF2B5EF4-FFF2-40B4-BE49-F238E27FC236}">
+                <a16:creationId xmlns:a16="http://schemas.microsoft.com/office/drawing/2014/main" id="{870A42F7-8AD1-48C0-AC4F-ED2D2E6DAD6B}"/>
+              </a:ext>
+            </a:extLst>
+          </p:cNvPr>
+          <p:cNvSpPr txBox="1"/>
+          <p:nvPr/>
+        </p:nvSpPr>
+        <p:spPr>
+          <a:xfrm>
+            <a:off x="609600" y="4722244"/>
+            <a:ext cx="6834186" cy="461665"/>
+          </a:xfrm>
+          <a:prstGeom prst="rect">
+            <a:avLst/>
+          </a:prstGeom>
+          <a:noFill/>
+        </p:spPr>
+        <p:txBody>
+          <a:bodyPr wrap="square">
+            <a:spAutoFit/>
+          </a:bodyPr>
+          <a:lstStyle/>
+          <a:p>
+            <a:pPr marL="457200" indent="-457200">
+              <a:buFontTx/>
+              <a:buChar char="-"/>
+            </a:pPr>
+            <a:r>
+              <a:rPr lang="en-US" sz="2400" dirty="0">
+                <a:latin typeface="Arial" panose="020B0604020202020204" pitchFamily="34" charset="0"/>
+                <a:cs typeface="Arial" panose="020B0604020202020204" pitchFamily="34" charset="0"/>
+              </a:rPr>
+              <a:t>No learning between iterations</a:t>
+            </a:r>
+            <a:endParaRPr lang="en-IL" sz="2400" dirty="0">
+              <a:latin typeface="Arial" panose="020B0604020202020204" pitchFamily="34" charset="0"/>
+              <a:cs typeface="Arial" panose="020B0604020202020204" pitchFamily="34" charset="0"/>
+            </a:endParaRPr>
+          </a:p>
+        </p:txBody>
+      </p:sp>
+      <p:grpSp>
+        <p:nvGrpSpPr>
+          <p:cNvPr id="24" name="Group 23">
+            <a:extLst>
+              <a:ext uri="{FF2B5EF4-FFF2-40B4-BE49-F238E27FC236}">
+                <a16:creationId xmlns:a16="http://schemas.microsoft.com/office/drawing/2014/main" id="{A67CDBFD-0FE8-4682-A3F5-DE959469E229}"/>
+              </a:ext>
+            </a:extLst>
+          </p:cNvPr>
+          <p:cNvGrpSpPr/>
+          <p:nvPr/>
+        </p:nvGrpSpPr>
+        <p:grpSpPr>
+          <a:xfrm>
+            <a:off x="6920417" y="1245354"/>
+            <a:ext cx="5133975" cy="3448138"/>
+            <a:chOff x="6920417" y="1245354"/>
+            <a:chExt cx="5133975" cy="3448138"/>
+          </a:xfrm>
+        </p:grpSpPr>
+        <p:pic>
+          <p:nvPicPr>
+            <p:cNvPr id="22" name="Picture 21">
+              <a:extLst>
+                <a:ext uri="{FF2B5EF4-FFF2-40B4-BE49-F238E27FC236}">
+                  <a16:creationId xmlns:a16="http://schemas.microsoft.com/office/drawing/2014/main" id="{DAE63AD0-26E5-4EE5-85F4-D3DF31A59E73}"/>
+                </a:ext>
+              </a:extLst>
+            </p:cNvPr>
+            <p:cNvPicPr>
+              <a:picLocks noChangeAspect="1"/>
+            </p:cNvPicPr>
+            <p:nvPr/>
+          </p:nvPicPr>
+          <p:blipFill>
+            <a:blip r:embed="rId3"/>
+            <a:stretch>
+              <a:fillRect/>
+            </a:stretch>
+          </p:blipFill>
+          <p:spPr>
+            <a:xfrm>
+              <a:off x="6920417" y="1245354"/>
+              <a:ext cx="4919158" cy="3235185"/>
+            </a:xfrm>
+            <a:prstGeom prst="rect">
+              <a:avLst/>
+            </a:prstGeom>
+          </p:spPr>
+        </p:pic>
+        <p:sp>
+          <p:nvSpPr>
+            <p:cNvPr id="23" name="TextBox 22">
+              <a:extLst>
+                <a:ext uri="{FF2B5EF4-FFF2-40B4-BE49-F238E27FC236}">
+                  <a16:creationId xmlns:a16="http://schemas.microsoft.com/office/drawing/2014/main" id="{E89BA14A-E87D-42CD-A2D8-AF1977C9BA52}"/>
+                </a:ext>
+              </a:extLst>
+            </p:cNvPr>
+            <p:cNvSpPr txBox="1"/>
+            <p:nvPr/>
+          </p:nvSpPr>
+          <p:spPr>
+            <a:xfrm>
+              <a:off x="7045970" y="4385715"/>
+              <a:ext cx="5008422" cy="307777"/>
+            </a:xfrm>
+            <a:prstGeom prst="rect">
+              <a:avLst/>
+            </a:prstGeom>
+            <a:noFill/>
+          </p:spPr>
+          <p:txBody>
+            <a:bodyPr wrap="none" rtlCol="0">
+              <a:spAutoFit/>
+            </a:bodyPr>
+            <a:lstStyle/>
+            <a:p>
+              <a:r>
+                <a:rPr lang="en-US" sz="1400" dirty="0"/>
+                <a:t>“</a:t>
+              </a:r>
+              <a:r>
+                <a:rPr lang="en-US" sz="1400" i="1" dirty="0"/>
+                <a:t>Performance Evaluation of RANSAC Family</a:t>
+              </a:r>
+              <a:r>
+                <a:rPr lang="en-US" sz="1400" dirty="0"/>
+                <a:t>” by </a:t>
+              </a:r>
+              <a:r>
+                <a:rPr lang="en-US" sz="1400" i="1" dirty="0" err="1"/>
+                <a:t>Sunglok</a:t>
+              </a:r>
+              <a:r>
+                <a:rPr lang="en-US" sz="1400" i="1" dirty="0"/>
+                <a:t> Choi et al.</a:t>
+              </a:r>
+              <a:endParaRPr lang="en-IL" sz="1400" i="1" dirty="0"/>
+            </a:p>
+          </p:txBody>
+        </p:sp>
+      </p:grpSp>
+      <p:sp>
+        <p:nvSpPr>
+          <p:cNvPr id="25" name="TextBox 24">
+            <a:extLst>
+              <a:ext uri="{FF2B5EF4-FFF2-40B4-BE49-F238E27FC236}">
+                <a16:creationId xmlns:a16="http://schemas.microsoft.com/office/drawing/2014/main" id="{D3FBA852-E4C8-4B1B-B247-8035F098DF1C}"/>
+              </a:ext>
+            </a:extLst>
+          </p:cNvPr>
+          <p:cNvSpPr txBox="1"/>
+          <p:nvPr/>
+        </p:nvSpPr>
+        <p:spPr>
+          <a:xfrm>
+            <a:off x="609600" y="5638567"/>
+            <a:ext cx="7486650" cy="461665"/>
+          </a:xfrm>
+          <a:prstGeom prst="rect">
+            <a:avLst/>
+          </a:prstGeom>
+          <a:noFill/>
+        </p:spPr>
+        <p:txBody>
+          <a:bodyPr wrap="square">
+            <a:spAutoFit/>
+          </a:bodyPr>
+          <a:lstStyle/>
+          <a:p>
+            <a:pPr marL="457200" indent="-457200">
+              <a:buFontTx/>
+              <a:buChar char="-"/>
+            </a:pPr>
+            <a:r>
+              <a:rPr lang="en-US" sz="2400" dirty="0">
+                <a:latin typeface="Arial" panose="020B0604020202020204" pitchFamily="34" charset="0"/>
+                <a:cs typeface="Arial" panose="020B0604020202020204" pitchFamily="34" charset="0"/>
+              </a:rPr>
+              <a:t>No certification (does not report success/failure) </a:t>
+            </a:r>
+            <a:endParaRPr lang="en-IL" sz="2400" dirty="0">
+              <a:latin typeface="Arial" panose="020B0604020202020204" pitchFamily="34" charset="0"/>
+              <a:cs typeface="Arial" panose="020B0604020202020204" pitchFamily="34" charset="0"/>
+            </a:endParaRPr>
+          </a:p>
+        </p:txBody>
+      </p:sp>
+    </p:spTree>
+    <p:extLst>
+      <p:ext uri="{BB962C8B-B14F-4D97-AF65-F5344CB8AC3E}">
+        <p14:creationId xmlns:p14="http://schemas.microsoft.com/office/powerpoint/2010/main" val="1578166115"/>
+      </p:ext>
+    </p:extLst>
+  </p:cSld>
+  <p:clrMapOvr>
+    <a:masterClrMapping/>
+  </p:clrMapOvr>
+  <p:timing>
+    <p:tnLst>
+      <p:par>
+        <p:cTn id="1" dur="indefinite" restart="never" nodeType="tmRoot">
+          <p:childTnLst>
+            <p:seq concurrent="1" nextAc="seek">
+              <p:cTn id="2" dur="indefinite" nodeType="mainSeq">
+                <p:childTnLst>
+                  <p:par>
+                    <p:cTn id="3" fill="hold">
+                      <p:stCondLst>
+                        <p:cond delay="indefinite"/>
+                      </p:stCondLst>
+                      <p:childTnLst>
+                        <p:par>
+                          <p:cTn id="4" fill="hold">
+                            <p:stCondLst>
+                              <p:cond delay="0"/>
+                            </p:stCondLst>
+                            <p:childTnLst>
+                              <p:par>
+                                <p:cTn id="5" presetID="1" presetClass="entr" presetSubtype="0" fill="hold" grpId="0" nodeType="clickEffect">
+                                  <p:stCondLst>
+                                    <p:cond delay="0"/>
+                                  </p:stCondLst>
+                                  <p:childTnLst>
+                                    <p:set>
+                                      <p:cBhvr>
+                                        <p:cTn id="6" dur="1" fill="hold">
+                                          <p:stCondLst>
+                                            <p:cond delay="0"/>
+                                          </p:stCondLst>
+                                        </p:cTn>
+                                        <p:tgtEl>
+                                          <p:spTgt spid="14"/>
+                                        </p:tgtEl>
+                                        <p:attrNameLst>
+                                          <p:attrName>style.visibility</p:attrName>
+                                        </p:attrNameLst>
+                                      </p:cBhvr>
+                                      <p:to>
+                                        <p:strVal val="visible"/>
+                                      </p:to>
+                                    </p:set>
+                                  </p:childTnLst>
+                                </p:cTn>
+                              </p:par>
+                            </p:childTnLst>
+                          </p:cTn>
+                        </p:par>
+                      </p:childTnLst>
+                    </p:cTn>
+                  </p:par>
+                  <p:par>
+                    <p:cTn id="7" fill="hold">
+                      <p:stCondLst>
+                        <p:cond delay="indefinite"/>
+                      </p:stCondLst>
+                      <p:childTnLst>
+                        <p:par>
+                          <p:cTn id="8" fill="hold">
+                            <p:stCondLst>
+                              <p:cond delay="0"/>
+                            </p:stCondLst>
+                            <p:childTnLst>
+                              <p:par>
+                                <p:cTn id="9" presetID="1" presetClass="entr" presetSubtype="0" fill="hold" grpId="0" nodeType="clickEffect">
+                                  <p:stCondLst>
+                                    <p:cond delay="0"/>
+                                  </p:stCondLst>
+                                  <p:childTnLst>
+                                    <p:set>
+                                      <p:cBhvr>
+                                        <p:cTn id="10" dur="1" fill="hold">
+                                          <p:stCondLst>
+                                            <p:cond delay="0"/>
+                                          </p:stCondLst>
+                                        </p:cTn>
+                                        <p:tgtEl>
+                                          <p:spTgt spid="16"/>
+                                        </p:tgtEl>
+                                        <p:attrNameLst>
+                                          <p:attrName>style.visibility</p:attrName>
+                                        </p:attrNameLst>
+                                      </p:cBhvr>
+                                      <p:to>
+                                        <p:strVal val="visible"/>
+                                      </p:to>
+                                    </p:set>
+                                  </p:childTnLst>
+                                </p:cTn>
+                              </p:par>
+                              <p:par>
+                                <p:cTn id="11" presetID="1" presetClass="entr" presetSubtype="0" fill="hold" nodeType="withEffect">
+                                  <p:stCondLst>
+                                    <p:cond delay="0"/>
+                                  </p:stCondLst>
+                                  <p:childTnLst>
+                                    <p:set>
+                                      <p:cBhvr>
+                                        <p:cTn id="12" dur="1" fill="hold">
+                                          <p:stCondLst>
+                                            <p:cond delay="0"/>
+                                          </p:stCondLst>
+                                        </p:cTn>
+                                        <p:tgtEl>
+                                          <p:spTgt spid="24"/>
+                                        </p:tgtEl>
+                                        <p:attrNameLst>
+                                          <p:attrName>style.visibility</p:attrName>
+                                        </p:attrNameLst>
+                                      </p:cBhvr>
+                                      <p:to>
+                                        <p:strVal val="visible"/>
+                                      </p:to>
+                                    </p:set>
+                                  </p:childTnLst>
+                                </p:cTn>
+                              </p:par>
+                            </p:childTnLst>
+                          </p:cTn>
+                        </p:par>
+                      </p:childTnLst>
+                    </p:cTn>
+                  </p:par>
+                  <p:par>
+                    <p:cTn id="13" fill="hold">
+                      <p:stCondLst>
+                        <p:cond delay="indefinite"/>
+                      </p:stCondLst>
+                      <p:childTnLst>
+                        <p:par>
+                          <p:cTn id="14" fill="hold">
+                            <p:stCondLst>
+                              <p:cond delay="0"/>
+                            </p:stCondLst>
+                            <p:childTnLst>
+                              <p:par>
+                                <p:cTn id="15" presetID="1" presetClass="entr" presetSubtype="0" fill="hold" grpId="0" nodeType="clickEffect">
+                                  <p:stCondLst>
+                                    <p:cond delay="0"/>
+                                  </p:stCondLst>
+                                  <p:childTnLst>
+                                    <p:set>
+                                      <p:cBhvr>
+                                        <p:cTn id="16" dur="1" fill="hold">
+                                          <p:stCondLst>
+                                            <p:cond delay="0"/>
+                                          </p:stCondLst>
+                                        </p:cTn>
+                                        <p:tgtEl>
+                                          <p:spTgt spid="18"/>
+                                        </p:tgtEl>
+                                        <p:attrNameLst>
+                                          <p:attrName>style.visibility</p:attrName>
+                                        </p:attrNameLst>
+                                      </p:cBhvr>
+                                      <p:to>
+                                        <p:strVal val="visible"/>
+                                      </p:to>
+                                    </p:set>
+                                  </p:childTnLst>
+                                </p:cTn>
+                              </p:par>
+                            </p:childTnLst>
+                          </p:cTn>
+                        </p:par>
+                      </p:childTnLst>
+                    </p:cTn>
+                  </p:par>
+                  <p:par>
+                    <p:cTn id="17" fill="hold">
+                      <p:stCondLst>
+                        <p:cond delay="indefinite"/>
+                      </p:stCondLst>
+                      <p:childTnLst>
+                        <p:par>
+                          <p:cTn id="18" fill="hold">
+                            <p:stCondLst>
+                              <p:cond delay="0"/>
+                            </p:stCondLst>
+                            <p:childTnLst>
+                              <p:par>
+                                <p:cTn id="19" presetID="1" presetClass="entr" presetSubtype="0" fill="hold" grpId="0" nodeType="clickEffect">
+                                  <p:stCondLst>
+                                    <p:cond delay="0"/>
+                                  </p:stCondLst>
+                                  <p:childTnLst>
+                                    <p:set>
+                                      <p:cBhvr>
+                                        <p:cTn id="20" dur="1" fill="hold">
+                                          <p:stCondLst>
+                                            <p:cond delay="0"/>
+                                          </p:stCondLst>
+                                        </p:cTn>
+                                        <p:tgtEl>
+                                          <p:spTgt spid="20"/>
+                                        </p:tgtEl>
+                                        <p:attrNameLst>
+                                          <p:attrName>style.visibility</p:attrName>
+                                        </p:attrNameLst>
+                                      </p:cBhvr>
+                                      <p:to>
+                                        <p:strVal val="visible"/>
+                                      </p:to>
+                                    </p:set>
+                                  </p:childTnLst>
+                                </p:cTn>
+                              </p:par>
+                            </p:childTnLst>
+                          </p:cTn>
+                        </p:par>
+                      </p:childTnLst>
+                    </p:cTn>
+                  </p:par>
+                  <p:par>
+                    <p:cTn id="21" fill="hold">
+                      <p:stCondLst>
+                        <p:cond delay="indefinite"/>
+                      </p:stCondLst>
+                      <p:childTnLst>
+                        <p:par>
+                          <p:cTn id="22" fill="hold">
+                            <p:stCondLst>
+                              <p:cond delay="0"/>
+                            </p:stCondLst>
+                            <p:childTnLst>
+                              <p:par>
+                                <p:cTn id="23" presetID="1" presetClass="entr" presetSubtype="0" fill="hold" grpId="0" nodeType="clickEffect">
+                                  <p:stCondLst>
+                                    <p:cond delay="0"/>
+                                  </p:stCondLst>
+                                  <p:childTnLst>
+                                    <p:set>
+                                      <p:cBhvr>
+                                        <p:cTn id="24" dur="1" fill="hold">
+                                          <p:stCondLst>
+                                            <p:cond delay="0"/>
+                                          </p:stCondLst>
+                                        </p:cTn>
+                                        <p:tgtEl>
+                                          <p:spTgt spid="25"/>
+                                        </p:tgtEl>
+                                        <p:attrNameLst>
+                                          <p:attrName>style.visibility</p:attrName>
+                                        </p:attrNameLst>
+                                      </p:cBhvr>
+                                      <p:to>
+                                        <p:strVal val="visible"/>
+                                      </p:to>
+                                    </p:set>
+                                  </p:childTnLst>
+                                </p:cTn>
+                              </p:par>
+                            </p:childTnLst>
+                          </p:cTn>
+                        </p:par>
+                      </p:childTnLst>
+                    </p:cTn>
+                  </p:par>
+                </p:childTnLst>
+              </p:cTn>
+              <p:prevCondLst>
+                <p:cond evt="onPrev" delay="0">
+                  <p:tgtEl>
+                    <p:sldTgt/>
+                  </p:tgtEl>
+                </p:cond>
+              </p:prevCondLst>
+              <p:nextCondLst>
+                <p:cond evt="onNext" delay="0">
+                  <p:tgtEl>
+                    <p:sldTgt/>
+                  </p:tgtEl>
+                </p:cond>
+              </p:nextCondLst>
+            </p:seq>
+          </p:childTnLst>
+        </p:cTn>
+      </p:par>
+    </p:tnLst>
+    <p:bldLst>
+      <p:bldP spid="14" grpId="0"/>
+      <p:bldP spid="16" grpId="0"/>
+      <p:bldP spid="18" grpId="0"/>
+      <p:bldP spid="20" grpId="0"/>
+      <p:bldP spid="25" grpId="0"/>
+    </p:bldLst>
+  </p:timing>
+</p:sld>
+</file>
+
 <file path=ppt/slides/slide3.xml><?xml version="1.0" encoding="utf-8"?>
 <p:sld xmlns:a="http://schemas.openxmlformats.org/drawingml/2006/main" xmlns:r="http://schemas.openxmlformats.org/officeDocument/2006/relationships" xmlns:p="http://schemas.openxmlformats.org/presentationml/2006/main">
   <p:cSld>
@@ -11982,9 +15047,9 @@
         <p:grpSpPr>
           <a:xfrm>
             <a:off x="375707" y="2228858"/>
-            <a:ext cx="5410414" cy="3282293"/>
+            <a:ext cx="5410414" cy="3252746"/>
             <a:chOff x="625226" y="2803927"/>
-            <a:chExt cx="5009638" cy="3039158"/>
+            <a:chExt cx="5009638" cy="3011800"/>
           </a:xfrm>
         </p:grpSpPr>
         <p:pic>
@@ -12083,7 +15148,7 @@
           <p:spPr>
             <a:xfrm>
               <a:off x="1582730" y="5473753"/>
-              <a:ext cx="3094630" cy="369332"/>
+              <a:ext cx="2696189" cy="341974"/>
             </a:xfrm>
             <a:prstGeom prst="rect">
               <a:avLst/>
@@ -12098,7 +15163,7 @@
             <a:p>
               <a:r>
                 <a:rPr lang="en-US" dirty="0"/>
-                <a:t>LMS fit of sine + gaussian noise</a:t>
+                <a:t>LMS fit: sine + gaussian noise</a:t>
               </a:r>
               <a:endParaRPr lang="en-IL" dirty="0"/>
             </a:p>
@@ -12236,7 +15301,7 @@
             <a:p>
               <a:r>
                 <a:rPr lang="en-US" dirty="0"/>
-                <a:t>LMS fit of sine + gaussian noise + shift</a:t>
+                <a:t>LMS fit: sine + gaussian noise + shift</a:t>
               </a:r>
               <a:endParaRPr lang="en-IL" dirty="0"/>
             </a:p>
@@ -12346,7 +15411,7 @@
         </p:nvSpPr>
         <p:spPr>
           <a:xfrm>
-            <a:off x="721918" y="437286"/>
+            <a:off x="1840994" y="581785"/>
             <a:ext cx="8795998" cy="523220"/>
           </a:xfrm>
           <a:prstGeom prst="rect">
@@ -12404,7 +15469,7 @@
           <a:p>
             <a:r>
               <a:rPr lang="en-US" dirty="0"/>
-              <a:t>RANSAC fit of sine + gaussian noise + shift</a:t>
+              <a:t>RANSAC + LMS fit: sine + gaussian noise + shift</a:t>
             </a:r>
             <a:endParaRPr lang="en-IL" dirty="0"/>
           </a:p>

--- a/RANSAC/RANSAC.pptx
+++ b/RANSAC/RANSAC.pptx
@@ -216,7 +216,7 @@
           <a:p>
             <a:fld id="{CA835E94-03C3-4829-87F5-1BCAE5B78069}" type="datetimeFigureOut">
               <a:rPr lang="en-IL" smtClean="0"/>
-              <a:t>06/01/2022</a:t>
+              <a:t>10/01/2022</a:t>
             </a:fld>
             <a:endParaRPr lang="en-IL"/>
           </a:p>
@@ -613,7 +613,7 @@
           <a:p>
             <a:fld id="{9F3C49E6-D9EC-4034-9731-7892FF7FC3D8}" type="datetime1">
               <a:rPr lang="en-US" smtClean="0"/>
-              <a:t>1/6/2022</a:t>
+              <a:t>1/10/2022</a:t>
             </a:fld>
             <a:endParaRPr lang="en-US" dirty="0"/>
           </a:p>
@@ -781,7 +781,7 @@
           <a:p>
             <a:fld id="{BB3E0B60-9790-4381-9BA0-BCCF78FD4697}" type="datetime1">
               <a:rPr lang="en-US" smtClean="0"/>
-              <a:t>1/6/2022</a:t>
+              <a:t>1/10/2022</a:t>
             </a:fld>
             <a:endParaRPr lang="en-US" dirty="0"/>
           </a:p>
@@ -959,7 +959,7 @@
           <a:p>
             <a:fld id="{C9282981-334B-448B-9FDE-EB6658CE9CBE}" type="datetime1">
               <a:rPr lang="en-US" smtClean="0"/>
-              <a:t>1/6/2022</a:t>
+              <a:t>1/10/2022</a:t>
             </a:fld>
             <a:endParaRPr lang="en-US" dirty="0"/>
           </a:p>
@@ -1127,7 +1127,7 @@
           <a:p>
             <a:fld id="{660D70B8-CE09-4FFF-AE8A-67636ADAAC4D}" type="datetime1">
               <a:rPr lang="en-US" smtClean="0"/>
-              <a:t>1/6/2022</a:t>
+              <a:t>1/10/2022</a:t>
             </a:fld>
             <a:endParaRPr lang="en-US" dirty="0"/>
           </a:p>
@@ -1372,7 +1372,7 @@
           <a:p>
             <a:fld id="{AD0B0D67-F21A-4534-96EB-9AF475FC05ED}" type="datetime1">
               <a:rPr lang="en-US" smtClean="0"/>
-              <a:t>1/6/2022</a:t>
+              <a:t>1/10/2022</a:t>
             </a:fld>
             <a:endParaRPr lang="en-US" dirty="0"/>
           </a:p>
@@ -1601,7 +1601,7 @@
           <a:p>
             <a:fld id="{14B50E77-33EC-4A36-8482-ECBDB7352028}" type="datetime1">
               <a:rPr lang="en-US" smtClean="0"/>
-              <a:t>1/6/2022</a:t>
+              <a:t>1/10/2022</a:t>
             </a:fld>
             <a:endParaRPr lang="en-US" dirty="0"/>
           </a:p>
@@ -1965,7 +1965,7 @@
           <a:p>
             <a:fld id="{ACEED77A-FF81-44F1-90C7-ED47DCB502B6}" type="datetime1">
               <a:rPr lang="en-US" smtClean="0"/>
-              <a:t>1/6/2022</a:t>
+              <a:t>1/10/2022</a:t>
             </a:fld>
             <a:endParaRPr lang="en-US" dirty="0"/>
           </a:p>
@@ -2082,7 +2082,7 @@
           <a:p>
             <a:fld id="{458942FC-C333-4BE2-A82C-701F97CC151C}" type="datetime1">
               <a:rPr lang="en-US" smtClean="0"/>
-              <a:t>1/6/2022</a:t>
+              <a:t>1/10/2022</a:t>
             </a:fld>
             <a:endParaRPr lang="en-US" dirty="0"/>
           </a:p>
@@ -2177,7 +2177,7 @@
           <a:p>
             <a:fld id="{306691DF-E280-48E3-BA03-9B7A29E7E306}" type="datetime1">
               <a:rPr lang="en-US" smtClean="0"/>
-              <a:t>1/6/2022</a:t>
+              <a:t>1/10/2022</a:t>
             </a:fld>
             <a:endParaRPr lang="en-US" dirty="0"/>
           </a:p>
@@ -2452,7 +2452,7 @@
           <a:p>
             <a:fld id="{6FDCB84F-995F-403D-A6DF-D769E0F89373}" type="datetime1">
               <a:rPr lang="en-US" smtClean="0"/>
-              <a:t>1/6/2022</a:t>
+              <a:t>1/10/2022</a:t>
             </a:fld>
             <a:endParaRPr lang="en-US" dirty="0"/>
           </a:p>
@@ -2704,7 +2704,7 @@
           <a:p>
             <a:fld id="{05B43EA9-DA9D-4CCE-9296-16EC40D7A021}" type="datetime1">
               <a:rPr lang="en-US" smtClean="0"/>
-              <a:t>1/6/2022</a:t>
+              <a:t>1/10/2022</a:t>
             </a:fld>
             <a:endParaRPr lang="en-US" dirty="0"/>
           </a:p>
@@ -2915,7 +2915,7 @@
           <a:p>
             <a:fld id="{BE307345-9905-436A-8A7E-545FDF14C767}" type="datetime1">
               <a:rPr lang="en-US" smtClean="0"/>
-              <a:t>1/6/2022</a:t>
+              <a:t>1/10/2022</a:t>
             </a:fld>
             <a:endParaRPr lang="en-US" dirty="0"/>
           </a:p>
@@ -3655,8 +3655,8 @@
           </a:p>
         </p:txBody>
       </p:sp>
-      <mc:AlternateContent xmlns:mc="http://schemas.openxmlformats.org/markup-compatibility/2006">
-        <mc:Choice xmlns:a14="http://schemas.microsoft.com/office/drawing/2010/main" Requires="a14">
+      <mc:AlternateContent xmlns:mc="http://schemas.openxmlformats.org/markup-compatibility/2006" xmlns:a14="http://schemas.microsoft.com/office/drawing/2010/main">
+        <mc:Choice Requires="a14">
           <p:sp>
             <p:nvSpPr>
               <p:cNvPr id="10" name="TextBox 9">
@@ -3720,7 +3720,7 @@
             </p:txBody>
           </p:sp>
         </mc:Choice>
-        <mc:Fallback>
+        <mc:Fallback xmlns="">
           <p:sp>
             <p:nvSpPr>
               <p:cNvPr id="10" name="TextBox 9">
@@ -3884,8 +3884,8 @@
           </a:prstGeom>
         </p:spPr>
       </p:pic>
-      <mc:AlternateContent xmlns:mc="http://schemas.openxmlformats.org/markup-compatibility/2006">
-        <mc:Choice xmlns:a14="http://schemas.microsoft.com/office/drawing/2010/main" Requires="a14">
+      <mc:AlternateContent xmlns:mc="http://schemas.openxmlformats.org/markup-compatibility/2006" xmlns:a14="http://schemas.microsoft.com/office/drawing/2010/main">
+        <mc:Choice Requires="a14">
           <p:sp>
             <p:nvSpPr>
               <p:cNvPr id="12" name="TextBox 11">
@@ -3937,7 +3937,7 @@
             </p:txBody>
           </p:sp>
         </mc:Choice>
-        <mc:Fallback>
+        <mc:Fallback xmlns="">
           <p:sp>
             <p:nvSpPr>
               <p:cNvPr id="12" name="TextBox 11">
@@ -4093,8 +4093,8 @@
             </p:style>
           </p:cxnSp>
         </p:grpSp>
-        <mc:AlternateContent xmlns:mc="http://schemas.openxmlformats.org/markup-compatibility/2006">
-          <mc:Choice xmlns:a14="http://schemas.microsoft.com/office/drawing/2010/main" Requires="a14">
+        <mc:AlternateContent xmlns:mc="http://schemas.openxmlformats.org/markup-compatibility/2006" xmlns:a14="http://schemas.microsoft.com/office/drawing/2010/main">
+          <mc:Choice Requires="a14">
             <p:sp>
               <p:nvSpPr>
                 <p:cNvPr id="16" name="TextBox 15">
@@ -4153,7 +4153,7 @@
               </p:txBody>
             </p:sp>
           </mc:Choice>
-          <mc:Fallback>
+          <mc:Fallback xmlns="">
             <p:sp>
               <p:nvSpPr>
                 <p:cNvPr id="16" name="TextBox 15">
@@ -4575,8 +4575,8 @@
           </p:txBody>
         </p:sp>
       </p:grpSp>
-      <mc:AlternateContent xmlns:mc="http://schemas.openxmlformats.org/markup-compatibility/2006">
-        <mc:Choice xmlns:a14="http://schemas.microsoft.com/office/drawing/2010/main" Requires="a14">
+      <mc:AlternateContent xmlns:mc="http://schemas.openxmlformats.org/markup-compatibility/2006" xmlns:a14="http://schemas.microsoft.com/office/drawing/2010/main">
+        <mc:Choice Requires="a14">
           <p:sp>
             <p:nvSpPr>
               <p:cNvPr id="12" name="TextBox 11">
@@ -4778,7 +4778,13 @@
                                       <a:rPr lang="en-US" sz="4000" b="0" i="1" smtClean="0">
                                         <a:latin typeface="Cambria Math" panose="02040503050406030204" pitchFamily="18" charset="0"/>
                                       </a:rPr>
-                                      <m:t>11</m:t>
+                                      <m:t>1</m:t>
+                                    </m:r>
+                                    <m:r>
+                                      <a:rPr lang="en-US" sz="4000" b="0" i="1" smtClean="0">
+                                        <a:latin typeface="Cambria Math" panose="02040503050406030204" pitchFamily="18" charset="0"/>
+                                      </a:rPr>
+                                      <m:t>1</m:t>
                                     </m:r>
                                   </m:sub>
                                 </m:sSub>
@@ -5100,7 +5106,7 @@
             </p:txBody>
           </p:sp>
         </mc:Choice>
-        <mc:Fallback>
+        <mc:Fallback xmlns="">
           <p:sp>
             <p:nvSpPr>
               <p:cNvPr id="12" name="TextBox 11">
@@ -5957,8 +5963,8 @@
           </p:txBody>
         </p:sp>
       </p:grpSp>
-      <mc:AlternateContent xmlns:mc="http://schemas.openxmlformats.org/markup-compatibility/2006">
-        <mc:Choice xmlns:a14="http://schemas.microsoft.com/office/drawing/2010/main" Requires="a14">
+      <mc:AlternateContent xmlns:mc="http://schemas.openxmlformats.org/markup-compatibility/2006" xmlns:a14="http://schemas.microsoft.com/office/drawing/2010/main">
+        <mc:Choice Requires="a14">
           <p:sp>
             <p:nvSpPr>
               <p:cNvPr id="22" name="TextBox 21">
@@ -6136,7 +6142,7 @@
             </p:txBody>
           </p:sp>
         </mc:Choice>
-        <mc:Fallback>
+        <mc:Fallback xmlns="">
           <p:sp>
             <p:nvSpPr>
               <p:cNvPr id="22" name="TextBox 21">
@@ -7774,8 +7780,8 @@
             </a:fontRef>
           </p:style>
         </p:cxnSp>
-        <mc:AlternateContent xmlns:mc="http://schemas.openxmlformats.org/markup-compatibility/2006">
-          <mc:Choice xmlns:a14="http://schemas.microsoft.com/office/drawing/2010/main" Requires="a14">
+        <mc:AlternateContent xmlns:mc="http://schemas.openxmlformats.org/markup-compatibility/2006" xmlns:a14="http://schemas.microsoft.com/office/drawing/2010/main">
+          <mc:Choice Requires="a14">
             <p:sp>
               <p:nvSpPr>
                 <p:cNvPr id="89" name="TextBox 88"/>
@@ -7817,7 +7823,7 @@
               </p:txBody>
             </p:sp>
           </mc:Choice>
-          <mc:Fallback>
+          <mc:Fallback xmlns="">
             <p:sp>
               <p:nvSpPr>
                 <p:cNvPr id="89" name="TextBox 88"/>
@@ -10466,8 +10472,8 @@
             </a:fontRef>
           </p:style>
         </p:cxnSp>
-        <mc:AlternateContent xmlns:mc="http://schemas.openxmlformats.org/markup-compatibility/2006">
-          <mc:Choice xmlns:a14="http://schemas.microsoft.com/office/drawing/2010/main" Requires="a14">
+        <mc:AlternateContent xmlns:mc="http://schemas.openxmlformats.org/markup-compatibility/2006" xmlns:a14="http://schemas.microsoft.com/office/drawing/2010/main">
+          <mc:Choice Requires="a14">
             <p:sp>
               <p:nvSpPr>
                 <p:cNvPr id="44" name="TextBox 43"/>
@@ -10509,7 +10515,7 @@
               </p:txBody>
             </p:sp>
           </mc:Choice>
-          <mc:Fallback>
+          <mc:Fallback xmlns="">
             <p:sp>
               <p:nvSpPr>
                 <p:cNvPr id="44" name="TextBox 43"/>
@@ -12657,8 +12663,8 @@
           </a:prstGeom>
         </p:spPr>
       </p:pic>
-      <mc:AlternateContent xmlns:mc="http://schemas.openxmlformats.org/markup-compatibility/2006">
-        <mc:Choice xmlns:a14="http://schemas.microsoft.com/office/drawing/2010/main" Requires="a14">
+      <mc:AlternateContent xmlns:mc="http://schemas.openxmlformats.org/markup-compatibility/2006" xmlns:a14="http://schemas.microsoft.com/office/drawing/2010/main">
+        <mc:Choice Requires="a14">
           <p:sp>
             <p:nvSpPr>
               <p:cNvPr id="7" name="TextBox 6">
@@ -12809,7 +12815,7 @@
             </p:txBody>
           </p:sp>
         </mc:Choice>
-        <mc:Fallback>
+        <mc:Fallback xmlns="">
           <p:sp>
             <p:nvSpPr>
               <p:cNvPr id="7" name="TextBox 6">
@@ -12886,6 +12892,35 @@
       </p:grpSpPr>
       <p:pic>
         <p:nvPicPr>
+          <p:cNvPr id="12" name="Picture 11">
+            <a:extLst>
+              <a:ext uri="{FF2B5EF4-FFF2-40B4-BE49-F238E27FC236}">
+                <a16:creationId xmlns:a16="http://schemas.microsoft.com/office/drawing/2014/main" id="{9C27A66A-592F-441C-B379-51104742D28B}"/>
+              </a:ext>
+            </a:extLst>
+          </p:cNvPr>
+          <p:cNvPicPr>
+            <a:picLocks noChangeAspect="1"/>
+          </p:cNvPicPr>
+          <p:nvPr/>
+        </p:nvPicPr>
+        <p:blipFill rotWithShape="1">
+          <a:blip r:embed="rId2"/>
+          <a:srcRect l="166" t="18066" r="-165" b="58891"/>
+          <a:stretch/>
+        </p:blipFill>
+        <p:spPr>
+          <a:xfrm>
+            <a:off x="647702" y="1432278"/>
+            <a:ext cx="10401298" cy="1433513"/>
+          </a:xfrm>
+          <a:prstGeom prst="rect">
+            <a:avLst/>
+          </a:prstGeom>
+        </p:spPr>
+      </p:pic>
+      <p:pic>
+        <p:nvPicPr>
           <p:cNvPr id="13" name="Picture 12">
             <a:extLst>
               <a:ext uri="{FF2B5EF4-FFF2-40B4-BE49-F238E27FC236}">
@@ -12898,16 +12933,15 @@
           </p:cNvPicPr>
           <p:nvPr/>
         </p:nvPicPr>
-        <p:blipFill>
+        <p:blipFill rotWithShape="1">
           <a:blip r:embed="rId2"/>
-          <a:stretch>
-            <a:fillRect/>
-          </a:stretch>
+          <a:srcRect b="82699"/>
+          <a:stretch/>
         </p:blipFill>
         <p:spPr>
           <a:xfrm>
-            <a:off x="647702" y="390525"/>
-            <a:ext cx="10401298" cy="6221236"/>
+            <a:off x="647702" y="246240"/>
+            <a:ext cx="10401298" cy="1076323"/>
           </a:xfrm>
           <a:prstGeom prst="rect">
             <a:avLst/>
@@ -12943,224 +12977,93 @@
           </a:p>
         </p:txBody>
       </p:sp>
-      <p:cxnSp>
-        <p:nvCxnSpPr>
-          <p:cNvPr id="8" name="Straight Arrow Connector 7">
+      <p:pic>
+        <p:nvPicPr>
+          <p:cNvPr id="10" name="Picture 9">
             <a:extLst>
               <a:ext uri="{FF2B5EF4-FFF2-40B4-BE49-F238E27FC236}">
-                <a16:creationId xmlns:a16="http://schemas.microsoft.com/office/drawing/2014/main" id="{C422B5E9-7418-4B95-919E-C972539131E6}"/>
+                <a16:creationId xmlns:a16="http://schemas.microsoft.com/office/drawing/2014/main" id="{88326264-1378-4B00-AA2C-EC5FA3FC74F4}"/>
               </a:ext>
             </a:extLst>
           </p:cNvPr>
-          <p:cNvCxnSpPr/>
+          <p:cNvPicPr>
+            <a:picLocks noChangeAspect="1"/>
+          </p:cNvPicPr>
           <p:nvPr/>
-        </p:nvCxnSpPr>
+        </p:nvPicPr>
+        <p:blipFill rotWithShape="1">
+          <a:blip r:embed="rId2"/>
+          <a:srcRect t="94131"/>
+          <a:stretch/>
+        </p:blipFill>
         <p:spPr>
-          <a:xfrm flipH="1">
-            <a:off x="3976687" y="923925"/>
-            <a:ext cx="4238625" cy="0"/>
+          <a:xfrm>
+            <a:off x="647702" y="6356350"/>
+            <a:ext cx="10401298" cy="365125"/>
           </a:xfrm>
-          <a:prstGeom prst="straightConnector1">
+          <a:prstGeom prst="rect">
             <a:avLst/>
           </a:prstGeom>
-          <a:ln w="76200">
-            <a:solidFill>
-              <a:srgbClr val="FFC000"/>
-            </a:solidFill>
-            <a:tailEnd type="triangle"/>
-          </a:ln>
         </p:spPr>
-        <p:style>
-          <a:lnRef idx="1">
-            <a:schemeClr val="accent1"/>
-          </a:lnRef>
-          <a:fillRef idx="0">
-            <a:schemeClr val="accent1"/>
-          </a:fillRef>
-          <a:effectRef idx="0">
-            <a:schemeClr val="accent1"/>
-          </a:effectRef>
-          <a:fontRef idx="minor">
-            <a:schemeClr val="tx1"/>
-          </a:fontRef>
-        </p:style>
-      </p:cxnSp>
-      <p:cxnSp>
-        <p:nvCxnSpPr>
-          <p:cNvPr id="9" name="Straight Arrow Connector 8">
+      </p:pic>
+      <p:pic>
+        <p:nvPicPr>
+          <p:cNvPr id="14" name="Picture 13">
             <a:extLst>
               <a:ext uri="{FF2B5EF4-FFF2-40B4-BE49-F238E27FC236}">
-                <a16:creationId xmlns:a16="http://schemas.microsoft.com/office/drawing/2014/main" id="{025F2ED4-1A1F-41FF-AE68-A376A5C86C80}"/>
+                <a16:creationId xmlns:a16="http://schemas.microsoft.com/office/drawing/2014/main" id="{137989A7-EE12-4564-B0F3-D41D7DAF5734}"/>
               </a:ext>
             </a:extLst>
           </p:cNvPr>
-          <p:cNvCxnSpPr>
-            <a:cxnSpLocks/>
-          </p:cNvCxnSpPr>
+          <p:cNvPicPr>
+            <a:picLocks noChangeAspect="1"/>
+          </p:cNvPicPr>
           <p:nvPr/>
-        </p:nvCxnSpPr>
+        </p:nvPicPr>
+        <p:blipFill rotWithShape="1">
+          <a:blip r:embed="rId2"/>
+          <a:srcRect t="41865" b="37132"/>
+          <a:stretch/>
+        </p:blipFill>
         <p:spPr>
-          <a:xfrm flipH="1">
-            <a:off x="7572375" y="2209800"/>
-            <a:ext cx="3476625" cy="0"/>
+          <a:xfrm>
+            <a:off x="647702" y="2972310"/>
+            <a:ext cx="10401298" cy="1306573"/>
           </a:xfrm>
-          <a:prstGeom prst="straightConnector1">
+          <a:prstGeom prst="rect">
             <a:avLst/>
           </a:prstGeom>
-          <a:ln w="76200">
-            <a:solidFill>
-              <a:srgbClr val="FFC000"/>
-            </a:solidFill>
-            <a:tailEnd type="triangle"/>
-          </a:ln>
         </p:spPr>
-        <p:style>
-          <a:lnRef idx="1">
-            <a:schemeClr val="accent1"/>
-          </a:lnRef>
-          <a:fillRef idx="0">
-            <a:schemeClr val="accent1"/>
-          </a:fillRef>
-          <a:effectRef idx="0">
-            <a:schemeClr val="accent1"/>
-          </a:effectRef>
-          <a:fontRef idx="minor">
-            <a:schemeClr val="tx1"/>
-          </a:fontRef>
-        </p:style>
-      </p:cxnSp>
-      <p:cxnSp>
-        <p:nvCxnSpPr>
-          <p:cNvPr id="15" name="Straight Arrow Connector 14">
+      </p:pic>
+      <p:pic>
+        <p:nvPicPr>
+          <p:cNvPr id="16" name="Picture 15">
             <a:extLst>
               <a:ext uri="{FF2B5EF4-FFF2-40B4-BE49-F238E27FC236}">
-                <a16:creationId xmlns:a16="http://schemas.microsoft.com/office/drawing/2014/main" id="{30EA0AA8-EEC7-44A1-AADE-7714BA0CF7AF}"/>
+                <a16:creationId xmlns:a16="http://schemas.microsoft.com/office/drawing/2014/main" id="{94EBA9ED-31AD-4432-8358-04870E5A19A3}"/>
               </a:ext>
             </a:extLst>
           </p:cNvPr>
-          <p:cNvCxnSpPr>
-            <a:cxnSpLocks/>
-          </p:cNvCxnSpPr>
+          <p:cNvPicPr>
+            <a:picLocks noChangeAspect="1"/>
+          </p:cNvPicPr>
           <p:nvPr/>
-        </p:nvCxnSpPr>
+        </p:nvPicPr>
+        <p:blipFill rotWithShape="1">
+          <a:blip r:embed="rId2"/>
+          <a:srcRect t="62825" b="8003"/>
+          <a:stretch/>
+        </p:blipFill>
         <p:spPr>
-          <a:xfrm flipH="1">
-            <a:off x="6257926" y="3190875"/>
-            <a:ext cx="4238624" cy="0"/>
+          <a:xfrm>
+            <a:off x="647702" y="4385402"/>
+            <a:ext cx="10401298" cy="1814761"/>
           </a:xfrm>
-          <a:prstGeom prst="straightConnector1">
+          <a:prstGeom prst="rect">
             <a:avLst/>
           </a:prstGeom>
-          <a:ln w="76200">
-            <a:solidFill>
-              <a:srgbClr val="FFC000"/>
-            </a:solidFill>
-            <a:tailEnd type="triangle"/>
-          </a:ln>
         </p:spPr>
-        <p:style>
-          <a:lnRef idx="1">
-            <a:schemeClr val="accent1"/>
-          </a:lnRef>
-          <a:fillRef idx="0">
-            <a:schemeClr val="accent1"/>
-          </a:fillRef>
-          <a:effectRef idx="0">
-            <a:schemeClr val="accent1"/>
-          </a:effectRef>
-          <a:fontRef idx="minor">
-            <a:schemeClr val="tx1"/>
-          </a:fontRef>
-        </p:style>
-      </p:cxnSp>
-      <p:cxnSp>
-        <p:nvCxnSpPr>
-          <p:cNvPr id="17" name="Straight Arrow Connector 16">
-            <a:extLst>
-              <a:ext uri="{FF2B5EF4-FFF2-40B4-BE49-F238E27FC236}">
-                <a16:creationId xmlns:a16="http://schemas.microsoft.com/office/drawing/2014/main" id="{6D8F7441-2D11-4366-A1A1-3D76349A99C2}"/>
-              </a:ext>
-            </a:extLst>
-          </p:cNvPr>
-          <p:cNvCxnSpPr>
-            <a:cxnSpLocks/>
-          </p:cNvCxnSpPr>
-          <p:nvPr/>
-        </p:nvCxnSpPr>
-        <p:spPr>
-          <a:xfrm flipH="1">
-            <a:off x="8091487" y="4448175"/>
-            <a:ext cx="3262313" cy="0"/>
-          </a:xfrm>
-          <a:prstGeom prst="straightConnector1">
-            <a:avLst/>
-          </a:prstGeom>
-          <a:ln w="76200">
-            <a:solidFill>
-              <a:srgbClr val="FFC000"/>
-            </a:solidFill>
-            <a:tailEnd type="triangle"/>
-          </a:ln>
-        </p:spPr>
-        <p:style>
-          <a:lnRef idx="1">
-            <a:schemeClr val="accent1"/>
-          </a:lnRef>
-          <a:fillRef idx="0">
-            <a:schemeClr val="accent1"/>
-          </a:fillRef>
-          <a:effectRef idx="0">
-            <a:schemeClr val="accent1"/>
-          </a:effectRef>
-          <a:fontRef idx="minor">
-            <a:schemeClr val="tx1"/>
-          </a:fontRef>
-        </p:style>
-      </p:cxnSp>
-      <p:cxnSp>
-        <p:nvCxnSpPr>
-          <p:cNvPr id="19" name="Straight Arrow Connector 18">
-            <a:extLst>
-              <a:ext uri="{FF2B5EF4-FFF2-40B4-BE49-F238E27FC236}">
-                <a16:creationId xmlns:a16="http://schemas.microsoft.com/office/drawing/2014/main" id="{02E8847E-4C96-47D6-8BCE-9359E1BE00C5}"/>
-              </a:ext>
-            </a:extLst>
-          </p:cNvPr>
-          <p:cNvCxnSpPr>
-            <a:cxnSpLocks/>
-          </p:cNvCxnSpPr>
-          <p:nvPr/>
-        </p:nvCxnSpPr>
-        <p:spPr>
-          <a:xfrm flipH="1">
-            <a:off x="7877175" y="5191125"/>
-            <a:ext cx="3262313" cy="0"/>
-          </a:xfrm>
-          <a:prstGeom prst="straightConnector1">
-            <a:avLst/>
-          </a:prstGeom>
-          <a:ln w="76200">
-            <a:solidFill>
-              <a:srgbClr val="FFC000"/>
-            </a:solidFill>
-            <a:tailEnd type="triangle"/>
-          </a:ln>
-        </p:spPr>
-        <p:style>
-          <a:lnRef idx="1">
-            <a:schemeClr val="accent1"/>
-          </a:lnRef>
-          <a:fillRef idx="0">
-            <a:schemeClr val="accent1"/>
-          </a:fillRef>
-          <a:effectRef idx="0">
-            <a:schemeClr val="accent1"/>
-          </a:effectRef>
-          <a:fontRef idx="minor">
-            <a:schemeClr val="tx1"/>
-          </a:fontRef>
-        </p:style>
-      </p:cxnSp>
+      </p:pic>
     </p:spTree>
     <p:extLst>
       <p:ext uri="{BB962C8B-B14F-4D97-AF65-F5344CB8AC3E}">
@@ -13205,7 +13108,34 @@
                                           </p:stCondLst>
                                         </p:cTn>
                                         <p:tgtEl>
-                                          <p:spTgt spid="8"/>
+                                          <p:spTgt spid="10"/>
+                                        </p:tgtEl>
+                                        <p:attrNameLst>
+                                          <p:attrName>style.visibility</p:attrName>
+                                        </p:attrNameLst>
+                                      </p:cBhvr>
+                                      <p:to>
+                                        <p:strVal val="visible"/>
+                                      </p:to>
+                                    </p:set>
+                                  </p:childTnLst>
+                                </p:cTn>
+                              </p:par>
+                              <p:par>
+                                <p:cTn id="7" presetID="1" presetClass="entr" presetSubtype="0" fill="hold" nodeType="withEffect">
+                                  <p:stCondLst>
+                                    <p:cond delay="0"/>
+                                  </p:stCondLst>
+                                  <p:childTnLst>
+                                    <p:set>
+                                      <p:cBhvr>
+                                        <p:cTn id="8" dur="1" fill="hold">
+                                          <p:stCondLst>
+                                            <p:cond delay="0"/>
+                                          </p:stCondLst>
+                                        </p:cTn>
+                                        <p:tgtEl>
+                                          <p:spTgt spid="13"/>
                                         </p:tgtEl>
                                         <p:attrNameLst>
                                           <p:attrName>style.visibility</p:attrName>
@@ -13225,32 +13155,32 @@
                     </p:cTn>
                   </p:par>
                   <p:par>
-                    <p:cTn id="7" fill="hold">
+                    <p:cTn id="9" fill="hold">
                       <p:stCondLst>
                         <p:cond delay="indefinite"/>
                       </p:stCondLst>
                       <p:childTnLst>
                         <p:par>
-                          <p:cTn id="8" fill="hold">
+                          <p:cTn id="10" fill="hold">
                             <p:stCondLst>
                               <p:cond delay="0"/>
                             </p:stCondLst>
                             <p:childTnLst>
                               <p:par>
-                                <p:cTn id="9" presetID="1" presetClass="entr" presetSubtype="0" fill="hold" nodeType="clickEffect">
+                                <p:cTn id="11" presetID="1" presetClass="entr" presetSubtype="0" fill="hold" nodeType="clickEffect">
                                   <p:stCondLst>
                                     <p:cond delay="0"/>
                                   </p:stCondLst>
                                   <p:childTnLst>
                                     <p:set>
                                       <p:cBhvr>
-                                        <p:cTn id="10" dur="1" fill="hold">
+                                        <p:cTn id="12" dur="1" fill="hold">
                                           <p:stCondLst>
                                             <p:cond delay="0"/>
                                           </p:stCondLst>
                                         </p:cTn>
                                         <p:tgtEl>
-                                          <p:spTgt spid="9"/>
+                                          <p:spTgt spid="12"/>
                                         </p:tgtEl>
                                         <p:attrNameLst>
                                           <p:attrName>style.visibility</p:attrName>
@@ -13270,32 +13200,32 @@
                     </p:cTn>
                   </p:par>
                   <p:par>
-                    <p:cTn id="11" fill="hold">
+                    <p:cTn id="13" fill="hold">
                       <p:stCondLst>
                         <p:cond delay="indefinite"/>
                       </p:stCondLst>
                       <p:childTnLst>
                         <p:par>
-                          <p:cTn id="12" fill="hold">
+                          <p:cTn id="14" fill="hold">
                             <p:stCondLst>
                               <p:cond delay="0"/>
                             </p:stCondLst>
                             <p:childTnLst>
                               <p:par>
-                                <p:cTn id="13" presetID="1" presetClass="entr" presetSubtype="0" fill="hold" nodeType="clickEffect">
+                                <p:cTn id="15" presetID="1" presetClass="entr" presetSubtype="0" fill="hold" nodeType="clickEffect">
                                   <p:stCondLst>
                                     <p:cond delay="0"/>
                                   </p:stCondLst>
                                   <p:childTnLst>
                                     <p:set>
                                       <p:cBhvr>
-                                        <p:cTn id="14" dur="1" fill="hold">
+                                        <p:cTn id="16" dur="1" fill="hold">
                                           <p:stCondLst>
                                             <p:cond delay="0"/>
                                           </p:stCondLst>
                                         </p:cTn>
                                         <p:tgtEl>
-                                          <p:spTgt spid="15"/>
+                                          <p:spTgt spid="14"/>
                                         </p:tgtEl>
                                         <p:attrNameLst>
                                           <p:attrName>style.visibility</p:attrName>
@@ -13315,77 +13245,32 @@
                     </p:cTn>
                   </p:par>
                   <p:par>
-                    <p:cTn id="15" fill="hold">
+                    <p:cTn id="17" fill="hold">
                       <p:stCondLst>
                         <p:cond delay="indefinite"/>
                       </p:stCondLst>
                       <p:childTnLst>
                         <p:par>
-                          <p:cTn id="16" fill="hold">
+                          <p:cTn id="18" fill="hold">
                             <p:stCondLst>
                               <p:cond delay="0"/>
                             </p:stCondLst>
                             <p:childTnLst>
                               <p:par>
-                                <p:cTn id="17" presetID="1" presetClass="entr" presetSubtype="0" fill="hold" nodeType="clickEffect">
+                                <p:cTn id="19" presetID="1" presetClass="entr" presetSubtype="0" fill="hold" nodeType="clickEffect">
                                   <p:stCondLst>
                                     <p:cond delay="0"/>
                                   </p:stCondLst>
                                   <p:childTnLst>
                                     <p:set>
                                       <p:cBhvr>
-                                        <p:cTn id="18" dur="1" fill="hold">
+                                        <p:cTn id="20" dur="1" fill="hold">
                                           <p:stCondLst>
                                             <p:cond delay="0"/>
                                           </p:stCondLst>
                                         </p:cTn>
                                         <p:tgtEl>
-                                          <p:spTgt spid="17"/>
-                                        </p:tgtEl>
-                                        <p:attrNameLst>
-                                          <p:attrName>style.visibility</p:attrName>
-                                        </p:attrNameLst>
-                                      </p:cBhvr>
-                                      <p:to>
-                                        <p:strVal val="visible"/>
-                                      </p:to>
-                                    </p:set>
-                                  </p:childTnLst>
-                                </p:cTn>
-                              </p:par>
-                            </p:childTnLst>
-                          </p:cTn>
-                        </p:par>
-                      </p:childTnLst>
-                    </p:cTn>
-                  </p:par>
-                  <p:par>
-                    <p:cTn id="19" fill="hold">
-                      <p:stCondLst>
-                        <p:cond delay="indefinite"/>
-                      </p:stCondLst>
-                      <p:childTnLst>
-                        <p:par>
-                          <p:cTn id="20" fill="hold">
-                            <p:stCondLst>
-                              <p:cond delay="0"/>
-                            </p:stCondLst>
-                            <p:childTnLst>
-                              <p:par>
-                                <p:cTn id="21" presetID="1" presetClass="entr" presetSubtype="0" fill="hold" nodeType="clickEffect">
-                                  <p:stCondLst>
-                                    <p:cond delay="0"/>
-                                  </p:stCondLst>
-                                  <p:childTnLst>
-                                    <p:set>
-                                      <p:cBhvr>
-                                        <p:cTn id="22" dur="1" fill="hold">
-                                          <p:stCondLst>
-                                            <p:cond delay="0"/>
-                                          </p:stCondLst>
-                                        </p:cTn>
-                                        <p:tgtEl>
-                                          <p:spTgt spid="19"/>
+                                          <p:spTgt spid="16"/>
                                         </p:tgtEl>
                                         <p:attrNameLst>
                                           <p:attrName>style.visibility</p:attrName>
@@ -13488,8 +13373,8 @@
           </a:p>
         </p:txBody>
       </p:sp>
-      <mc:AlternateContent xmlns:mc="http://schemas.openxmlformats.org/markup-compatibility/2006">
-        <mc:Choice xmlns:a14="http://schemas.microsoft.com/office/drawing/2010/main" Requires="a14">
+      <mc:AlternateContent xmlns:mc="http://schemas.openxmlformats.org/markup-compatibility/2006" xmlns:a14="http://schemas.microsoft.com/office/drawing/2010/main">
+        <mc:Choice Requires="a14">
           <p:sp>
             <p:nvSpPr>
               <p:cNvPr id="9" name="TextBox 8">
@@ -13793,7 +13678,7 @@
             </p:txBody>
           </p:sp>
         </mc:Choice>
-        <mc:Fallback>
+        <mc:Fallback xmlns="">
           <p:sp>
             <p:nvSpPr>
               <p:cNvPr id="9" name="TextBox 8">
@@ -14262,8 +14147,8 @@
           </a:p>
         </p:txBody>
       </p:sp>
-      <mc:AlternateContent xmlns:mc="http://schemas.openxmlformats.org/markup-compatibility/2006">
-        <mc:Choice xmlns:a14="http://schemas.microsoft.com/office/drawing/2010/main" Requires="a14">
+      <mc:AlternateContent xmlns:mc="http://schemas.openxmlformats.org/markup-compatibility/2006" xmlns:a14="http://schemas.microsoft.com/office/drawing/2010/main">
+        <mc:Choice Requires="a14">
           <p:sp>
             <p:nvSpPr>
               <p:cNvPr id="14" name="TextBox 13">
@@ -14351,7 +14236,7 @@
             </p:txBody>
           </p:sp>
         </mc:Choice>
-        <mc:Fallback>
+        <mc:Fallback xmlns="">
           <p:sp>
             <p:nvSpPr>
               <p:cNvPr id="14" name="TextBox 13">
